--- a/docs/Koenig_DFBA.v1.pptx
+++ b/docs/Koenig_DFBA.v1.pptx
@@ -1,6 +1,6 @@
 
 <file path=ppt/presentation.xml><?xml version="1.0" encoding="utf-8"?>
-<p:presentation xmlns:a="http://schemas.openxmlformats.org/drawingml/2006/main" xmlns:p="http://schemas.openxmlformats.org/presentationml/2006/main" xmlns:r="http://schemas.openxmlformats.org/officeDocument/2006/relationships">
+<p:presentation xmlns:a="http://schemas.openxmlformats.org/drawingml/2006/main" xmlns:p="http://schemas.openxmlformats.org/presentationml/2006/main" xmlns:r="http://schemas.openxmlformats.org/officeDocument/2006/relationships" xmlns:p14="http://schemas.microsoft.com/office/powerpoint/2010/main" xmlns:p15="http://schemas.microsoft.com/office/powerpoint/2012/main" xmlns:mc="http://schemas.openxmlformats.org/markup-compatibility/2006">
   <p:sldMasterIdLst>
     <p:sldMasterId id="2147483648" r:id="rId2"/>
     <p:sldMasterId id="2147483661" r:id="rId3"/>
@@ -21,7 +21,7 @@
 </file>
 
 <file path=ppt/slideLayouts/slideLayout1.xml><?xml version="1.0" encoding="utf-8"?>
-<p:sldLayout xmlns:a="http://schemas.openxmlformats.org/drawingml/2006/main" xmlns:p="http://schemas.openxmlformats.org/presentationml/2006/main" xmlns:r="http://schemas.openxmlformats.org/officeDocument/2006/relationships" type="blank" preserve="1">
+<p:sldLayout xmlns:a="http://schemas.openxmlformats.org/drawingml/2006/main" xmlns:p="http://schemas.openxmlformats.org/presentationml/2006/main" xmlns:r="http://schemas.openxmlformats.org/officeDocument/2006/relationships" xmlns:p14="http://schemas.microsoft.com/office/powerpoint/2010/main" xmlns:p15="http://schemas.microsoft.com/office/powerpoint/2012/main" xmlns:mc="http://schemas.openxmlformats.org/markup-compatibility/2006" type="blank" preserve="1">
   <p:cSld name="Blank Slide">
     <p:spTree>
       <p:nvGrpSpPr>
@@ -43,7 +43,7 @@
 </file>
 
 <file path=ppt/slideLayouts/slideLayout10.xml><?xml version="1.0" encoding="utf-8"?>
-<p:sldLayout xmlns:a="http://schemas.openxmlformats.org/drawingml/2006/main" xmlns:p="http://schemas.openxmlformats.org/presentationml/2006/main" xmlns:r="http://schemas.openxmlformats.org/officeDocument/2006/relationships" type="objOverTx" preserve="1">
+<p:sldLayout xmlns:a="http://schemas.openxmlformats.org/drawingml/2006/main" xmlns:p="http://schemas.openxmlformats.org/presentationml/2006/main" xmlns:r="http://schemas.openxmlformats.org/officeDocument/2006/relationships" xmlns:p14="http://schemas.microsoft.com/office/powerpoint/2010/main" xmlns:p15="http://schemas.microsoft.com/office/powerpoint/2012/main" xmlns:mc="http://schemas.openxmlformats.org/markup-compatibility/2006" type="objOverTx" preserve="1">
   <p:cSld name="Title, Content over Content">
     <p:spTree>
       <p:nvGrpSpPr>
@@ -61,7 +61,7 @@
       </p:grpSpPr>
       <p:sp>
         <p:nvSpPr>
-          <p:cNvPr id="26" name="PlaceHolder 1"/>
+          <p:cNvPr id="24" name="PlaceHolder 1"/>
           <p:cNvSpPr>
             <a:spLocks noGrp="1"/>
           </p:cNvSpPr>
@@ -72,7 +72,7 @@
         <p:spPr>
           <a:xfrm>
             <a:off x="503640" y="301320"/>
-            <a:ext cx="9071280" cy="1262160"/>
+            <a:ext cx="9070920" cy="1261800"/>
           </a:xfrm>
           <a:prstGeom prst="rect">
             <a:avLst/>
@@ -82,13 +82,23 @@
           <a:bodyPr lIns="0" rIns="0" tIns="0" bIns="0" anchor="ctr"/>
           <a:p>
             <a:pPr algn="ctr"/>
-            <a:endParaRPr/>
-          </a:p>
-        </p:txBody>
-      </p:sp>
-      <p:sp>
-        <p:nvSpPr>
-          <p:cNvPr id="27" name="PlaceHolder 2"/>
+            <a:endParaRPr b="0" lang="en-US" sz="4400" spc="-1" strike="noStrike">
+              <a:solidFill>
+                <a:srgbClr val="000000"/>
+              </a:solidFill>
+              <a:uFill>
+                <a:solidFill>
+                  <a:srgbClr val="ffffff"/>
+                </a:solidFill>
+              </a:uFill>
+              <a:latin typeface="Arial"/>
+            </a:endParaRPr>
+          </a:p>
+        </p:txBody>
+      </p:sp>
+      <p:sp>
+        <p:nvSpPr>
+          <p:cNvPr id="25" name="PlaceHolder 2"/>
           <p:cNvSpPr>
             <a:spLocks noGrp="1"/>
           </p:cNvSpPr>
@@ -99,7 +109,7 @@
         <p:spPr>
           <a:xfrm>
             <a:off x="503640" y="1768680"/>
-            <a:ext cx="9071280" cy="2091240"/>
+            <a:ext cx="9070920" cy="2090880"/>
           </a:xfrm>
           <a:prstGeom prst="rect">
             <a:avLst/>
@@ -108,13 +118,23 @@
         <p:txBody>
           <a:bodyPr lIns="0" rIns="0" tIns="0" bIns="0"/>
           <a:p>
-            <a:endParaRPr/>
-          </a:p>
-        </p:txBody>
-      </p:sp>
-      <p:sp>
-        <p:nvSpPr>
-          <p:cNvPr id="28" name="PlaceHolder 3"/>
+            <a:endParaRPr b="0" lang="en-US" sz="3200" spc="-1" strike="noStrike">
+              <a:solidFill>
+                <a:srgbClr val="000000"/>
+              </a:solidFill>
+              <a:uFill>
+                <a:solidFill>
+                  <a:srgbClr val="ffffff"/>
+                </a:solidFill>
+              </a:uFill>
+              <a:latin typeface="Arial"/>
+            </a:endParaRPr>
+          </a:p>
+        </p:txBody>
+      </p:sp>
+      <p:sp>
+        <p:nvSpPr>
+          <p:cNvPr id="26" name="PlaceHolder 3"/>
           <p:cNvSpPr>
             <a:spLocks noGrp="1"/>
           </p:cNvSpPr>
@@ -124,8 +144,8 @@
         </p:nvSpPr>
         <p:spPr>
           <a:xfrm>
-            <a:off x="503640" y="4059000"/>
-            <a:ext cx="9071280" cy="2091240"/>
+            <a:off x="503640" y="4058640"/>
+            <a:ext cx="9070920" cy="2090880"/>
           </a:xfrm>
           <a:prstGeom prst="rect">
             <a:avLst/>
@@ -134,7 +154,17 @@
         <p:txBody>
           <a:bodyPr lIns="0" rIns="0" tIns="0" bIns="0"/>
           <a:p>
-            <a:endParaRPr/>
+            <a:endParaRPr b="0" lang="en-US" sz="3200" spc="-1" strike="noStrike">
+              <a:solidFill>
+                <a:srgbClr val="000000"/>
+              </a:solidFill>
+              <a:uFill>
+                <a:solidFill>
+                  <a:srgbClr val="ffffff"/>
+                </a:solidFill>
+              </a:uFill>
+              <a:latin typeface="Arial"/>
+            </a:endParaRPr>
           </a:p>
         </p:txBody>
       </p:sp>
@@ -144,7 +174,7 @@
 </file>
 
 <file path=ppt/slideLayouts/slideLayout11.xml><?xml version="1.0" encoding="utf-8"?>
-<p:sldLayout xmlns:a="http://schemas.openxmlformats.org/drawingml/2006/main" xmlns:p="http://schemas.openxmlformats.org/presentationml/2006/main" xmlns:r="http://schemas.openxmlformats.org/officeDocument/2006/relationships" type="fourObj" preserve="1">
+<p:sldLayout xmlns:a="http://schemas.openxmlformats.org/drawingml/2006/main" xmlns:p="http://schemas.openxmlformats.org/presentationml/2006/main" xmlns:r="http://schemas.openxmlformats.org/officeDocument/2006/relationships" xmlns:p14="http://schemas.microsoft.com/office/powerpoint/2010/main" xmlns:p15="http://schemas.microsoft.com/office/powerpoint/2012/main" xmlns:mc="http://schemas.openxmlformats.org/markup-compatibility/2006" type="fourObj" preserve="1">
   <p:cSld name="Title, 4 Content">
     <p:spTree>
       <p:nvGrpSpPr>
@@ -162,7 +192,7 @@
       </p:grpSpPr>
       <p:sp>
         <p:nvSpPr>
-          <p:cNvPr id="29" name="PlaceHolder 1"/>
+          <p:cNvPr id="27" name="PlaceHolder 1"/>
           <p:cNvSpPr>
             <a:spLocks noGrp="1"/>
           </p:cNvSpPr>
@@ -173,7 +203,7 @@
         <p:spPr>
           <a:xfrm>
             <a:off x="503640" y="301320"/>
-            <a:ext cx="9071280" cy="1262160"/>
+            <a:ext cx="9070920" cy="1261800"/>
           </a:xfrm>
           <a:prstGeom prst="rect">
             <a:avLst/>
@@ -183,13 +213,23 @@
           <a:bodyPr lIns="0" rIns="0" tIns="0" bIns="0" anchor="ctr"/>
           <a:p>
             <a:pPr algn="ctr"/>
-            <a:endParaRPr/>
-          </a:p>
-        </p:txBody>
-      </p:sp>
-      <p:sp>
-        <p:nvSpPr>
-          <p:cNvPr id="30" name="PlaceHolder 2"/>
+            <a:endParaRPr b="0" lang="en-US" sz="4400" spc="-1" strike="noStrike">
+              <a:solidFill>
+                <a:srgbClr val="000000"/>
+              </a:solidFill>
+              <a:uFill>
+                <a:solidFill>
+                  <a:srgbClr val="ffffff"/>
+                </a:solidFill>
+              </a:uFill>
+              <a:latin typeface="Arial"/>
+            </a:endParaRPr>
+          </a:p>
+        </p:txBody>
+      </p:sp>
+      <p:sp>
+        <p:nvSpPr>
+          <p:cNvPr id="28" name="PlaceHolder 2"/>
           <p:cNvSpPr>
             <a:spLocks noGrp="1"/>
           </p:cNvSpPr>
@@ -200,7 +240,7 @@
         <p:spPr>
           <a:xfrm>
             <a:off x="503640" y="1768680"/>
-            <a:ext cx="4426560" cy="2091240"/>
+            <a:ext cx="4426560" cy="2090880"/>
           </a:xfrm>
           <a:prstGeom prst="rect">
             <a:avLst/>
@@ -209,13 +249,23 @@
         <p:txBody>
           <a:bodyPr lIns="0" rIns="0" tIns="0" bIns="0"/>
           <a:p>
-            <a:endParaRPr/>
-          </a:p>
-        </p:txBody>
-      </p:sp>
-      <p:sp>
-        <p:nvSpPr>
-          <p:cNvPr id="31" name="PlaceHolder 3"/>
+            <a:endParaRPr b="0" lang="en-US" sz="3200" spc="-1" strike="noStrike">
+              <a:solidFill>
+                <a:srgbClr val="000000"/>
+              </a:solidFill>
+              <a:uFill>
+                <a:solidFill>
+                  <a:srgbClr val="ffffff"/>
+                </a:solidFill>
+              </a:uFill>
+              <a:latin typeface="Arial"/>
+            </a:endParaRPr>
+          </a:p>
+        </p:txBody>
+      </p:sp>
+      <p:sp>
+        <p:nvSpPr>
+          <p:cNvPr id="29" name="PlaceHolder 3"/>
           <p:cNvSpPr>
             <a:spLocks noGrp="1"/>
           </p:cNvSpPr>
@@ -226,7 +276,7 @@
         <p:spPr>
           <a:xfrm>
             <a:off x="5151960" y="1768680"/>
-            <a:ext cx="4426560" cy="2091240"/>
+            <a:ext cx="4426560" cy="2090880"/>
           </a:xfrm>
           <a:prstGeom prst="rect">
             <a:avLst/>
@@ -235,13 +285,23 @@
         <p:txBody>
           <a:bodyPr lIns="0" rIns="0" tIns="0" bIns="0"/>
           <a:p>
-            <a:endParaRPr/>
-          </a:p>
-        </p:txBody>
-      </p:sp>
-      <p:sp>
-        <p:nvSpPr>
-          <p:cNvPr id="32" name="PlaceHolder 4"/>
+            <a:endParaRPr b="0" lang="en-US" sz="3200" spc="-1" strike="noStrike">
+              <a:solidFill>
+                <a:srgbClr val="000000"/>
+              </a:solidFill>
+              <a:uFill>
+                <a:solidFill>
+                  <a:srgbClr val="ffffff"/>
+                </a:solidFill>
+              </a:uFill>
+              <a:latin typeface="Arial"/>
+            </a:endParaRPr>
+          </a:p>
+        </p:txBody>
+      </p:sp>
+      <p:sp>
+        <p:nvSpPr>
+          <p:cNvPr id="30" name="PlaceHolder 4"/>
           <p:cNvSpPr>
             <a:spLocks noGrp="1"/>
           </p:cNvSpPr>
@@ -251,8 +311,8 @@
         </p:nvSpPr>
         <p:spPr>
           <a:xfrm>
-            <a:off x="5151960" y="4059000"/>
-            <a:ext cx="4426560" cy="2091240"/>
+            <a:off x="5151960" y="4058640"/>
+            <a:ext cx="4426560" cy="2090880"/>
           </a:xfrm>
           <a:prstGeom prst="rect">
             <a:avLst/>
@@ -261,13 +321,23 @@
         <p:txBody>
           <a:bodyPr lIns="0" rIns="0" tIns="0" bIns="0"/>
           <a:p>
-            <a:endParaRPr/>
-          </a:p>
-        </p:txBody>
-      </p:sp>
-      <p:sp>
-        <p:nvSpPr>
-          <p:cNvPr id="33" name="PlaceHolder 5"/>
+            <a:endParaRPr b="0" lang="en-US" sz="3200" spc="-1" strike="noStrike">
+              <a:solidFill>
+                <a:srgbClr val="000000"/>
+              </a:solidFill>
+              <a:uFill>
+                <a:solidFill>
+                  <a:srgbClr val="ffffff"/>
+                </a:solidFill>
+              </a:uFill>
+              <a:latin typeface="Arial"/>
+            </a:endParaRPr>
+          </a:p>
+        </p:txBody>
+      </p:sp>
+      <p:sp>
+        <p:nvSpPr>
+          <p:cNvPr id="31" name="PlaceHolder 5"/>
           <p:cNvSpPr>
             <a:spLocks noGrp="1"/>
           </p:cNvSpPr>
@@ -277,8 +347,8 @@
         </p:nvSpPr>
         <p:spPr>
           <a:xfrm>
-            <a:off x="503640" y="4059000"/>
-            <a:ext cx="4426560" cy="2091240"/>
+            <a:off x="503640" y="4058640"/>
+            <a:ext cx="4426560" cy="2090880"/>
           </a:xfrm>
           <a:prstGeom prst="rect">
             <a:avLst/>
@@ -287,7 +357,17 @@
         <p:txBody>
           <a:bodyPr lIns="0" rIns="0" tIns="0" bIns="0"/>
           <a:p>
-            <a:endParaRPr/>
+            <a:endParaRPr b="0" lang="en-US" sz="3200" spc="-1" strike="noStrike">
+              <a:solidFill>
+                <a:srgbClr val="000000"/>
+              </a:solidFill>
+              <a:uFill>
+                <a:solidFill>
+                  <a:srgbClr val="ffffff"/>
+                </a:solidFill>
+              </a:uFill>
+              <a:latin typeface="Arial"/>
+            </a:endParaRPr>
           </a:p>
         </p:txBody>
       </p:sp>
@@ -297,7 +377,7 @@
 </file>
 
 <file path=ppt/slideLayouts/slideLayout12.xml><?xml version="1.0" encoding="utf-8"?>
-<p:sldLayout xmlns:a="http://schemas.openxmlformats.org/drawingml/2006/main" xmlns:p="http://schemas.openxmlformats.org/presentationml/2006/main" xmlns:r="http://schemas.openxmlformats.org/officeDocument/2006/relationships" type="blank" preserve="1">
+<p:sldLayout xmlns:a="http://schemas.openxmlformats.org/drawingml/2006/main" xmlns:p="http://schemas.openxmlformats.org/presentationml/2006/main" xmlns:r="http://schemas.openxmlformats.org/officeDocument/2006/relationships" xmlns:p14="http://schemas.microsoft.com/office/powerpoint/2010/main" xmlns:p15="http://schemas.microsoft.com/office/powerpoint/2012/main" xmlns:mc="http://schemas.openxmlformats.org/markup-compatibility/2006" type="blank" preserve="1">
   <p:cSld name="Title, 6 Content">
     <p:spTree>
       <p:nvGrpSpPr>
@@ -315,7 +395,7 @@
       </p:grpSpPr>
       <p:sp>
         <p:nvSpPr>
-          <p:cNvPr id="34" name="PlaceHolder 1"/>
+          <p:cNvPr id="32" name="PlaceHolder 1"/>
           <p:cNvSpPr>
             <a:spLocks noGrp="1"/>
           </p:cNvSpPr>
@@ -326,7 +406,7 @@
         <p:spPr>
           <a:xfrm>
             <a:off x="503640" y="301320"/>
-            <a:ext cx="9071280" cy="1262160"/>
+            <a:ext cx="9070920" cy="1261800"/>
           </a:xfrm>
           <a:prstGeom prst="rect">
             <a:avLst/>
@@ -336,13 +416,23 @@
           <a:bodyPr lIns="0" rIns="0" tIns="0" bIns="0" anchor="ctr"/>
           <a:p>
             <a:pPr algn="ctr"/>
-            <a:endParaRPr/>
-          </a:p>
-        </p:txBody>
-      </p:sp>
-      <p:sp>
-        <p:nvSpPr>
-          <p:cNvPr id="35" name="PlaceHolder 2"/>
+            <a:endParaRPr b="0" lang="en-US" sz="4400" spc="-1" strike="noStrike">
+              <a:solidFill>
+                <a:srgbClr val="000000"/>
+              </a:solidFill>
+              <a:uFill>
+                <a:solidFill>
+                  <a:srgbClr val="ffffff"/>
+                </a:solidFill>
+              </a:uFill>
+              <a:latin typeface="Arial"/>
+            </a:endParaRPr>
+          </a:p>
+        </p:txBody>
+      </p:sp>
+      <p:sp>
+        <p:nvSpPr>
+          <p:cNvPr id="33" name="PlaceHolder 2"/>
           <p:cNvSpPr>
             <a:spLocks noGrp="1"/>
           </p:cNvSpPr>
@@ -353,7 +443,7 @@
         <p:spPr>
           <a:xfrm>
             <a:off x="503640" y="1768680"/>
-            <a:ext cx="9071280" cy="4384440"/>
+            <a:ext cx="9070920" cy="4384080"/>
           </a:xfrm>
           <a:prstGeom prst="rect">
             <a:avLst/>
@@ -362,13 +452,23 @@
         <p:txBody>
           <a:bodyPr lIns="0" rIns="0" tIns="0" bIns="0"/>
           <a:p>
-            <a:endParaRPr/>
-          </a:p>
-        </p:txBody>
-      </p:sp>
-      <p:sp>
-        <p:nvSpPr>
-          <p:cNvPr id="36" name="PlaceHolder 3"/>
+            <a:endParaRPr b="0" lang="en-US" sz="3200" spc="-1" strike="noStrike">
+              <a:solidFill>
+                <a:srgbClr val="000000"/>
+              </a:solidFill>
+              <a:uFill>
+                <a:solidFill>
+                  <a:srgbClr val="ffffff"/>
+                </a:solidFill>
+              </a:uFill>
+              <a:latin typeface="Arial"/>
+            </a:endParaRPr>
+          </a:p>
+        </p:txBody>
+      </p:sp>
+      <p:sp>
+        <p:nvSpPr>
+          <p:cNvPr id="34" name="PlaceHolder 3"/>
           <p:cNvSpPr>
             <a:spLocks noGrp="1"/>
           </p:cNvSpPr>
@@ -379,7 +479,7 @@
         <p:spPr>
           <a:xfrm>
             <a:off x="503640" y="1768680"/>
-            <a:ext cx="9071280" cy="4384440"/>
+            <a:ext cx="9070920" cy="4384080"/>
           </a:xfrm>
           <a:prstGeom prst="rect">
             <a:avLst/>
@@ -388,26 +488,34 @@
         <p:txBody>
           <a:bodyPr lIns="0" rIns="0" tIns="0" bIns="0"/>
           <a:p>
-            <a:endParaRPr/>
+            <a:endParaRPr b="0" lang="en-US" sz="3200" spc="-1" strike="noStrike">
+              <a:solidFill>
+                <a:srgbClr val="000000"/>
+              </a:solidFill>
+              <a:uFill>
+                <a:solidFill>
+                  <a:srgbClr val="ffffff"/>
+                </a:solidFill>
+              </a:uFill>
+              <a:latin typeface="Arial"/>
+            </a:endParaRPr>
           </a:p>
         </p:txBody>
       </p:sp>
       <p:pic>
         <p:nvPicPr>
-          <p:cNvPr id="37" name="" descr=""/>
+          <p:cNvPr id="35" name="" descr=""/>
           <p:cNvPicPr/>
           <p:nvPr/>
         </p:nvPicPr>
         <p:blipFill>
           <a:blip r:embed="rId2"/>
-          <a:stretch>
-            <a:fillRect/>
-          </a:stretch>
+          <a:stretch/>
         </p:blipFill>
         <p:spPr>
           <a:xfrm>
-            <a:off x="2291760" y="1768320"/>
-            <a:ext cx="5495040" cy="4384440"/>
+            <a:off x="2291400" y="1768680"/>
+            <a:ext cx="5494680" cy="4384080"/>
           </a:xfrm>
           <a:prstGeom prst="rect">
             <a:avLst/>
@@ -419,20 +527,18 @@
       </p:pic>
       <p:pic>
         <p:nvPicPr>
-          <p:cNvPr id="38" name="" descr=""/>
+          <p:cNvPr id="36" name="" descr=""/>
           <p:cNvPicPr/>
           <p:nvPr/>
         </p:nvPicPr>
         <p:blipFill>
           <a:blip r:embed="rId3"/>
-          <a:stretch>
-            <a:fillRect/>
-          </a:stretch>
+          <a:stretch/>
         </p:blipFill>
         <p:spPr>
           <a:xfrm>
-            <a:off x="2291760" y="1768320"/>
-            <a:ext cx="5495040" cy="4384440"/>
+            <a:off x="2291400" y="1768680"/>
+            <a:ext cx="5494680" cy="4384080"/>
           </a:xfrm>
           <a:prstGeom prst="rect">
             <a:avLst/>
@@ -448,7 +554,7 @@
 </file>
 
 <file path=ppt/slideLayouts/slideLayout13.xml><?xml version="1.0" encoding="utf-8"?>
-<p:sldLayout xmlns:a="http://schemas.openxmlformats.org/drawingml/2006/main" xmlns:p="http://schemas.openxmlformats.org/presentationml/2006/main" xmlns:r="http://schemas.openxmlformats.org/officeDocument/2006/relationships" type="blank" preserve="1">
+<p:sldLayout xmlns:a="http://schemas.openxmlformats.org/drawingml/2006/main" xmlns:p="http://schemas.openxmlformats.org/presentationml/2006/main" xmlns:r="http://schemas.openxmlformats.org/officeDocument/2006/relationships" xmlns:p14="http://schemas.microsoft.com/office/powerpoint/2010/main" xmlns:p15="http://schemas.microsoft.com/office/powerpoint/2012/main" xmlns:mc="http://schemas.openxmlformats.org/markup-compatibility/2006" type="blank" preserve="1">
   <p:cSld name="Blank Slide">
     <p:spTree>
       <p:nvGrpSpPr>
@@ -470,7 +576,7 @@
 </file>
 
 <file path=ppt/slideLayouts/slideLayout14.xml><?xml version="1.0" encoding="utf-8"?>
-<p:sldLayout xmlns:a="http://schemas.openxmlformats.org/drawingml/2006/main" xmlns:p="http://schemas.openxmlformats.org/presentationml/2006/main" xmlns:r="http://schemas.openxmlformats.org/officeDocument/2006/relationships" type="tx" preserve="1">
+<p:sldLayout xmlns:a="http://schemas.openxmlformats.org/drawingml/2006/main" xmlns:p="http://schemas.openxmlformats.org/presentationml/2006/main" xmlns:r="http://schemas.openxmlformats.org/officeDocument/2006/relationships" xmlns:p14="http://schemas.microsoft.com/office/powerpoint/2010/main" xmlns:p15="http://schemas.microsoft.com/office/powerpoint/2012/main" xmlns:mc="http://schemas.openxmlformats.org/markup-compatibility/2006" type="tx" preserve="1">
   <p:cSld name="Title Slide">
     <p:spTree>
       <p:nvGrpSpPr>
@@ -488,7 +594,7 @@
       </p:grpSpPr>
       <p:sp>
         <p:nvSpPr>
-          <p:cNvPr id="42" name="PlaceHolder 1"/>
+          <p:cNvPr id="40" name="PlaceHolder 1"/>
           <p:cNvSpPr>
             <a:spLocks noGrp="1"/>
           </p:cNvSpPr>
@@ -499,7 +605,7 @@
         <p:spPr>
           <a:xfrm>
             <a:off x="503640" y="301320"/>
-            <a:ext cx="9071280" cy="1262160"/>
+            <a:ext cx="9070920" cy="1261800"/>
           </a:xfrm>
           <a:prstGeom prst="rect">
             <a:avLst/>
@@ -509,13 +615,23 @@
           <a:bodyPr lIns="0" rIns="0" tIns="0" bIns="0" anchor="ctr"/>
           <a:p>
             <a:pPr algn="ctr"/>
-            <a:endParaRPr/>
-          </a:p>
-        </p:txBody>
-      </p:sp>
-      <p:sp>
-        <p:nvSpPr>
-          <p:cNvPr id="43" name="PlaceHolder 2"/>
+            <a:endParaRPr b="0" lang="en-US" sz="4400" spc="-1" strike="noStrike">
+              <a:solidFill>
+                <a:srgbClr val="000000"/>
+              </a:solidFill>
+              <a:uFill>
+                <a:solidFill>
+                  <a:srgbClr val="ffffff"/>
+                </a:solidFill>
+              </a:uFill>
+              <a:latin typeface="Arial"/>
+            </a:endParaRPr>
+          </a:p>
+        </p:txBody>
+      </p:sp>
+      <p:sp>
+        <p:nvSpPr>
+          <p:cNvPr id="41" name="PlaceHolder 2"/>
           <p:cNvSpPr>
             <a:spLocks noGrp="1"/>
           </p:cNvSpPr>
@@ -526,7 +642,7 @@
         <p:spPr>
           <a:xfrm>
             <a:off x="503640" y="1768680"/>
-            <a:ext cx="9071280" cy="4384800"/>
+            <a:ext cx="9070920" cy="4384080"/>
           </a:xfrm>
           <a:prstGeom prst="rect">
             <a:avLst/>
@@ -536,7 +652,17 @@
           <a:bodyPr lIns="0" rIns="0" tIns="0" bIns="0" anchor="ctr"/>
           <a:p>
             <a:pPr algn="ctr"/>
-            <a:endParaRPr/>
+            <a:endParaRPr b="0" lang="en-US" sz="3200" spc="-1" strike="noStrike">
+              <a:solidFill>
+                <a:srgbClr val="000000"/>
+              </a:solidFill>
+              <a:uFill>
+                <a:solidFill>
+                  <a:srgbClr val="ffffff"/>
+                </a:solidFill>
+              </a:uFill>
+              <a:latin typeface="Arial"/>
+            </a:endParaRPr>
           </a:p>
         </p:txBody>
       </p:sp>
@@ -546,7 +672,7 @@
 </file>
 
 <file path=ppt/slideLayouts/slideLayout15.xml><?xml version="1.0" encoding="utf-8"?>
-<p:sldLayout xmlns:a="http://schemas.openxmlformats.org/drawingml/2006/main" xmlns:p="http://schemas.openxmlformats.org/presentationml/2006/main" xmlns:r="http://schemas.openxmlformats.org/officeDocument/2006/relationships" type="obj" preserve="1">
+<p:sldLayout xmlns:a="http://schemas.openxmlformats.org/drawingml/2006/main" xmlns:p="http://schemas.openxmlformats.org/presentationml/2006/main" xmlns:r="http://schemas.openxmlformats.org/officeDocument/2006/relationships" xmlns:p14="http://schemas.microsoft.com/office/powerpoint/2010/main" xmlns:p15="http://schemas.microsoft.com/office/powerpoint/2012/main" xmlns:mc="http://schemas.openxmlformats.org/markup-compatibility/2006" type="obj" preserve="1">
   <p:cSld name="Title, Content">
     <p:spTree>
       <p:nvGrpSpPr>
@@ -564,7 +690,7 @@
       </p:grpSpPr>
       <p:sp>
         <p:nvSpPr>
-          <p:cNvPr id="44" name="PlaceHolder 1"/>
+          <p:cNvPr id="42" name="PlaceHolder 1"/>
           <p:cNvSpPr>
             <a:spLocks noGrp="1"/>
           </p:cNvSpPr>
@@ -575,7 +701,7 @@
         <p:spPr>
           <a:xfrm>
             <a:off x="503640" y="301320"/>
-            <a:ext cx="9071280" cy="1262160"/>
+            <a:ext cx="9070920" cy="1261800"/>
           </a:xfrm>
           <a:prstGeom prst="rect">
             <a:avLst/>
@@ -585,13 +711,23 @@
           <a:bodyPr lIns="0" rIns="0" tIns="0" bIns="0" anchor="ctr"/>
           <a:p>
             <a:pPr algn="ctr"/>
-            <a:endParaRPr/>
-          </a:p>
-        </p:txBody>
-      </p:sp>
-      <p:sp>
-        <p:nvSpPr>
-          <p:cNvPr id="45" name="PlaceHolder 2"/>
+            <a:endParaRPr b="0" lang="en-US" sz="4400" spc="-1" strike="noStrike">
+              <a:solidFill>
+                <a:srgbClr val="000000"/>
+              </a:solidFill>
+              <a:uFill>
+                <a:solidFill>
+                  <a:srgbClr val="ffffff"/>
+                </a:solidFill>
+              </a:uFill>
+              <a:latin typeface="Arial"/>
+            </a:endParaRPr>
+          </a:p>
+        </p:txBody>
+      </p:sp>
+      <p:sp>
+        <p:nvSpPr>
+          <p:cNvPr id="43" name="PlaceHolder 2"/>
           <p:cNvSpPr>
             <a:spLocks noGrp="1"/>
           </p:cNvSpPr>
@@ -602,7 +738,7 @@
         <p:spPr>
           <a:xfrm>
             <a:off x="503640" y="1768680"/>
-            <a:ext cx="9071280" cy="4384440"/>
+            <a:ext cx="9070920" cy="4384080"/>
           </a:xfrm>
           <a:prstGeom prst="rect">
             <a:avLst/>
@@ -611,7 +747,17 @@
         <p:txBody>
           <a:bodyPr lIns="0" rIns="0" tIns="0" bIns="0"/>
           <a:p>
-            <a:endParaRPr/>
+            <a:endParaRPr b="0" lang="en-US" sz="3200" spc="-1" strike="noStrike">
+              <a:solidFill>
+                <a:srgbClr val="000000"/>
+              </a:solidFill>
+              <a:uFill>
+                <a:solidFill>
+                  <a:srgbClr val="ffffff"/>
+                </a:solidFill>
+              </a:uFill>
+              <a:latin typeface="Arial"/>
+            </a:endParaRPr>
           </a:p>
         </p:txBody>
       </p:sp>
@@ -621,7 +767,7 @@
 </file>
 
 <file path=ppt/slideLayouts/slideLayout16.xml><?xml version="1.0" encoding="utf-8"?>
-<p:sldLayout xmlns:a="http://schemas.openxmlformats.org/drawingml/2006/main" xmlns:p="http://schemas.openxmlformats.org/presentationml/2006/main" xmlns:r="http://schemas.openxmlformats.org/officeDocument/2006/relationships" type="twoObj" preserve="1">
+<p:sldLayout xmlns:a="http://schemas.openxmlformats.org/drawingml/2006/main" xmlns:p="http://schemas.openxmlformats.org/presentationml/2006/main" xmlns:r="http://schemas.openxmlformats.org/officeDocument/2006/relationships" xmlns:p14="http://schemas.microsoft.com/office/powerpoint/2010/main" xmlns:p15="http://schemas.microsoft.com/office/powerpoint/2012/main" xmlns:mc="http://schemas.openxmlformats.org/markup-compatibility/2006" type="twoObj" preserve="1">
   <p:cSld name="Title, 2 Content">
     <p:spTree>
       <p:nvGrpSpPr>
@@ -639,7 +785,7 @@
       </p:grpSpPr>
       <p:sp>
         <p:nvSpPr>
-          <p:cNvPr id="46" name="PlaceHolder 1"/>
+          <p:cNvPr id="44" name="PlaceHolder 1"/>
           <p:cNvSpPr>
             <a:spLocks noGrp="1"/>
           </p:cNvSpPr>
@@ -650,7 +796,7 @@
         <p:spPr>
           <a:xfrm>
             <a:off x="503640" y="301320"/>
-            <a:ext cx="9071280" cy="1262160"/>
+            <a:ext cx="9070920" cy="1261800"/>
           </a:xfrm>
           <a:prstGeom prst="rect">
             <a:avLst/>
@@ -660,13 +806,23 @@
           <a:bodyPr lIns="0" rIns="0" tIns="0" bIns="0" anchor="ctr"/>
           <a:p>
             <a:pPr algn="ctr"/>
-            <a:endParaRPr/>
-          </a:p>
-        </p:txBody>
-      </p:sp>
-      <p:sp>
-        <p:nvSpPr>
-          <p:cNvPr id="47" name="PlaceHolder 2"/>
+            <a:endParaRPr b="0" lang="en-US" sz="4400" spc="-1" strike="noStrike">
+              <a:solidFill>
+                <a:srgbClr val="000000"/>
+              </a:solidFill>
+              <a:uFill>
+                <a:solidFill>
+                  <a:srgbClr val="ffffff"/>
+                </a:solidFill>
+              </a:uFill>
+              <a:latin typeface="Arial"/>
+            </a:endParaRPr>
+          </a:p>
+        </p:txBody>
+      </p:sp>
+      <p:sp>
+        <p:nvSpPr>
+          <p:cNvPr id="45" name="PlaceHolder 2"/>
           <p:cNvSpPr>
             <a:spLocks noGrp="1"/>
           </p:cNvSpPr>
@@ -677,7 +833,7 @@
         <p:spPr>
           <a:xfrm>
             <a:off x="503640" y="1768680"/>
-            <a:ext cx="4426560" cy="4384440"/>
+            <a:ext cx="4426560" cy="4384080"/>
           </a:xfrm>
           <a:prstGeom prst="rect">
             <a:avLst/>
@@ -686,13 +842,23 @@
         <p:txBody>
           <a:bodyPr lIns="0" rIns="0" tIns="0" bIns="0"/>
           <a:p>
-            <a:endParaRPr/>
-          </a:p>
-        </p:txBody>
-      </p:sp>
-      <p:sp>
-        <p:nvSpPr>
-          <p:cNvPr id="48" name="PlaceHolder 3"/>
+            <a:endParaRPr b="0" lang="en-US" sz="3200" spc="-1" strike="noStrike">
+              <a:solidFill>
+                <a:srgbClr val="000000"/>
+              </a:solidFill>
+              <a:uFill>
+                <a:solidFill>
+                  <a:srgbClr val="ffffff"/>
+                </a:solidFill>
+              </a:uFill>
+              <a:latin typeface="Arial"/>
+            </a:endParaRPr>
+          </a:p>
+        </p:txBody>
+      </p:sp>
+      <p:sp>
+        <p:nvSpPr>
+          <p:cNvPr id="46" name="PlaceHolder 3"/>
           <p:cNvSpPr>
             <a:spLocks noGrp="1"/>
           </p:cNvSpPr>
@@ -703,7 +869,7 @@
         <p:spPr>
           <a:xfrm>
             <a:off x="5151960" y="1768680"/>
-            <a:ext cx="4426560" cy="4384440"/>
+            <a:ext cx="4426560" cy="4384080"/>
           </a:xfrm>
           <a:prstGeom prst="rect">
             <a:avLst/>
@@ -712,7 +878,17 @@
         <p:txBody>
           <a:bodyPr lIns="0" rIns="0" tIns="0" bIns="0"/>
           <a:p>
-            <a:endParaRPr/>
+            <a:endParaRPr b="0" lang="en-US" sz="3200" spc="-1" strike="noStrike">
+              <a:solidFill>
+                <a:srgbClr val="000000"/>
+              </a:solidFill>
+              <a:uFill>
+                <a:solidFill>
+                  <a:srgbClr val="ffffff"/>
+                </a:solidFill>
+              </a:uFill>
+              <a:latin typeface="Arial"/>
+            </a:endParaRPr>
           </a:p>
         </p:txBody>
       </p:sp>
@@ -722,7 +898,7 @@
 </file>
 
 <file path=ppt/slideLayouts/slideLayout17.xml><?xml version="1.0" encoding="utf-8"?>
-<p:sldLayout xmlns:a="http://schemas.openxmlformats.org/drawingml/2006/main" xmlns:p="http://schemas.openxmlformats.org/presentationml/2006/main" xmlns:r="http://schemas.openxmlformats.org/officeDocument/2006/relationships" type="titleOnly" preserve="1">
+<p:sldLayout xmlns:a="http://schemas.openxmlformats.org/drawingml/2006/main" xmlns:p="http://schemas.openxmlformats.org/presentationml/2006/main" xmlns:r="http://schemas.openxmlformats.org/officeDocument/2006/relationships" xmlns:p14="http://schemas.microsoft.com/office/powerpoint/2010/main" xmlns:p15="http://schemas.microsoft.com/office/powerpoint/2012/main" xmlns:mc="http://schemas.openxmlformats.org/markup-compatibility/2006" type="titleOnly" preserve="1">
   <p:cSld name="Title Only">
     <p:spTree>
       <p:nvGrpSpPr>
@@ -740,7 +916,7 @@
       </p:grpSpPr>
       <p:sp>
         <p:nvSpPr>
-          <p:cNvPr id="49" name="PlaceHolder 1"/>
+          <p:cNvPr id="47" name="PlaceHolder 1"/>
           <p:cNvSpPr>
             <a:spLocks noGrp="1"/>
           </p:cNvSpPr>
@@ -751,7 +927,7 @@
         <p:spPr>
           <a:xfrm>
             <a:off x="503640" y="301320"/>
-            <a:ext cx="9071280" cy="1262160"/>
+            <a:ext cx="9070920" cy="1261800"/>
           </a:xfrm>
           <a:prstGeom prst="rect">
             <a:avLst/>
@@ -761,7 +937,17 @@
           <a:bodyPr lIns="0" rIns="0" tIns="0" bIns="0" anchor="ctr"/>
           <a:p>
             <a:pPr algn="ctr"/>
-            <a:endParaRPr/>
+            <a:endParaRPr b="0" lang="en-US" sz="4400" spc="-1" strike="noStrike">
+              <a:solidFill>
+                <a:srgbClr val="000000"/>
+              </a:solidFill>
+              <a:uFill>
+                <a:solidFill>
+                  <a:srgbClr val="ffffff"/>
+                </a:solidFill>
+              </a:uFill>
+              <a:latin typeface="Arial"/>
+            </a:endParaRPr>
           </a:p>
         </p:txBody>
       </p:sp>
@@ -771,7 +957,7 @@
 </file>
 
 <file path=ppt/slideLayouts/slideLayout18.xml><?xml version="1.0" encoding="utf-8"?>
-<p:sldLayout xmlns:a="http://schemas.openxmlformats.org/drawingml/2006/main" xmlns:p="http://schemas.openxmlformats.org/presentationml/2006/main" xmlns:r="http://schemas.openxmlformats.org/officeDocument/2006/relationships" type="objOnly" preserve="1">
+<p:sldLayout xmlns:a="http://schemas.openxmlformats.org/drawingml/2006/main" xmlns:p="http://schemas.openxmlformats.org/presentationml/2006/main" xmlns:r="http://schemas.openxmlformats.org/officeDocument/2006/relationships" xmlns:p14="http://schemas.microsoft.com/office/powerpoint/2010/main" xmlns:p15="http://schemas.microsoft.com/office/powerpoint/2012/main" xmlns:mc="http://schemas.openxmlformats.org/markup-compatibility/2006" type="objOnly" preserve="1">
   <p:cSld name="Centered Text">
     <p:spTree>
       <p:nvGrpSpPr>
@@ -789,7 +975,7 @@
       </p:grpSpPr>
       <p:sp>
         <p:nvSpPr>
-          <p:cNvPr id="50" name="PlaceHolder 1"/>
+          <p:cNvPr id="48" name="PlaceHolder 1"/>
           <p:cNvSpPr>
             <a:spLocks noGrp="1"/>
           </p:cNvSpPr>
@@ -800,7 +986,7 @@
         <p:spPr>
           <a:xfrm>
             <a:off x="503640" y="301320"/>
-            <a:ext cx="9071280" cy="5850720"/>
+            <a:ext cx="9070920" cy="5850360"/>
           </a:xfrm>
           <a:prstGeom prst="rect">
             <a:avLst/>
@@ -810,7 +996,17 @@
           <a:bodyPr lIns="0" rIns="0" tIns="0" bIns="0" anchor="ctr"/>
           <a:p>
             <a:pPr algn="ctr"/>
-            <a:endParaRPr/>
+            <a:endParaRPr b="0" lang="en-US" sz="3200" spc="-1" strike="noStrike">
+              <a:solidFill>
+                <a:srgbClr val="000000"/>
+              </a:solidFill>
+              <a:uFill>
+                <a:solidFill>
+                  <a:srgbClr val="ffffff"/>
+                </a:solidFill>
+              </a:uFill>
+              <a:latin typeface="Arial"/>
+            </a:endParaRPr>
           </a:p>
         </p:txBody>
       </p:sp>
@@ -820,7 +1016,7 @@
 </file>
 
 <file path=ppt/slideLayouts/slideLayout19.xml><?xml version="1.0" encoding="utf-8"?>
-<p:sldLayout xmlns:a="http://schemas.openxmlformats.org/drawingml/2006/main" xmlns:p="http://schemas.openxmlformats.org/presentationml/2006/main" xmlns:r="http://schemas.openxmlformats.org/officeDocument/2006/relationships" type="twoObjAndObj" preserve="1">
+<p:sldLayout xmlns:a="http://schemas.openxmlformats.org/drawingml/2006/main" xmlns:p="http://schemas.openxmlformats.org/presentationml/2006/main" xmlns:r="http://schemas.openxmlformats.org/officeDocument/2006/relationships" xmlns:p14="http://schemas.microsoft.com/office/powerpoint/2010/main" xmlns:p15="http://schemas.microsoft.com/office/powerpoint/2012/main" xmlns:mc="http://schemas.openxmlformats.org/markup-compatibility/2006" type="twoObjAndObj" preserve="1">
   <p:cSld name="Title, 2 Content and Content">
     <p:spTree>
       <p:nvGrpSpPr>
@@ -838,7 +1034,7 @@
       </p:grpSpPr>
       <p:sp>
         <p:nvSpPr>
-          <p:cNvPr id="51" name="PlaceHolder 1"/>
+          <p:cNvPr id="49" name="PlaceHolder 1"/>
           <p:cNvSpPr>
             <a:spLocks noGrp="1"/>
           </p:cNvSpPr>
@@ -849,7 +1045,7 @@
         <p:spPr>
           <a:xfrm>
             <a:off x="503640" y="301320"/>
-            <a:ext cx="9071280" cy="1262160"/>
+            <a:ext cx="9070920" cy="1261800"/>
           </a:xfrm>
           <a:prstGeom prst="rect">
             <a:avLst/>
@@ -859,13 +1055,23 @@
           <a:bodyPr lIns="0" rIns="0" tIns="0" bIns="0" anchor="ctr"/>
           <a:p>
             <a:pPr algn="ctr"/>
-            <a:endParaRPr/>
-          </a:p>
-        </p:txBody>
-      </p:sp>
-      <p:sp>
-        <p:nvSpPr>
-          <p:cNvPr id="52" name="PlaceHolder 2"/>
+            <a:endParaRPr b="0" lang="en-US" sz="4400" spc="-1" strike="noStrike">
+              <a:solidFill>
+                <a:srgbClr val="000000"/>
+              </a:solidFill>
+              <a:uFill>
+                <a:solidFill>
+                  <a:srgbClr val="ffffff"/>
+                </a:solidFill>
+              </a:uFill>
+              <a:latin typeface="Arial"/>
+            </a:endParaRPr>
+          </a:p>
+        </p:txBody>
+      </p:sp>
+      <p:sp>
+        <p:nvSpPr>
+          <p:cNvPr id="50" name="PlaceHolder 2"/>
           <p:cNvSpPr>
             <a:spLocks noGrp="1"/>
           </p:cNvSpPr>
@@ -876,7 +1082,7 @@
         <p:spPr>
           <a:xfrm>
             <a:off x="503640" y="1768680"/>
-            <a:ext cx="4426560" cy="2091240"/>
+            <a:ext cx="4426560" cy="2090880"/>
           </a:xfrm>
           <a:prstGeom prst="rect">
             <a:avLst/>
@@ -885,13 +1091,23 @@
         <p:txBody>
           <a:bodyPr lIns="0" rIns="0" tIns="0" bIns="0"/>
           <a:p>
-            <a:endParaRPr/>
-          </a:p>
-        </p:txBody>
-      </p:sp>
-      <p:sp>
-        <p:nvSpPr>
-          <p:cNvPr id="53" name="PlaceHolder 3"/>
+            <a:endParaRPr b="0" lang="en-US" sz="3200" spc="-1" strike="noStrike">
+              <a:solidFill>
+                <a:srgbClr val="000000"/>
+              </a:solidFill>
+              <a:uFill>
+                <a:solidFill>
+                  <a:srgbClr val="ffffff"/>
+                </a:solidFill>
+              </a:uFill>
+              <a:latin typeface="Arial"/>
+            </a:endParaRPr>
+          </a:p>
+        </p:txBody>
+      </p:sp>
+      <p:sp>
+        <p:nvSpPr>
+          <p:cNvPr id="51" name="PlaceHolder 3"/>
           <p:cNvSpPr>
             <a:spLocks noGrp="1"/>
           </p:cNvSpPr>
@@ -901,8 +1117,8 @@
         </p:nvSpPr>
         <p:spPr>
           <a:xfrm>
-            <a:off x="503640" y="4059000"/>
-            <a:ext cx="4426560" cy="2091240"/>
+            <a:off x="503640" y="4058640"/>
+            <a:ext cx="4426560" cy="2090880"/>
           </a:xfrm>
           <a:prstGeom prst="rect">
             <a:avLst/>
@@ -911,13 +1127,23 @@
         <p:txBody>
           <a:bodyPr lIns="0" rIns="0" tIns="0" bIns="0"/>
           <a:p>
-            <a:endParaRPr/>
-          </a:p>
-        </p:txBody>
-      </p:sp>
-      <p:sp>
-        <p:nvSpPr>
-          <p:cNvPr id="54" name="PlaceHolder 4"/>
+            <a:endParaRPr b="0" lang="en-US" sz="3200" spc="-1" strike="noStrike">
+              <a:solidFill>
+                <a:srgbClr val="000000"/>
+              </a:solidFill>
+              <a:uFill>
+                <a:solidFill>
+                  <a:srgbClr val="ffffff"/>
+                </a:solidFill>
+              </a:uFill>
+              <a:latin typeface="Arial"/>
+            </a:endParaRPr>
+          </a:p>
+        </p:txBody>
+      </p:sp>
+      <p:sp>
+        <p:nvSpPr>
+          <p:cNvPr id="52" name="PlaceHolder 4"/>
           <p:cNvSpPr>
             <a:spLocks noGrp="1"/>
           </p:cNvSpPr>
@@ -928,7 +1154,7 @@
         <p:spPr>
           <a:xfrm>
             <a:off x="5151960" y="1768680"/>
-            <a:ext cx="4426560" cy="4384440"/>
+            <a:ext cx="4426560" cy="4384080"/>
           </a:xfrm>
           <a:prstGeom prst="rect">
             <a:avLst/>
@@ -937,7 +1163,17 @@
         <p:txBody>
           <a:bodyPr lIns="0" rIns="0" tIns="0" bIns="0"/>
           <a:p>
-            <a:endParaRPr/>
+            <a:endParaRPr b="0" lang="en-US" sz="3200" spc="-1" strike="noStrike">
+              <a:solidFill>
+                <a:srgbClr val="000000"/>
+              </a:solidFill>
+              <a:uFill>
+                <a:solidFill>
+                  <a:srgbClr val="ffffff"/>
+                </a:solidFill>
+              </a:uFill>
+              <a:latin typeface="Arial"/>
+            </a:endParaRPr>
           </a:p>
         </p:txBody>
       </p:sp>
@@ -947,7 +1183,7 @@
 </file>
 
 <file path=ppt/slideLayouts/slideLayout2.xml><?xml version="1.0" encoding="utf-8"?>
-<p:sldLayout xmlns:a="http://schemas.openxmlformats.org/drawingml/2006/main" xmlns:p="http://schemas.openxmlformats.org/presentationml/2006/main" xmlns:r="http://schemas.openxmlformats.org/officeDocument/2006/relationships" type="tx" preserve="1">
+<p:sldLayout xmlns:a="http://schemas.openxmlformats.org/drawingml/2006/main" xmlns:p="http://schemas.openxmlformats.org/presentationml/2006/main" xmlns:r="http://schemas.openxmlformats.org/officeDocument/2006/relationships" xmlns:p14="http://schemas.microsoft.com/office/powerpoint/2010/main" xmlns:p15="http://schemas.microsoft.com/office/powerpoint/2012/main" xmlns:mc="http://schemas.openxmlformats.org/markup-compatibility/2006" type="tx" preserve="1">
   <p:cSld name="Title Slide">
     <p:spTree>
       <p:nvGrpSpPr>
@@ -965,7 +1201,7 @@
       </p:grpSpPr>
       <p:sp>
         <p:nvSpPr>
-          <p:cNvPr id="5" name="PlaceHolder 1"/>
+          <p:cNvPr id="3" name="PlaceHolder 1"/>
           <p:cNvSpPr>
             <a:spLocks noGrp="1"/>
           </p:cNvSpPr>
@@ -976,7 +1212,7 @@
         <p:spPr>
           <a:xfrm>
             <a:off x="503640" y="301320"/>
-            <a:ext cx="9071280" cy="1262160"/>
+            <a:ext cx="9070920" cy="1261800"/>
           </a:xfrm>
           <a:prstGeom prst="rect">
             <a:avLst/>
@@ -986,13 +1222,23 @@
           <a:bodyPr lIns="0" rIns="0" tIns="0" bIns="0" anchor="ctr"/>
           <a:p>
             <a:pPr algn="ctr"/>
-            <a:endParaRPr/>
-          </a:p>
-        </p:txBody>
-      </p:sp>
-      <p:sp>
-        <p:nvSpPr>
-          <p:cNvPr id="6" name="PlaceHolder 2"/>
+            <a:endParaRPr b="0" lang="en-US" sz="4400" spc="-1" strike="noStrike">
+              <a:solidFill>
+                <a:srgbClr val="000000"/>
+              </a:solidFill>
+              <a:uFill>
+                <a:solidFill>
+                  <a:srgbClr val="ffffff"/>
+                </a:solidFill>
+              </a:uFill>
+              <a:latin typeface="Arial"/>
+            </a:endParaRPr>
+          </a:p>
+        </p:txBody>
+      </p:sp>
+      <p:sp>
+        <p:nvSpPr>
+          <p:cNvPr id="4" name="PlaceHolder 2"/>
           <p:cNvSpPr>
             <a:spLocks noGrp="1"/>
           </p:cNvSpPr>
@@ -1003,7 +1249,7 @@
         <p:spPr>
           <a:xfrm>
             <a:off x="503640" y="1768680"/>
-            <a:ext cx="9071280" cy="4384800"/>
+            <a:ext cx="9070920" cy="4384080"/>
           </a:xfrm>
           <a:prstGeom prst="rect">
             <a:avLst/>
@@ -1013,7 +1259,17 @@
           <a:bodyPr lIns="0" rIns="0" tIns="0" bIns="0" anchor="ctr"/>
           <a:p>
             <a:pPr algn="ctr"/>
-            <a:endParaRPr/>
+            <a:endParaRPr b="0" lang="en-US" sz="3200" spc="-1" strike="noStrike">
+              <a:solidFill>
+                <a:srgbClr val="000000"/>
+              </a:solidFill>
+              <a:uFill>
+                <a:solidFill>
+                  <a:srgbClr val="ffffff"/>
+                </a:solidFill>
+              </a:uFill>
+              <a:latin typeface="Arial"/>
+            </a:endParaRPr>
           </a:p>
         </p:txBody>
       </p:sp>
@@ -1023,7 +1279,7 @@
 </file>
 
 <file path=ppt/slideLayouts/slideLayout20.xml><?xml version="1.0" encoding="utf-8"?>
-<p:sldLayout xmlns:a="http://schemas.openxmlformats.org/drawingml/2006/main" xmlns:p="http://schemas.openxmlformats.org/presentationml/2006/main" xmlns:r="http://schemas.openxmlformats.org/officeDocument/2006/relationships" type="objAndTwoObj" preserve="1">
+<p:sldLayout xmlns:a="http://schemas.openxmlformats.org/drawingml/2006/main" xmlns:p="http://schemas.openxmlformats.org/presentationml/2006/main" xmlns:r="http://schemas.openxmlformats.org/officeDocument/2006/relationships" xmlns:p14="http://schemas.microsoft.com/office/powerpoint/2010/main" xmlns:p15="http://schemas.microsoft.com/office/powerpoint/2012/main" xmlns:mc="http://schemas.openxmlformats.org/markup-compatibility/2006" type="objAndTwoObj" preserve="1">
   <p:cSld name="Title Content and 2 Content">
     <p:spTree>
       <p:nvGrpSpPr>
@@ -1041,7 +1297,7 @@
       </p:grpSpPr>
       <p:sp>
         <p:nvSpPr>
-          <p:cNvPr id="55" name="PlaceHolder 1"/>
+          <p:cNvPr id="53" name="PlaceHolder 1"/>
           <p:cNvSpPr>
             <a:spLocks noGrp="1"/>
           </p:cNvSpPr>
@@ -1052,7 +1308,7 @@
         <p:spPr>
           <a:xfrm>
             <a:off x="503640" y="301320"/>
-            <a:ext cx="9071280" cy="1262160"/>
+            <a:ext cx="9070920" cy="1261800"/>
           </a:xfrm>
           <a:prstGeom prst="rect">
             <a:avLst/>
@@ -1062,13 +1318,23 @@
           <a:bodyPr lIns="0" rIns="0" tIns="0" bIns="0" anchor="ctr"/>
           <a:p>
             <a:pPr algn="ctr"/>
-            <a:endParaRPr/>
-          </a:p>
-        </p:txBody>
-      </p:sp>
-      <p:sp>
-        <p:nvSpPr>
-          <p:cNvPr id="56" name="PlaceHolder 2"/>
+            <a:endParaRPr b="0" lang="en-US" sz="4400" spc="-1" strike="noStrike">
+              <a:solidFill>
+                <a:srgbClr val="000000"/>
+              </a:solidFill>
+              <a:uFill>
+                <a:solidFill>
+                  <a:srgbClr val="ffffff"/>
+                </a:solidFill>
+              </a:uFill>
+              <a:latin typeface="Arial"/>
+            </a:endParaRPr>
+          </a:p>
+        </p:txBody>
+      </p:sp>
+      <p:sp>
+        <p:nvSpPr>
+          <p:cNvPr id="54" name="PlaceHolder 2"/>
           <p:cNvSpPr>
             <a:spLocks noGrp="1"/>
           </p:cNvSpPr>
@@ -1079,7 +1345,7 @@
         <p:spPr>
           <a:xfrm>
             <a:off x="503640" y="1768680"/>
-            <a:ext cx="4426560" cy="4384440"/>
+            <a:ext cx="4426560" cy="4384080"/>
           </a:xfrm>
           <a:prstGeom prst="rect">
             <a:avLst/>
@@ -1088,13 +1354,23 @@
         <p:txBody>
           <a:bodyPr lIns="0" rIns="0" tIns="0" bIns="0"/>
           <a:p>
-            <a:endParaRPr/>
-          </a:p>
-        </p:txBody>
-      </p:sp>
-      <p:sp>
-        <p:nvSpPr>
-          <p:cNvPr id="57" name="PlaceHolder 3"/>
+            <a:endParaRPr b="0" lang="en-US" sz="3200" spc="-1" strike="noStrike">
+              <a:solidFill>
+                <a:srgbClr val="000000"/>
+              </a:solidFill>
+              <a:uFill>
+                <a:solidFill>
+                  <a:srgbClr val="ffffff"/>
+                </a:solidFill>
+              </a:uFill>
+              <a:latin typeface="Arial"/>
+            </a:endParaRPr>
+          </a:p>
+        </p:txBody>
+      </p:sp>
+      <p:sp>
+        <p:nvSpPr>
+          <p:cNvPr id="55" name="PlaceHolder 3"/>
           <p:cNvSpPr>
             <a:spLocks noGrp="1"/>
           </p:cNvSpPr>
@@ -1105,7 +1381,7 @@
         <p:spPr>
           <a:xfrm>
             <a:off x="5151960" y="1768680"/>
-            <a:ext cx="4426560" cy="2091240"/>
+            <a:ext cx="4426560" cy="2090880"/>
           </a:xfrm>
           <a:prstGeom prst="rect">
             <a:avLst/>
@@ -1114,13 +1390,23 @@
         <p:txBody>
           <a:bodyPr lIns="0" rIns="0" tIns="0" bIns="0"/>
           <a:p>
-            <a:endParaRPr/>
-          </a:p>
-        </p:txBody>
-      </p:sp>
-      <p:sp>
-        <p:nvSpPr>
-          <p:cNvPr id="58" name="PlaceHolder 4"/>
+            <a:endParaRPr b="0" lang="en-US" sz="3200" spc="-1" strike="noStrike">
+              <a:solidFill>
+                <a:srgbClr val="000000"/>
+              </a:solidFill>
+              <a:uFill>
+                <a:solidFill>
+                  <a:srgbClr val="ffffff"/>
+                </a:solidFill>
+              </a:uFill>
+              <a:latin typeface="Arial"/>
+            </a:endParaRPr>
+          </a:p>
+        </p:txBody>
+      </p:sp>
+      <p:sp>
+        <p:nvSpPr>
+          <p:cNvPr id="56" name="PlaceHolder 4"/>
           <p:cNvSpPr>
             <a:spLocks noGrp="1"/>
           </p:cNvSpPr>
@@ -1130,8 +1416,8 @@
         </p:nvSpPr>
         <p:spPr>
           <a:xfrm>
-            <a:off x="5151960" y="4059000"/>
-            <a:ext cx="4426560" cy="2091240"/>
+            <a:off x="5151960" y="4058640"/>
+            <a:ext cx="4426560" cy="2090880"/>
           </a:xfrm>
           <a:prstGeom prst="rect">
             <a:avLst/>
@@ -1140,7 +1426,17 @@
         <p:txBody>
           <a:bodyPr lIns="0" rIns="0" tIns="0" bIns="0"/>
           <a:p>
-            <a:endParaRPr/>
+            <a:endParaRPr b="0" lang="en-US" sz="3200" spc="-1" strike="noStrike">
+              <a:solidFill>
+                <a:srgbClr val="000000"/>
+              </a:solidFill>
+              <a:uFill>
+                <a:solidFill>
+                  <a:srgbClr val="ffffff"/>
+                </a:solidFill>
+              </a:uFill>
+              <a:latin typeface="Arial"/>
+            </a:endParaRPr>
           </a:p>
         </p:txBody>
       </p:sp>
@@ -1150,7 +1446,7 @@
 </file>
 
 <file path=ppt/slideLayouts/slideLayout21.xml><?xml version="1.0" encoding="utf-8"?>
-<p:sldLayout xmlns:a="http://schemas.openxmlformats.org/drawingml/2006/main" xmlns:p="http://schemas.openxmlformats.org/presentationml/2006/main" xmlns:r="http://schemas.openxmlformats.org/officeDocument/2006/relationships" type="twoObjOverTx" preserve="1">
+<p:sldLayout xmlns:a="http://schemas.openxmlformats.org/drawingml/2006/main" xmlns:p="http://schemas.openxmlformats.org/presentationml/2006/main" xmlns:r="http://schemas.openxmlformats.org/officeDocument/2006/relationships" xmlns:p14="http://schemas.microsoft.com/office/powerpoint/2010/main" xmlns:p15="http://schemas.microsoft.com/office/powerpoint/2012/main" xmlns:mc="http://schemas.openxmlformats.org/markup-compatibility/2006" type="twoObjOverTx" preserve="1">
   <p:cSld name="Title, 2 Content over Content">
     <p:spTree>
       <p:nvGrpSpPr>
@@ -1168,7 +1464,7 @@
       </p:grpSpPr>
       <p:sp>
         <p:nvSpPr>
-          <p:cNvPr id="59" name="PlaceHolder 1"/>
+          <p:cNvPr id="57" name="PlaceHolder 1"/>
           <p:cNvSpPr>
             <a:spLocks noGrp="1"/>
           </p:cNvSpPr>
@@ -1179,7 +1475,7 @@
         <p:spPr>
           <a:xfrm>
             <a:off x="503640" y="301320"/>
-            <a:ext cx="9071280" cy="1262160"/>
+            <a:ext cx="9070920" cy="1261800"/>
           </a:xfrm>
           <a:prstGeom prst="rect">
             <a:avLst/>
@@ -1189,13 +1485,23 @@
           <a:bodyPr lIns="0" rIns="0" tIns="0" bIns="0" anchor="ctr"/>
           <a:p>
             <a:pPr algn="ctr"/>
-            <a:endParaRPr/>
-          </a:p>
-        </p:txBody>
-      </p:sp>
-      <p:sp>
-        <p:nvSpPr>
-          <p:cNvPr id="60" name="PlaceHolder 2"/>
+            <a:endParaRPr b="0" lang="en-US" sz="4400" spc="-1" strike="noStrike">
+              <a:solidFill>
+                <a:srgbClr val="000000"/>
+              </a:solidFill>
+              <a:uFill>
+                <a:solidFill>
+                  <a:srgbClr val="ffffff"/>
+                </a:solidFill>
+              </a:uFill>
+              <a:latin typeface="Arial"/>
+            </a:endParaRPr>
+          </a:p>
+        </p:txBody>
+      </p:sp>
+      <p:sp>
+        <p:nvSpPr>
+          <p:cNvPr id="58" name="PlaceHolder 2"/>
           <p:cNvSpPr>
             <a:spLocks noGrp="1"/>
           </p:cNvSpPr>
@@ -1206,7 +1512,7 @@
         <p:spPr>
           <a:xfrm>
             <a:off x="503640" y="1768680"/>
-            <a:ext cx="4426560" cy="2091240"/>
+            <a:ext cx="4426560" cy="2090880"/>
           </a:xfrm>
           <a:prstGeom prst="rect">
             <a:avLst/>
@@ -1215,13 +1521,23 @@
         <p:txBody>
           <a:bodyPr lIns="0" rIns="0" tIns="0" bIns="0"/>
           <a:p>
-            <a:endParaRPr/>
-          </a:p>
-        </p:txBody>
-      </p:sp>
-      <p:sp>
-        <p:nvSpPr>
-          <p:cNvPr id="61" name="PlaceHolder 3"/>
+            <a:endParaRPr b="0" lang="en-US" sz="3200" spc="-1" strike="noStrike">
+              <a:solidFill>
+                <a:srgbClr val="000000"/>
+              </a:solidFill>
+              <a:uFill>
+                <a:solidFill>
+                  <a:srgbClr val="ffffff"/>
+                </a:solidFill>
+              </a:uFill>
+              <a:latin typeface="Arial"/>
+            </a:endParaRPr>
+          </a:p>
+        </p:txBody>
+      </p:sp>
+      <p:sp>
+        <p:nvSpPr>
+          <p:cNvPr id="59" name="PlaceHolder 3"/>
           <p:cNvSpPr>
             <a:spLocks noGrp="1"/>
           </p:cNvSpPr>
@@ -1232,7 +1548,7 @@
         <p:spPr>
           <a:xfrm>
             <a:off x="5151960" y="1768680"/>
-            <a:ext cx="4426560" cy="2091240"/>
+            <a:ext cx="4426560" cy="2090880"/>
           </a:xfrm>
           <a:prstGeom prst="rect">
             <a:avLst/>
@@ -1241,13 +1557,23 @@
         <p:txBody>
           <a:bodyPr lIns="0" rIns="0" tIns="0" bIns="0"/>
           <a:p>
-            <a:endParaRPr/>
-          </a:p>
-        </p:txBody>
-      </p:sp>
-      <p:sp>
-        <p:nvSpPr>
-          <p:cNvPr id="62" name="PlaceHolder 4"/>
+            <a:endParaRPr b="0" lang="en-US" sz="3200" spc="-1" strike="noStrike">
+              <a:solidFill>
+                <a:srgbClr val="000000"/>
+              </a:solidFill>
+              <a:uFill>
+                <a:solidFill>
+                  <a:srgbClr val="ffffff"/>
+                </a:solidFill>
+              </a:uFill>
+              <a:latin typeface="Arial"/>
+            </a:endParaRPr>
+          </a:p>
+        </p:txBody>
+      </p:sp>
+      <p:sp>
+        <p:nvSpPr>
+          <p:cNvPr id="60" name="PlaceHolder 4"/>
           <p:cNvSpPr>
             <a:spLocks noGrp="1"/>
           </p:cNvSpPr>
@@ -1257,8 +1583,8 @@
         </p:nvSpPr>
         <p:spPr>
           <a:xfrm>
-            <a:off x="503640" y="4059000"/>
-            <a:ext cx="9071280" cy="2091240"/>
+            <a:off x="503640" y="4058640"/>
+            <a:ext cx="9070920" cy="2090880"/>
           </a:xfrm>
           <a:prstGeom prst="rect">
             <a:avLst/>
@@ -1267,7 +1593,17 @@
         <p:txBody>
           <a:bodyPr lIns="0" rIns="0" tIns="0" bIns="0"/>
           <a:p>
-            <a:endParaRPr/>
+            <a:endParaRPr b="0" lang="en-US" sz="3200" spc="-1" strike="noStrike">
+              <a:solidFill>
+                <a:srgbClr val="000000"/>
+              </a:solidFill>
+              <a:uFill>
+                <a:solidFill>
+                  <a:srgbClr val="ffffff"/>
+                </a:solidFill>
+              </a:uFill>
+              <a:latin typeface="Arial"/>
+            </a:endParaRPr>
           </a:p>
         </p:txBody>
       </p:sp>
@@ -1277,7 +1613,7 @@
 </file>
 
 <file path=ppt/slideLayouts/slideLayout22.xml><?xml version="1.0" encoding="utf-8"?>
-<p:sldLayout xmlns:a="http://schemas.openxmlformats.org/drawingml/2006/main" xmlns:p="http://schemas.openxmlformats.org/presentationml/2006/main" xmlns:r="http://schemas.openxmlformats.org/officeDocument/2006/relationships" type="objOverTx" preserve="1">
+<p:sldLayout xmlns:a="http://schemas.openxmlformats.org/drawingml/2006/main" xmlns:p="http://schemas.openxmlformats.org/presentationml/2006/main" xmlns:r="http://schemas.openxmlformats.org/officeDocument/2006/relationships" xmlns:p14="http://schemas.microsoft.com/office/powerpoint/2010/main" xmlns:p15="http://schemas.microsoft.com/office/powerpoint/2012/main" xmlns:mc="http://schemas.openxmlformats.org/markup-compatibility/2006" type="objOverTx" preserve="1">
   <p:cSld name="Title, Content over Content">
     <p:spTree>
       <p:nvGrpSpPr>
@@ -1295,7 +1631,7 @@
       </p:grpSpPr>
       <p:sp>
         <p:nvSpPr>
-          <p:cNvPr id="63" name="PlaceHolder 1"/>
+          <p:cNvPr id="61" name="PlaceHolder 1"/>
           <p:cNvSpPr>
             <a:spLocks noGrp="1"/>
           </p:cNvSpPr>
@@ -1306,7 +1642,7 @@
         <p:spPr>
           <a:xfrm>
             <a:off x="503640" y="301320"/>
-            <a:ext cx="9071280" cy="1262160"/>
+            <a:ext cx="9070920" cy="1261800"/>
           </a:xfrm>
           <a:prstGeom prst="rect">
             <a:avLst/>
@@ -1316,13 +1652,23 @@
           <a:bodyPr lIns="0" rIns="0" tIns="0" bIns="0" anchor="ctr"/>
           <a:p>
             <a:pPr algn="ctr"/>
-            <a:endParaRPr/>
-          </a:p>
-        </p:txBody>
-      </p:sp>
-      <p:sp>
-        <p:nvSpPr>
-          <p:cNvPr id="64" name="PlaceHolder 2"/>
+            <a:endParaRPr b="0" lang="en-US" sz="4400" spc="-1" strike="noStrike">
+              <a:solidFill>
+                <a:srgbClr val="000000"/>
+              </a:solidFill>
+              <a:uFill>
+                <a:solidFill>
+                  <a:srgbClr val="ffffff"/>
+                </a:solidFill>
+              </a:uFill>
+              <a:latin typeface="Arial"/>
+            </a:endParaRPr>
+          </a:p>
+        </p:txBody>
+      </p:sp>
+      <p:sp>
+        <p:nvSpPr>
+          <p:cNvPr id="62" name="PlaceHolder 2"/>
           <p:cNvSpPr>
             <a:spLocks noGrp="1"/>
           </p:cNvSpPr>
@@ -1333,7 +1679,7 @@
         <p:spPr>
           <a:xfrm>
             <a:off x="503640" y="1768680"/>
-            <a:ext cx="9071280" cy="2091240"/>
+            <a:ext cx="9070920" cy="2090880"/>
           </a:xfrm>
           <a:prstGeom prst="rect">
             <a:avLst/>
@@ -1342,13 +1688,23 @@
         <p:txBody>
           <a:bodyPr lIns="0" rIns="0" tIns="0" bIns="0"/>
           <a:p>
-            <a:endParaRPr/>
-          </a:p>
-        </p:txBody>
-      </p:sp>
-      <p:sp>
-        <p:nvSpPr>
-          <p:cNvPr id="65" name="PlaceHolder 3"/>
+            <a:endParaRPr b="0" lang="en-US" sz="3200" spc="-1" strike="noStrike">
+              <a:solidFill>
+                <a:srgbClr val="000000"/>
+              </a:solidFill>
+              <a:uFill>
+                <a:solidFill>
+                  <a:srgbClr val="ffffff"/>
+                </a:solidFill>
+              </a:uFill>
+              <a:latin typeface="Arial"/>
+            </a:endParaRPr>
+          </a:p>
+        </p:txBody>
+      </p:sp>
+      <p:sp>
+        <p:nvSpPr>
+          <p:cNvPr id="63" name="PlaceHolder 3"/>
           <p:cNvSpPr>
             <a:spLocks noGrp="1"/>
           </p:cNvSpPr>
@@ -1358,8 +1714,8 @@
         </p:nvSpPr>
         <p:spPr>
           <a:xfrm>
-            <a:off x="503640" y="4059000"/>
-            <a:ext cx="9071280" cy="2091240"/>
+            <a:off x="503640" y="4058640"/>
+            <a:ext cx="9070920" cy="2090880"/>
           </a:xfrm>
           <a:prstGeom prst="rect">
             <a:avLst/>
@@ -1368,7 +1724,17 @@
         <p:txBody>
           <a:bodyPr lIns="0" rIns="0" tIns="0" bIns="0"/>
           <a:p>
-            <a:endParaRPr/>
+            <a:endParaRPr b="0" lang="en-US" sz="3200" spc="-1" strike="noStrike">
+              <a:solidFill>
+                <a:srgbClr val="000000"/>
+              </a:solidFill>
+              <a:uFill>
+                <a:solidFill>
+                  <a:srgbClr val="ffffff"/>
+                </a:solidFill>
+              </a:uFill>
+              <a:latin typeface="Arial"/>
+            </a:endParaRPr>
           </a:p>
         </p:txBody>
       </p:sp>
@@ -1378,7 +1744,7 @@
 </file>
 
 <file path=ppt/slideLayouts/slideLayout23.xml><?xml version="1.0" encoding="utf-8"?>
-<p:sldLayout xmlns:a="http://schemas.openxmlformats.org/drawingml/2006/main" xmlns:p="http://schemas.openxmlformats.org/presentationml/2006/main" xmlns:r="http://schemas.openxmlformats.org/officeDocument/2006/relationships" type="fourObj" preserve="1">
+<p:sldLayout xmlns:a="http://schemas.openxmlformats.org/drawingml/2006/main" xmlns:p="http://schemas.openxmlformats.org/presentationml/2006/main" xmlns:r="http://schemas.openxmlformats.org/officeDocument/2006/relationships" xmlns:p14="http://schemas.microsoft.com/office/powerpoint/2010/main" xmlns:p15="http://schemas.microsoft.com/office/powerpoint/2012/main" xmlns:mc="http://schemas.openxmlformats.org/markup-compatibility/2006" type="fourObj" preserve="1">
   <p:cSld name="Title, 4 Content">
     <p:spTree>
       <p:nvGrpSpPr>
@@ -1396,7 +1762,7 @@
       </p:grpSpPr>
       <p:sp>
         <p:nvSpPr>
-          <p:cNvPr id="66" name="PlaceHolder 1"/>
+          <p:cNvPr id="64" name="PlaceHolder 1"/>
           <p:cNvSpPr>
             <a:spLocks noGrp="1"/>
           </p:cNvSpPr>
@@ -1407,7 +1773,7 @@
         <p:spPr>
           <a:xfrm>
             <a:off x="503640" y="301320"/>
-            <a:ext cx="9071280" cy="1262160"/>
+            <a:ext cx="9070920" cy="1261800"/>
           </a:xfrm>
           <a:prstGeom prst="rect">
             <a:avLst/>
@@ -1417,13 +1783,23 @@
           <a:bodyPr lIns="0" rIns="0" tIns="0" bIns="0" anchor="ctr"/>
           <a:p>
             <a:pPr algn="ctr"/>
-            <a:endParaRPr/>
-          </a:p>
-        </p:txBody>
-      </p:sp>
-      <p:sp>
-        <p:nvSpPr>
-          <p:cNvPr id="67" name="PlaceHolder 2"/>
+            <a:endParaRPr b="0" lang="en-US" sz="4400" spc="-1" strike="noStrike">
+              <a:solidFill>
+                <a:srgbClr val="000000"/>
+              </a:solidFill>
+              <a:uFill>
+                <a:solidFill>
+                  <a:srgbClr val="ffffff"/>
+                </a:solidFill>
+              </a:uFill>
+              <a:latin typeface="Arial"/>
+            </a:endParaRPr>
+          </a:p>
+        </p:txBody>
+      </p:sp>
+      <p:sp>
+        <p:nvSpPr>
+          <p:cNvPr id="65" name="PlaceHolder 2"/>
           <p:cNvSpPr>
             <a:spLocks noGrp="1"/>
           </p:cNvSpPr>
@@ -1434,7 +1810,7 @@
         <p:spPr>
           <a:xfrm>
             <a:off x="503640" y="1768680"/>
-            <a:ext cx="4426560" cy="2091240"/>
+            <a:ext cx="4426560" cy="2090880"/>
           </a:xfrm>
           <a:prstGeom prst="rect">
             <a:avLst/>
@@ -1443,13 +1819,23 @@
         <p:txBody>
           <a:bodyPr lIns="0" rIns="0" tIns="0" bIns="0"/>
           <a:p>
-            <a:endParaRPr/>
-          </a:p>
-        </p:txBody>
-      </p:sp>
-      <p:sp>
-        <p:nvSpPr>
-          <p:cNvPr id="68" name="PlaceHolder 3"/>
+            <a:endParaRPr b="0" lang="en-US" sz="3200" spc="-1" strike="noStrike">
+              <a:solidFill>
+                <a:srgbClr val="000000"/>
+              </a:solidFill>
+              <a:uFill>
+                <a:solidFill>
+                  <a:srgbClr val="ffffff"/>
+                </a:solidFill>
+              </a:uFill>
+              <a:latin typeface="Arial"/>
+            </a:endParaRPr>
+          </a:p>
+        </p:txBody>
+      </p:sp>
+      <p:sp>
+        <p:nvSpPr>
+          <p:cNvPr id="66" name="PlaceHolder 3"/>
           <p:cNvSpPr>
             <a:spLocks noGrp="1"/>
           </p:cNvSpPr>
@@ -1460,7 +1846,7 @@
         <p:spPr>
           <a:xfrm>
             <a:off x="5151960" y="1768680"/>
-            <a:ext cx="4426560" cy="2091240"/>
+            <a:ext cx="4426560" cy="2090880"/>
           </a:xfrm>
           <a:prstGeom prst="rect">
             <a:avLst/>
@@ -1469,13 +1855,23 @@
         <p:txBody>
           <a:bodyPr lIns="0" rIns="0" tIns="0" bIns="0"/>
           <a:p>
-            <a:endParaRPr/>
-          </a:p>
-        </p:txBody>
-      </p:sp>
-      <p:sp>
-        <p:nvSpPr>
-          <p:cNvPr id="69" name="PlaceHolder 4"/>
+            <a:endParaRPr b="0" lang="en-US" sz="3200" spc="-1" strike="noStrike">
+              <a:solidFill>
+                <a:srgbClr val="000000"/>
+              </a:solidFill>
+              <a:uFill>
+                <a:solidFill>
+                  <a:srgbClr val="ffffff"/>
+                </a:solidFill>
+              </a:uFill>
+              <a:latin typeface="Arial"/>
+            </a:endParaRPr>
+          </a:p>
+        </p:txBody>
+      </p:sp>
+      <p:sp>
+        <p:nvSpPr>
+          <p:cNvPr id="67" name="PlaceHolder 4"/>
           <p:cNvSpPr>
             <a:spLocks noGrp="1"/>
           </p:cNvSpPr>
@@ -1485,8 +1881,8 @@
         </p:nvSpPr>
         <p:spPr>
           <a:xfrm>
-            <a:off x="5151960" y="4059000"/>
-            <a:ext cx="4426560" cy="2091240"/>
+            <a:off x="5151960" y="4058640"/>
+            <a:ext cx="4426560" cy="2090880"/>
           </a:xfrm>
           <a:prstGeom prst="rect">
             <a:avLst/>
@@ -1495,13 +1891,23 @@
         <p:txBody>
           <a:bodyPr lIns="0" rIns="0" tIns="0" bIns="0"/>
           <a:p>
-            <a:endParaRPr/>
-          </a:p>
-        </p:txBody>
-      </p:sp>
-      <p:sp>
-        <p:nvSpPr>
-          <p:cNvPr id="70" name="PlaceHolder 5"/>
+            <a:endParaRPr b="0" lang="en-US" sz="3200" spc="-1" strike="noStrike">
+              <a:solidFill>
+                <a:srgbClr val="000000"/>
+              </a:solidFill>
+              <a:uFill>
+                <a:solidFill>
+                  <a:srgbClr val="ffffff"/>
+                </a:solidFill>
+              </a:uFill>
+              <a:latin typeface="Arial"/>
+            </a:endParaRPr>
+          </a:p>
+        </p:txBody>
+      </p:sp>
+      <p:sp>
+        <p:nvSpPr>
+          <p:cNvPr id="68" name="PlaceHolder 5"/>
           <p:cNvSpPr>
             <a:spLocks noGrp="1"/>
           </p:cNvSpPr>
@@ -1511,8 +1917,8 @@
         </p:nvSpPr>
         <p:spPr>
           <a:xfrm>
-            <a:off x="503640" y="4059000"/>
-            <a:ext cx="4426560" cy="2091240"/>
+            <a:off x="503640" y="4058640"/>
+            <a:ext cx="4426560" cy="2090880"/>
           </a:xfrm>
           <a:prstGeom prst="rect">
             <a:avLst/>
@@ -1521,7 +1927,17 @@
         <p:txBody>
           <a:bodyPr lIns="0" rIns="0" tIns="0" bIns="0"/>
           <a:p>
-            <a:endParaRPr/>
+            <a:endParaRPr b="0" lang="en-US" sz="3200" spc="-1" strike="noStrike">
+              <a:solidFill>
+                <a:srgbClr val="000000"/>
+              </a:solidFill>
+              <a:uFill>
+                <a:solidFill>
+                  <a:srgbClr val="ffffff"/>
+                </a:solidFill>
+              </a:uFill>
+              <a:latin typeface="Arial"/>
+            </a:endParaRPr>
           </a:p>
         </p:txBody>
       </p:sp>
@@ -1531,7 +1947,7 @@
 </file>
 
 <file path=ppt/slideLayouts/slideLayout24.xml><?xml version="1.0" encoding="utf-8"?>
-<p:sldLayout xmlns:a="http://schemas.openxmlformats.org/drawingml/2006/main" xmlns:p="http://schemas.openxmlformats.org/presentationml/2006/main" xmlns:r="http://schemas.openxmlformats.org/officeDocument/2006/relationships" type="blank" preserve="1">
+<p:sldLayout xmlns:a="http://schemas.openxmlformats.org/drawingml/2006/main" xmlns:p="http://schemas.openxmlformats.org/presentationml/2006/main" xmlns:r="http://schemas.openxmlformats.org/officeDocument/2006/relationships" xmlns:p14="http://schemas.microsoft.com/office/powerpoint/2010/main" xmlns:p15="http://schemas.microsoft.com/office/powerpoint/2012/main" xmlns:mc="http://schemas.openxmlformats.org/markup-compatibility/2006" type="blank" preserve="1">
   <p:cSld name="Title, 6 Content">
     <p:spTree>
       <p:nvGrpSpPr>
@@ -1549,7 +1965,7 @@
       </p:grpSpPr>
       <p:sp>
         <p:nvSpPr>
-          <p:cNvPr id="71" name="PlaceHolder 1"/>
+          <p:cNvPr id="69" name="PlaceHolder 1"/>
           <p:cNvSpPr>
             <a:spLocks noGrp="1"/>
           </p:cNvSpPr>
@@ -1560,7 +1976,7 @@
         <p:spPr>
           <a:xfrm>
             <a:off x="503640" y="301320"/>
-            <a:ext cx="9071280" cy="1262160"/>
+            <a:ext cx="9070920" cy="1261800"/>
           </a:xfrm>
           <a:prstGeom prst="rect">
             <a:avLst/>
@@ -1570,13 +1986,23 @@
           <a:bodyPr lIns="0" rIns="0" tIns="0" bIns="0" anchor="ctr"/>
           <a:p>
             <a:pPr algn="ctr"/>
-            <a:endParaRPr/>
-          </a:p>
-        </p:txBody>
-      </p:sp>
-      <p:sp>
-        <p:nvSpPr>
-          <p:cNvPr id="72" name="PlaceHolder 2"/>
+            <a:endParaRPr b="0" lang="en-US" sz="4400" spc="-1" strike="noStrike">
+              <a:solidFill>
+                <a:srgbClr val="000000"/>
+              </a:solidFill>
+              <a:uFill>
+                <a:solidFill>
+                  <a:srgbClr val="ffffff"/>
+                </a:solidFill>
+              </a:uFill>
+              <a:latin typeface="Arial"/>
+            </a:endParaRPr>
+          </a:p>
+        </p:txBody>
+      </p:sp>
+      <p:sp>
+        <p:nvSpPr>
+          <p:cNvPr id="70" name="PlaceHolder 2"/>
           <p:cNvSpPr>
             <a:spLocks noGrp="1"/>
           </p:cNvSpPr>
@@ -1587,7 +2013,7 @@
         <p:spPr>
           <a:xfrm>
             <a:off x="503640" y="1768680"/>
-            <a:ext cx="9071280" cy="4384440"/>
+            <a:ext cx="9070920" cy="4384080"/>
           </a:xfrm>
           <a:prstGeom prst="rect">
             <a:avLst/>
@@ -1596,13 +2022,23 @@
         <p:txBody>
           <a:bodyPr lIns="0" rIns="0" tIns="0" bIns="0"/>
           <a:p>
-            <a:endParaRPr/>
-          </a:p>
-        </p:txBody>
-      </p:sp>
-      <p:sp>
-        <p:nvSpPr>
-          <p:cNvPr id="73" name="PlaceHolder 3"/>
+            <a:endParaRPr b="0" lang="en-US" sz="3200" spc="-1" strike="noStrike">
+              <a:solidFill>
+                <a:srgbClr val="000000"/>
+              </a:solidFill>
+              <a:uFill>
+                <a:solidFill>
+                  <a:srgbClr val="ffffff"/>
+                </a:solidFill>
+              </a:uFill>
+              <a:latin typeface="Arial"/>
+            </a:endParaRPr>
+          </a:p>
+        </p:txBody>
+      </p:sp>
+      <p:sp>
+        <p:nvSpPr>
+          <p:cNvPr id="71" name="PlaceHolder 3"/>
           <p:cNvSpPr>
             <a:spLocks noGrp="1"/>
           </p:cNvSpPr>
@@ -1613,7 +2049,7 @@
         <p:spPr>
           <a:xfrm>
             <a:off x="503640" y="1768680"/>
-            <a:ext cx="9071280" cy="4384440"/>
+            <a:ext cx="9070920" cy="4384080"/>
           </a:xfrm>
           <a:prstGeom prst="rect">
             <a:avLst/>
@@ -1622,26 +2058,34 @@
         <p:txBody>
           <a:bodyPr lIns="0" rIns="0" tIns="0" bIns="0"/>
           <a:p>
-            <a:endParaRPr/>
+            <a:endParaRPr b="0" lang="en-US" sz="3200" spc="-1" strike="noStrike">
+              <a:solidFill>
+                <a:srgbClr val="000000"/>
+              </a:solidFill>
+              <a:uFill>
+                <a:solidFill>
+                  <a:srgbClr val="ffffff"/>
+                </a:solidFill>
+              </a:uFill>
+              <a:latin typeface="Arial"/>
+            </a:endParaRPr>
           </a:p>
         </p:txBody>
       </p:sp>
       <p:pic>
         <p:nvPicPr>
-          <p:cNvPr id="74" name="" descr=""/>
+          <p:cNvPr id="72" name="" descr=""/>
           <p:cNvPicPr/>
           <p:nvPr/>
         </p:nvPicPr>
         <p:blipFill>
           <a:blip r:embed="rId2"/>
-          <a:stretch>
-            <a:fillRect/>
-          </a:stretch>
+          <a:stretch/>
         </p:blipFill>
         <p:spPr>
           <a:xfrm>
-            <a:off x="2291760" y="1768320"/>
-            <a:ext cx="5495040" cy="4384440"/>
+            <a:off x="2291400" y="1768680"/>
+            <a:ext cx="5494680" cy="4384080"/>
           </a:xfrm>
           <a:prstGeom prst="rect">
             <a:avLst/>
@@ -1653,20 +2097,18 @@
       </p:pic>
       <p:pic>
         <p:nvPicPr>
-          <p:cNvPr id="75" name="" descr=""/>
+          <p:cNvPr id="73" name="" descr=""/>
           <p:cNvPicPr/>
           <p:nvPr/>
         </p:nvPicPr>
         <p:blipFill>
           <a:blip r:embed="rId3"/>
-          <a:stretch>
-            <a:fillRect/>
-          </a:stretch>
+          <a:stretch/>
         </p:blipFill>
         <p:spPr>
           <a:xfrm>
-            <a:off x="2291760" y="1768320"/>
-            <a:ext cx="5495040" cy="4384440"/>
+            <a:off x="2291400" y="1768680"/>
+            <a:ext cx="5494680" cy="4384080"/>
           </a:xfrm>
           <a:prstGeom prst="rect">
             <a:avLst/>
@@ -1682,7 +2124,7 @@
 </file>
 
 <file path=ppt/slideLayouts/slideLayout3.xml><?xml version="1.0" encoding="utf-8"?>
-<p:sldLayout xmlns:a="http://schemas.openxmlformats.org/drawingml/2006/main" xmlns:p="http://schemas.openxmlformats.org/presentationml/2006/main" xmlns:r="http://schemas.openxmlformats.org/officeDocument/2006/relationships" type="obj" preserve="1">
+<p:sldLayout xmlns:a="http://schemas.openxmlformats.org/drawingml/2006/main" xmlns:p="http://schemas.openxmlformats.org/presentationml/2006/main" xmlns:r="http://schemas.openxmlformats.org/officeDocument/2006/relationships" xmlns:p14="http://schemas.microsoft.com/office/powerpoint/2010/main" xmlns:p15="http://schemas.microsoft.com/office/powerpoint/2012/main" xmlns:mc="http://schemas.openxmlformats.org/markup-compatibility/2006" type="obj" preserve="1">
   <p:cSld name="Title, Content">
     <p:spTree>
       <p:nvGrpSpPr>
@@ -1700,7 +2142,7 @@
       </p:grpSpPr>
       <p:sp>
         <p:nvSpPr>
-          <p:cNvPr id="7" name="PlaceHolder 1"/>
+          <p:cNvPr id="5" name="PlaceHolder 1"/>
           <p:cNvSpPr>
             <a:spLocks noGrp="1"/>
           </p:cNvSpPr>
@@ -1711,7 +2153,7 @@
         <p:spPr>
           <a:xfrm>
             <a:off x="503640" y="301320"/>
-            <a:ext cx="9071280" cy="1262160"/>
+            <a:ext cx="9070920" cy="1261800"/>
           </a:xfrm>
           <a:prstGeom prst="rect">
             <a:avLst/>
@@ -1721,13 +2163,23 @@
           <a:bodyPr lIns="0" rIns="0" tIns="0" bIns="0" anchor="ctr"/>
           <a:p>
             <a:pPr algn="ctr"/>
-            <a:endParaRPr/>
-          </a:p>
-        </p:txBody>
-      </p:sp>
-      <p:sp>
-        <p:nvSpPr>
-          <p:cNvPr id="8" name="PlaceHolder 2"/>
+            <a:endParaRPr b="0" lang="en-US" sz="4400" spc="-1" strike="noStrike">
+              <a:solidFill>
+                <a:srgbClr val="000000"/>
+              </a:solidFill>
+              <a:uFill>
+                <a:solidFill>
+                  <a:srgbClr val="ffffff"/>
+                </a:solidFill>
+              </a:uFill>
+              <a:latin typeface="Arial"/>
+            </a:endParaRPr>
+          </a:p>
+        </p:txBody>
+      </p:sp>
+      <p:sp>
+        <p:nvSpPr>
+          <p:cNvPr id="6" name="PlaceHolder 2"/>
           <p:cNvSpPr>
             <a:spLocks noGrp="1"/>
           </p:cNvSpPr>
@@ -1738,7 +2190,7 @@
         <p:spPr>
           <a:xfrm>
             <a:off x="503640" y="1768680"/>
-            <a:ext cx="9071280" cy="4384440"/>
+            <a:ext cx="9070920" cy="4384080"/>
           </a:xfrm>
           <a:prstGeom prst="rect">
             <a:avLst/>
@@ -1747,7 +2199,17 @@
         <p:txBody>
           <a:bodyPr lIns="0" rIns="0" tIns="0" bIns="0"/>
           <a:p>
-            <a:endParaRPr/>
+            <a:endParaRPr b="0" lang="en-US" sz="3200" spc="-1" strike="noStrike">
+              <a:solidFill>
+                <a:srgbClr val="000000"/>
+              </a:solidFill>
+              <a:uFill>
+                <a:solidFill>
+                  <a:srgbClr val="ffffff"/>
+                </a:solidFill>
+              </a:uFill>
+              <a:latin typeface="Arial"/>
+            </a:endParaRPr>
           </a:p>
         </p:txBody>
       </p:sp>
@@ -1757,7 +2219,7 @@
 </file>
 
 <file path=ppt/slideLayouts/slideLayout4.xml><?xml version="1.0" encoding="utf-8"?>
-<p:sldLayout xmlns:a="http://schemas.openxmlformats.org/drawingml/2006/main" xmlns:p="http://schemas.openxmlformats.org/presentationml/2006/main" xmlns:r="http://schemas.openxmlformats.org/officeDocument/2006/relationships" type="twoObj" preserve="1">
+<p:sldLayout xmlns:a="http://schemas.openxmlformats.org/drawingml/2006/main" xmlns:p="http://schemas.openxmlformats.org/presentationml/2006/main" xmlns:r="http://schemas.openxmlformats.org/officeDocument/2006/relationships" xmlns:p14="http://schemas.microsoft.com/office/powerpoint/2010/main" xmlns:p15="http://schemas.microsoft.com/office/powerpoint/2012/main" xmlns:mc="http://schemas.openxmlformats.org/markup-compatibility/2006" type="twoObj" preserve="1">
   <p:cSld name="Title, 2 Content">
     <p:spTree>
       <p:nvGrpSpPr>
@@ -1775,7 +2237,7 @@
       </p:grpSpPr>
       <p:sp>
         <p:nvSpPr>
-          <p:cNvPr id="9" name="PlaceHolder 1"/>
+          <p:cNvPr id="7" name="PlaceHolder 1"/>
           <p:cNvSpPr>
             <a:spLocks noGrp="1"/>
           </p:cNvSpPr>
@@ -1786,7 +2248,7 @@
         <p:spPr>
           <a:xfrm>
             <a:off x="503640" y="301320"/>
-            <a:ext cx="9071280" cy="1262160"/>
+            <a:ext cx="9070920" cy="1261800"/>
           </a:xfrm>
           <a:prstGeom prst="rect">
             <a:avLst/>
@@ -1796,13 +2258,23 @@
           <a:bodyPr lIns="0" rIns="0" tIns="0" bIns="0" anchor="ctr"/>
           <a:p>
             <a:pPr algn="ctr"/>
-            <a:endParaRPr/>
-          </a:p>
-        </p:txBody>
-      </p:sp>
-      <p:sp>
-        <p:nvSpPr>
-          <p:cNvPr id="10" name="PlaceHolder 2"/>
+            <a:endParaRPr b="0" lang="en-US" sz="4400" spc="-1" strike="noStrike">
+              <a:solidFill>
+                <a:srgbClr val="000000"/>
+              </a:solidFill>
+              <a:uFill>
+                <a:solidFill>
+                  <a:srgbClr val="ffffff"/>
+                </a:solidFill>
+              </a:uFill>
+              <a:latin typeface="Arial"/>
+            </a:endParaRPr>
+          </a:p>
+        </p:txBody>
+      </p:sp>
+      <p:sp>
+        <p:nvSpPr>
+          <p:cNvPr id="8" name="PlaceHolder 2"/>
           <p:cNvSpPr>
             <a:spLocks noGrp="1"/>
           </p:cNvSpPr>
@@ -1813,7 +2285,7 @@
         <p:spPr>
           <a:xfrm>
             <a:off x="503640" y="1768680"/>
-            <a:ext cx="4426560" cy="4384440"/>
+            <a:ext cx="4426560" cy="4384080"/>
           </a:xfrm>
           <a:prstGeom prst="rect">
             <a:avLst/>
@@ -1822,13 +2294,23 @@
         <p:txBody>
           <a:bodyPr lIns="0" rIns="0" tIns="0" bIns="0"/>
           <a:p>
-            <a:endParaRPr/>
-          </a:p>
-        </p:txBody>
-      </p:sp>
-      <p:sp>
-        <p:nvSpPr>
-          <p:cNvPr id="11" name="PlaceHolder 3"/>
+            <a:endParaRPr b="0" lang="en-US" sz="3200" spc="-1" strike="noStrike">
+              <a:solidFill>
+                <a:srgbClr val="000000"/>
+              </a:solidFill>
+              <a:uFill>
+                <a:solidFill>
+                  <a:srgbClr val="ffffff"/>
+                </a:solidFill>
+              </a:uFill>
+              <a:latin typeface="Arial"/>
+            </a:endParaRPr>
+          </a:p>
+        </p:txBody>
+      </p:sp>
+      <p:sp>
+        <p:nvSpPr>
+          <p:cNvPr id="9" name="PlaceHolder 3"/>
           <p:cNvSpPr>
             <a:spLocks noGrp="1"/>
           </p:cNvSpPr>
@@ -1839,7 +2321,7 @@
         <p:spPr>
           <a:xfrm>
             <a:off x="5151960" y="1768680"/>
-            <a:ext cx="4426560" cy="4384440"/>
+            <a:ext cx="4426560" cy="4384080"/>
           </a:xfrm>
           <a:prstGeom prst="rect">
             <a:avLst/>
@@ -1848,7 +2330,17 @@
         <p:txBody>
           <a:bodyPr lIns="0" rIns="0" tIns="0" bIns="0"/>
           <a:p>
-            <a:endParaRPr/>
+            <a:endParaRPr b="0" lang="en-US" sz="3200" spc="-1" strike="noStrike">
+              <a:solidFill>
+                <a:srgbClr val="000000"/>
+              </a:solidFill>
+              <a:uFill>
+                <a:solidFill>
+                  <a:srgbClr val="ffffff"/>
+                </a:solidFill>
+              </a:uFill>
+              <a:latin typeface="Arial"/>
+            </a:endParaRPr>
           </a:p>
         </p:txBody>
       </p:sp>
@@ -1858,7 +2350,7 @@
 </file>
 
 <file path=ppt/slideLayouts/slideLayout5.xml><?xml version="1.0" encoding="utf-8"?>
-<p:sldLayout xmlns:a="http://schemas.openxmlformats.org/drawingml/2006/main" xmlns:p="http://schemas.openxmlformats.org/presentationml/2006/main" xmlns:r="http://schemas.openxmlformats.org/officeDocument/2006/relationships" type="titleOnly" preserve="1">
+<p:sldLayout xmlns:a="http://schemas.openxmlformats.org/drawingml/2006/main" xmlns:p="http://schemas.openxmlformats.org/presentationml/2006/main" xmlns:r="http://schemas.openxmlformats.org/officeDocument/2006/relationships" xmlns:p14="http://schemas.microsoft.com/office/powerpoint/2010/main" xmlns:p15="http://schemas.microsoft.com/office/powerpoint/2012/main" xmlns:mc="http://schemas.openxmlformats.org/markup-compatibility/2006" type="titleOnly" preserve="1">
   <p:cSld name="Title Only">
     <p:spTree>
       <p:nvGrpSpPr>
@@ -1876,7 +2368,7 @@
       </p:grpSpPr>
       <p:sp>
         <p:nvSpPr>
-          <p:cNvPr id="12" name="PlaceHolder 1"/>
+          <p:cNvPr id="10" name="PlaceHolder 1"/>
           <p:cNvSpPr>
             <a:spLocks noGrp="1"/>
           </p:cNvSpPr>
@@ -1887,7 +2379,7 @@
         <p:spPr>
           <a:xfrm>
             <a:off x="503640" y="301320"/>
-            <a:ext cx="9071280" cy="1262160"/>
+            <a:ext cx="9070920" cy="1261800"/>
           </a:xfrm>
           <a:prstGeom prst="rect">
             <a:avLst/>
@@ -1897,7 +2389,17 @@
           <a:bodyPr lIns="0" rIns="0" tIns="0" bIns="0" anchor="ctr"/>
           <a:p>
             <a:pPr algn="ctr"/>
-            <a:endParaRPr/>
+            <a:endParaRPr b="0" lang="en-US" sz="4400" spc="-1" strike="noStrike">
+              <a:solidFill>
+                <a:srgbClr val="000000"/>
+              </a:solidFill>
+              <a:uFill>
+                <a:solidFill>
+                  <a:srgbClr val="ffffff"/>
+                </a:solidFill>
+              </a:uFill>
+              <a:latin typeface="Arial"/>
+            </a:endParaRPr>
           </a:p>
         </p:txBody>
       </p:sp>
@@ -1907,7 +2409,7 @@
 </file>
 
 <file path=ppt/slideLayouts/slideLayout6.xml><?xml version="1.0" encoding="utf-8"?>
-<p:sldLayout xmlns:a="http://schemas.openxmlformats.org/drawingml/2006/main" xmlns:p="http://schemas.openxmlformats.org/presentationml/2006/main" xmlns:r="http://schemas.openxmlformats.org/officeDocument/2006/relationships" type="objOnly" preserve="1">
+<p:sldLayout xmlns:a="http://schemas.openxmlformats.org/drawingml/2006/main" xmlns:p="http://schemas.openxmlformats.org/presentationml/2006/main" xmlns:r="http://schemas.openxmlformats.org/officeDocument/2006/relationships" xmlns:p14="http://schemas.microsoft.com/office/powerpoint/2010/main" xmlns:p15="http://schemas.microsoft.com/office/powerpoint/2012/main" xmlns:mc="http://schemas.openxmlformats.org/markup-compatibility/2006" type="objOnly" preserve="1">
   <p:cSld name="Centered Text">
     <p:spTree>
       <p:nvGrpSpPr>
@@ -1925,7 +2427,7 @@
       </p:grpSpPr>
       <p:sp>
         <p:nvSpPr>
-          <p:cNvPr id="13" name="PlaceHolder 1"/>
+          <p:cNvPr id="11" name="PlaceHolder 1"/>
           <p:cNvSpPr>
             <a:spLocks noGrp="1"/>
           </p:cNvSpPr>
@@ -1936,7 +2438,7 @@
         <p:spPr>
           <a:xfrm>
             <a:off x="503640" y="301320"/>
-            <a:ext cx="9071280" cy="5850720"/>
+            <a:ext cx="9070920" cy="5850360"/>
           </a:xfrm>
           <a:prstGeom prst="rect">
             <a:avLst/>
@@ -1946,7 +2448,17 @@
           <a:bodyPr lIns="0" rIns="0" tIns="0" bIns="0" anchor="ctr"/>
           <a:p>
             <a:pPr algn="ctr"/>
-            <a:endParaRPr/>
+            <a:endParaRPr b="0" lang="en-US" sz="3200" spc="-1" strike="noStrike">
+              <a:solidFill>
+                <a:srgbClr val="000000"/>
+              </a:solidFill>
+              <a:uFill>
+                <a:solidFill>
+                  <a:srgbClr val="ffffff"/>
+                </a:solidFill>
+              </a:uFill>
+              <a:latin typeface="Arial"/>
+            </a:endParaRPr>
           </a:p>
         </p:txBody>
       </p:sp>
@@ -1956,7 +2468,7 @@
 </file>
 
 <file path=ppt/slideLayouts/slideLayout7.xml><?xml version="1.0" encoding="utf-8"?>
-<p:sldLayout xmlns:a="http://schemas.openxmlformats.org/drawingml/2006/main" xmlns:p="http://schemas.openxmlformats.org/presentationml/2006/main" xmlns:r="http://schemas.openxmlformats.org/officeDocument/2006/relationships" type="twoObjAndObj" preserve="1">
+<p:sldLayout xmlns:a="http://schemas.openxmlformats.org/drawingml/2006/main" xmlns:p="http://schemas.openxmlformats.org/presentationml/2006/main" xmlns:r="http://schemas.openxmlformats.org/officeDocument/2006/relationships" xmlns:p14="http://schemas.microsoft.com/office/powerpoint/2010/main" xmlns:p15="http://schemas.microsoft.com/office/powerpoint/2012/main" xmlns:mc="http://schemas.openxmlformats.org/markup-compatibility/2006" type="twoObjAndObj" preserve="1">
   <p:cSld name="Title, 2 Content and Content">
     <p:spTree>
       <p:nvGrpSpPr>
@@ -1974,7 +2486,7 @@
       </p:grpSpPr>
       <p:sp>
         <p:nvSpPr>
-          <p:cNvPr id="14" name="PlaceHolder 1"/>
+          <p:cNvPr id="12" name="PlaceHolder 1"/>
           <p:cNvSpPr>
             <a:spLocks noGrp="1"/>
           </p:cNvSpPr>
@@ -1985,7 +2497,7 @@
         <p:spPr>
           <a:xfrm>
             <a:off x="503640" y="301320"/>
-            <a:ext cx="9071280" cy="1262160"/>
+            <a:ext cx="9070920" cy="1261800"/>
           </a:xfrm>
           <a:prstGeom prst="rect">
             <a:avLst/>
@@ -1995,13 +2507,23 @@
           <a:bodyPr lIns="0" rIns="0" tIns="0" bIns="0" anchor="ctr"/>
           <a:p>
             <a:pPr algn="ctr"/>
-            <a:endParaRPr/>
-          </a:p>
-        </p:txBody>
-      </p:sp>
-      <p:sp>
-        <p:nvSpPr>
-          <p:cNvPr id="15" name="PlaceHolder 2"/>
+            <a:endParaRPr b="0" lang="en-US" sz="4400" spc="-1" strike="noStrike">
+              <a:solidFill>
+                <a:srgbClr val="000000"/>
+              </a:solidFill>
+              <a:uFill>
+                <a:solidFill>
+                  <a:srgbClr val="ffffff"/>
+                </a:solidFill>
+              </a:uFill>
+              <a:latin typeface="Arial"/>
+            </a:endParaRPr>
+          </a:p>
+        </p:txBody>
+      </p:sp>
+      <p:sp>
+        <p:nvSpPr>
+          <p:cNvPr id="13" name="PlaceHolder 2"/>
           <p:cNvSpPr>
             <a:spLocks noGrp="1"/>
           </p:cNvSpPr>
@@ -2012,7 +2534,7 @@
         <p:spPr>
           <a:xfrm>
             <a:off x="503640" y="1768680"/>
-            <a:ext cx="4426560" cy="2091240"/>
+            <a:ext cx="4426560" cy="2090880"/>
           </a:xfrm>
           <a:prstGeom prst="rect">
             <a:avLst/>
@@ -2021,13 +2543,23 @@
         <p:txBody>
           <a:bodyPr lIns="0" rIns="0" tIns="0" bIns="0"/>
           <a:p>
-            <a:endParaRPr/>
-          </a:p>
-        </p:txBody>
-      </p:sp>
-      <p:sp>
-        <p:nvSpPr>
-          <p:cNvPr id="16" name="PlaceHolder 3"/>
+            <a:endParaRPr b="0" lang="en-US" sz="3200" spc="-1" strike="noStrike">
+              <a:solidFill>
+                <a:srgbClr val="000000"/>
+              </a:solidFill>
+              <a:uFill>
+                <a:solidFill>
+                  <a:srgbClr val="ffffff"/>
+                </a:solidFill>
+              </a:uFill>
+              <a:latin typeface="Arial"/>
+            </a:endParaRPr>
+          </a:p>
+        </p:txBody>
+      </p:sp>
+      <p:sp>
+        <p:nvSpPr>
+          <p:cNvPr id="14" name="PlaceHolder 3"/>
           <p:cNvSpPr>
             <a:spLocks noGrp="1"/>
           </p:cNvSpPr>
@@ -2037,8 +2569,8 @@
         </p:nvSpPr>
         <p:spPr>
           <a:xfrm>
-            <a:off x="503640" y="4059000"/>
-            <a:ext cx="4426560" cy="2091240"/>
+            <a:off x="503640" y="4058640"/>
+            <a:ext cx="4426560" cy="2090880"/>
           </a:xfrm>
           <a:prstGeom prst="rect">
             <a:avLst/>
@@ -2047,13 +2579,23 @@
         <p:txBody>
           <a:bodyPr lIns="0" rIns="0" tIns="0" bIns="0"/>
           <a:p>
-            <a:endParaRPr/>
-          </a:p>
-        </p:txBody>
-      </p:sp>
-      <p:sp>
-        <p:nvSpPr>
-          <p:cNvPr id="17" name="PlaceHolder 4"/>
+            <a:endParaRPr b="0" lang="en-US" sz="3200" spc="-1" strike="noStrike">
+              <a:solidFill>
+                <a:srgbClr val="000000"/>
+              </a:solidFill>
+              <a:uFill>
+                <a:solidFill>
+                  <a:srgbClr val="ffffff"/>
+                </a:solidFill>
+              </a:uFill>
+              <a:latin typeface="Arial"/>
+            </a:endParaRPr>
+          </a:p>
+        </p:txBody>
+      </p:sp>
+      <p:sp>
+        <p:nvSpPr>
+          <p:cNvPr id="15" name="PlaceHolder 4"/>
           <p:cNvSpPr>
             <a:spLocks noGrp="1"/>
           </p:cNvSpPr>
@@ -2064,7 +2606,7 @@
         <p:spPr>
           <a:xfrm>
             <a:off x="5151960" y="1768680"/>
-            <a:ext cx="4426560" cy="4384440"/>
+            <a:ext cx="4426560" cy="4384080"/>
           </a:xfrm>
           <a:prstGeom prst="rect">
             <a:avLst/>
@@ -2073,7 +2615,17 @@
         <p:txBody>
           <a:bodyPr lIns="0" rIns="0" tIns="0" bIns="0"/>
           <a:p>
-            <a:endParaRPr/>
+            <a:endParaRPr b="0" lang="en-US" sz="3200" spc="-1" strike="noStrike">
+              <a:solidFill>
+                <a:srgbClr val="000000"/>
+              </a:solidFill>
+              <a:uFill>
+                <a:solidFill>
+                  <a:srgbClr val="ffffff"/>
+                </a:solidFill>
+              </a:uFill>
+              <a:latin typeface="Arial"/>
+            </a:endParaRPr>
           </a:p>
         </p:txBody>
       </p:sp>
@@ -2083,7 +2635,7 @@
 </file>
 
 <file path=ppt/slideLayouts/slideLayout8.xml><?xml version="1.0" encoding="utf-8"?>
-<p:sldLayout xmlns:a="http://schemas.openxmlformats.org/drawingml/2006/main" xmlns:p="http://schemas.openxmlformats.org/presentationml/2006/main" xmlns:r="http://schemas.openxmlformats.org/officeDocument/2006/relationships" type="objAndTwoObj" preserve="1">
+<p:sldLayout xmlns:a="http://schemas.openxmlformats.org/drawingml/2006/main" xmlns:p="http://schemas.openxmlformats.org/presentationml/2006/main" xmlns:r="http://schemas.openxmlformats.org/officeDocument/2006/relationships" xmlns:p14="http://schemas.microsoft.com/office/powerpoint/2010/main" xmlns:p15="http://schemas.microsoft.com/office/powerpoint/2012/main" xmlns:mc="http://schemas.openxmlformats.org/markup-compatibility/2006" type="objAndTwoObj" preserve="1">
   <p:cSld name="Title Content and 2 Content">
     <p:spTree>
       <p:nvGrpSpPr>
@@ -2101,7 +2653,7 @@
       </p:grpSpPr>
       <p:sp>
         <p:nvSpPr>
-          <p:cNvPr id="18" name="PlaceHolder 1"/>
+          <p:cNvPr id="16" name="PlaceHolder 1"/>
           <p:cNvSpPr>
             <a:spLocks noGrp="1"/>
           </p:cNvSpPr>
@@ -2112,7 +2664,7 @@
         <p:spPr>
           <a:xfrm>
             <a:off x="503640" y="301320"/>
-            <a:ext cx="9071280" cy="1262160"/>
+            <a:ext cx="9070920" cy="1261800"/>
           </a:xfrm>
           <a:prstGeom prst="rect">
             <a:avLst/>
@@ -2122,13 +2674,23 @@
           <a:bodyPr lIns="0" rIns="0" tIns="0" bIns="0" anchor="ctr"/>
           <a:p>
             <a:pPr algn="ctr"/>
-            <a:endParaRPr/>
-          </a:p>
-        </p:txBody>
-      </p:sp>
-      <p:sp>
-        <p:nvSpPr>
-          <p:cNvPr id="19" name="PlaceHolder 2"/>
+            <a:endParaRPr b="0" lang="en-US" sz="4400" spc="-1" strike="noStrike">
+              <a:solidFill>
+                <a:srgbClr val="000000"/>
+              </a:solidFill>
+              <a:uFill>
+                <a:solidFill>
+                  <a:srgbClr val="ffffff"/>
+                </a:solidFill>
+              </a:uFill>
+              <a:latin typeface="Arial"/>
+            </a:endParaRPr>
+          </a:p>
+        </p:txBody>
+      </p:sp>
+      <p:sp>
+        <p:nvSpPr>
+          <p:cNvPr id="17" name="PlaceHolder 2"/>
           <p:cNvSpPr>
             <a:spLocks noGrp="1"/>
           </p:cNvSpPr>
@@ -2139,7 +2701,7 @@
         <p:spPr>
           <a:xfrm>
             <a:off x="503640" y="1768680"/>
-            <a:ext cx="4426560" cy="4384440"/>
+            <a:ext cx="4426560" cy="4384080"/>
           </a:xfrm>
           <a:prstGeom prst="rect">
             <a:avLst/>
@@ -2148,13 +2710,23 @@
         <p:txBody>
           <a:bodyPr lIns="0" rIns="0" tIns="0" bIns="0"/>
           <a:p>
-            <a:endParaRPr/>
-          </a:p>
-        </p:txBody>
-      </p:sp>
-      <p:sp>
-        <p:nvSpPr>
-          <p:cNvPr id="20" name="PlaceHolder 3"/>
+            <a:endParaRPr b="0" lang="en-US" sz="3200" spc="-1" strike="noStrike">
+              <a:solidFill>
+                <a:srgbClr val="000000"/>
+              </a:solidFill>
+              <a:uFill>
+                <a:solidFill>
+                  <a:srgbClr val="ffffff"/>
+                </a:solidFill>
+              </a:uFill>
+              <a:latin typeface="Arial"/>
+            </a:endParaRPr>
+          </a:p>
+        </p:txBody>
+      </p:sp>
+      <p:sp>
+        <p:nvSpPr>
+          <p:cNvPr id="18" name="PlaceHolder 3"/>
           <p:cNvSpPr>
             <a:spLocks noGrp="1"/>
           </p:cNvSpPr>
@@ -2165,7 +2737,7 @@
         <p:spPr>
           <a:xfrm>
             <a:off x="5151960" y="1768680"/>
-            <a:ext cx="4426560" cy="2091240"/>
+            <a:ext cx="4426560" cy="2090880"/>
           </a:xfrm>
           <a:prstGeom prst="rect">
             <a:avLst/>
@@ -2174,13 +2746,23 @@
         <p:txBody>
           <a:bodyPr lIns="0" rIns="0" tIns="0" bIns="0"/>
           <a:p>
-            <a:endParaRPr/>
-          </a:p>
-        </p:txBody>
-      </p:sp>
-      <p:sp>
-        <p:nvSpPr>
-          <p:cNvPr id="21" name="PlaceHolder 4"/>
+            <a:endParaRPr b="0" lang="en-US" sz="3200" spc="-1" strike="noStrike">
+              <a:solidFill>
+                <a:srgbClr val="000000"/>
+              </a:solidFill>
+              <a:uFill>
+                <a:solidFill>
+                  <a:srgbClr val="ffffff"/>
+                </a:solidFill>
+              </a:uFill>
+              <a:latin typeface="Arial"/>
+            </a:endParaRPr>
+          </a:p>
+        </p:txBody>
+      </p:sp>
+      <p:sp>
+        <p:nvSpPr>
+          <p:cNvPr id="19" name="PlaceHolder 4"/>
           <p:cNvSpPr>
             <a:spLocks noGrp="1"/>
           </p:cNvSpPr>
@@ -2190,8 +2772,8 @@
         </p:nvSpPr>
         <p:spPr>
           <a:xfrm>
-            <a:off x="5151960" y="4059000"/>
-            <a:ext cx="4426560" cy="2091240"/>
+            <a:off x="5151960" y="4058640"/>
+            <a:ext cx="4426560" cy="2090880"/>
           </a:xfrm>
           <a:prstGeom prst="rect">
             <a:avLst/>
@@ -2200,7 +2782,17 @@
         <p:txBody>
           <a:bodyPr lIns="0" rIns="0" tIns="0" bIns="0"/>
           <a:p>
-            <a:endParaRPr/>
+            <a:endParaRPr b="0" lang="en-US" sz="3200" spc="-1" strike="noStrike">
+              <a:solidFill>
+                <a:srgbClr val="000000"/>
+              </a:solidFill>
+              <a:uFill>
+                <a:solidFill>
+                  <a:srgbClr val="ffffff"/>
+                </a:solidFill>
+              </a:uFill>
+              <a:latin typeface="Arial"/>
+            </a:endParaRPr>
           </a:p>
         </p:txBody>
       </p:sp>
@@ -2210,7 +2802,7 @@
 </file>
 
 <file path=ppt/slideLayouts/slideLayout9.xml><?xml version="1.0" encoding="utf-8"?>
-<p:sldLayout xmlns:a="http://schemas.openxmlformats.org/drawingml/2006/main" xmlns:p="http://schemas.openxmlformats.org/presentationml/2006/main" xmlns:r="http://schemas.openxmlformats.org/officeDocument/2006/relationships" type="twoObjOverTx" preserve="1">
+<p:sldLayout xmlns:a="http://schemas.openxmlformats.org/drawingml/2006/main" xmlns:p="http://schemas.openxmlformats.org/presentationml/2006/main" xmlns:r="http://schemas.openxmlformats.org/officeDocument/2006/relationships" xmlns:p14="http://schemas.microsoft.com/office/powerpoint/2010/main" xmlns:p15="http://schemas.microsoft.com/office/powerpoint/2012/main" xmlns:mc="http://schemas.openxmlformats.org/markup-compatibility/2006" type="twoObjOverTx" preserve="1">
   <p:cSld name="Title, 2 Content over Content">
     <p:spTree>
       <p:nvGrpSpPr>
@@ -2228,7 +2820,7 @@
       </p:grpSpPr>
       <p:sp>
         <p:nvSpPr>
-          <p:cNvPr id="22" name="PlaceHolder 1"/>
+          <p:cNvPr id="20" name="PlaceHolder 1"/>
           <p:cNvSpPr>
             <a:spLocks noGrp="1"/>
           </p:cNvSpPr>
@@ -2239,7 +2831,7 @@
         <p:spPr>
           <a:xfrm>
             <a:off x="503640" y="301320"/>
-            <a:ext cx="9071280" cy="1262160"/>
+            <a:ext cx="9070920" cy="1261800"/>
           </a:xfrm>
           <a:prstGeom prst="rect">
             <a:avLst/>
@@ -2249,13 +2841,23 @@
           <a:bodyPr lIns="0" rIns="0" tIns="0" bIns="0" anchor="ctr"/>
           <a:p>
             <a:pPr algn="ctr"/>
-            <a:endParaRPr/>
-          </a:p>
-        </p:txBody>
-      </p:sp>
-      <p:sp>
-        <p:nvSpPr>
-          <p:cNvPr id="23" name="PlaceHolder 2"/>
+            <a:endParaRPr b="0" lang="en-US" sz="4400" spc="-1" strike="noStrike">
+              <a:solidFill>
+                <a:srgbClr val="000000"/>
+              </a:solidFill>
+              <a:uFill>
+                <a:solidFill>
+                  <a:srgbClr val="ffffff"/>
+                </a:solidFill>
+              </a:uFill>
+              <a:latin typeface="Arial"/>
+            </a:endParaRPr>
+          </a:p>
+        </p:txBody>
+      </p:sp>
+      <p:sp>
+        <p:nvSpPr>
+          <p:cNvPr id="21" name="PlaceHolder 2"/>
           <p:cNvSpPr>
             <a:spLocks noGrp="1"/>
           </p:cNvSpPr>
@@ -2266,7 +2868,7 @@
         <p:spPr>
           <a:xfrm>
             <a:off x="503640" y="1768680"/>
-            <a:ext cx="4426560" cy="2091240"/>
+            <a:ext cx="4426560" cy="2090880"/>
           </a:xfrm>
           <a:prstGeom prst="rect">
             <a:avLst/>
@@ -2275,13 +2877,23 @@
         <p:txBody>
           <a:bodyPr lIns="0" rIns="0" tIns="0" bIns="0"/>
           <a:p>
-            <a:endParaRPr/>
-          </a:p>
-        </p:txBody>
-      </p:sp>
-      <p:sp>
-        <p:nvSpPr>
-          <p:cNvPr id="24" name="PlaceHolder 3"/>
+            <a:endParaRPr b="0" lang="en-US" sz="3200" spc="-1" strike="noStrike">
+              <a:solidFill>
+                <a:srgbClr val="000000"/>
+              </a:solidFill>
+              <a:uFill>
+                <a:solidFill>
+                  <a:srgbClr val="ffffff"/>
+                </a:solidFill>
+              </a:uFill>
+              <a:latin typeface="Arial"/>
+            </a:endParaRPr>
+          </a:p>
+        </p:txBody>
+      </p:sp>
+      <p:sp>
+        <p:nvSpPr>
+          <p:cNvPr id="22" name="PlaceHolder 3"/>
           <p:cNvSpPr>
             <a:spLocks noGrp="1"/>
           </p:cNvSpPr>
@@ -2292,7 +2904,7 @@
         <p:spPr>
           <a:xfrm>
             <a:off x="5151960" y="1768680"/>
-            <a:ext cx="4426560" cy="2091240"/>
+            <a:ext cx="4426560" cy="2090880"/>
           </a:xfrm>
           <a:prstGeom prst="rect">
             <a:avLst/>
@@ -2301,13 +2913,23 @@
         <p:txBody>
           <a:bodyPr lIns="0" rIns="0" tIns="0" bIns="0"/>
           <a:p>
-            <a:endParaRPr/>
-          </a:p>
-        </p:txBody>
-      </p:sp>
-      <p:sp>
-        <p:nvSpPr>
-          <p:cNvPr id="25" name="PlaceHolder 4"/>
+            <a:endParaRPr b="0" lang="en-US" sz="3200" spc="-1" strike="noStrike">
+              <a:solidFill>
+                <a:srgbClr val="000000"/>
+              </a:solidFill>
+              <a:uFill>
+                <a:solidFill>
+                  <a:srgbClr val="ffffff"/>
+                </a:solidFill>
+              </a:uFill>
+              <a:latin typeface="Arial"/>
+            </a:endParaRPr>
+          </a:p>
+        </p:txBody>
+      </p:sp>
+      <p:sp>
+        <p:nvSpPr>
+          <p:cNvPr id="23" name="PlaceHolder 4"/>
           <p:cNvSpPr>
             <a:spLocks noGrp="1"/>
           </p:cNvSpPr>
@@ -2317,8 +2939,8 @@
         </p:nvSpPr>
         <p:spPr>
           <a:xfrm>
-            <a:off x="503640" y="4059000"/>
-            <a:ext cx="9071280" cy="2091240"/>
+            <a:off x="503640" y="4058640"/>
+            <a:ext cx="9070920" cy="2090880"/>
           </a:xfrm>
           <a:prstGeom prst="rect">
             <a:avLst/>
@@ -2327,7 +2949,17 @@
         <p:txBody>
           <a:bodyPr lIns="0" rIns="0" tIns="0" bIns="0"/>
           <a:p>
-            <a:endParaRPr/>
+            <a:endParaRPr b="0" lang="en-US" sz="3200" spc="-1" strike="noStrike">
+              <a:solidFill>
+                <a:srgbClr val="000000"/>
+              </a:solidFill>
+              <a:uFill>
+                <a:solidFill>
+                  <a:srgbClr val="ffffff"/>
+                </a:solidFill>
+              </a:uFill>
+              <a:latin typeface="Arial"/>
+            </a:endParaRPr>
           </a:p>
         </p:txBody>
       </p:sp>
@@ -2337,7 +2969,7 @@
 </file>
 
 <file path=ppt/slideMasters/slideMaster1.xml><?xml version="1.0" encoding="utf-8"?>
-<p:sldMaster xmlns:a="http://schemas.openxmlformats.org/drawingml/2006/main" xmlns:p="http://schemas.openxmlformats.org/presentationml/2006/main" xmlns:r="http://schemas.openxmlformats.org/officeDocument/2006/relationships">
+<p:sldMaster xmlns:a="http://schemas.openxmlformats.org/drawingml/2006/main" xmlns:p="http://schemas.openxmlformats.org/presentationml/2006/main" xmlns:r="http://schemas.openxmlformats.org/officeDocument/2006/relationships" xmlns:p14="http://schemas.microsoft.com/office/powerpoint/2010/main" xmlns:p15="http://schemas.microsoft.com/office/powerpoint/2012/main" xmlns:mc="http://schemas.openxmlformats.org/markup-compatibility/2006">
   <p:cSld>
     <p:spTree>
       <p:nvGrpSpPr>
@@ -2353,9 +2985,32 @@
           <a:chExt cx="0" cy="0"/>
         </a:xfrm>
       </p:grpSpPr>
-      <p:sp>
-        <p:nvSpPr>
-          <p:cNvPr id="0" name="PlaceHolder 1"/>
+      <p:pic>
+        <p:nvPicPr>
+          <p:cNvPr id="0" name="Bild 7" descr=""/>
+          <p:cNvPicPr/>
+          <p:nvPr/>
+        </p:nvPicPr>
+        <p:blipFill>
+          <a:blip r:embed="rId2"/>
+          <a:stretch/>
+        </p:blipFill>
+        <p:spPr>
+          <a:xfrm>
+            <a:off x="8412480" y="6949440"/>
+            <a:ext cx="1503720" cy="496080"/>
+          </a:xfrm>
+          <a:prstGeom prst="rect">
+            <a:avLst/>
+          </a:prstGeom>
+          <a:ln>
+            <a:noFill/>
+          </a:ln>
+        </p:spPr>
+      </p:pic>
+      <p:sp>
+        <p:nvSpPr>
+          <p:cNvPr id="1" name="PlaceHolder 1"/>
           <p:cNvSpPr>
             <a:spLocks noGrp="1"/>
           </p:cNvSpPr>
@@ -2365,8 +3020,8 @@
         </p:nvSpPr>
         <p:spPr>
           <a:xfrm>
-            <a:off x="504000" y="301320"/>
-            <a:ext cx="9071640" cy="1262160"/>
+            <a:off x="503640" y="301320"/>
+            <a:ext cx="9070920" cy="1261800"/>
           </a:xfrm>
           <a:prstGeom prst="rect">
             <a:avLst/>
@@ -2376,19 +3031,23 @@
           <a:bodyPr lIns="0" rIns="0" tIns="0" bIns="0" anchor="ctr"/>
           <a:p>
             <a:pPr algn="ctr"/>
-            <a:r>
-              <a:rPr lang="en-US" sz="5400">
-                <a:latin typeface="Roboto Light"/>
-              </a:rPr>
-              <a:t>Click to edit the title text format</a:t>
-            </a:r>
-            <a:endParaRPr/>
-          </a:p>
-        </p:txBody>
-      </p:sp>
-      <p:sp>
-        <p:nvSpPr>
-          <p:cNvPr id="1" name="PlaceHolder 2"/>
+            <a:endParaRPr b="0" lang="en-US" sz="4400" spc="-1" strike="noStrike">
+              <a:solidFill>
+                <a:srgbClr val="000000"/>
+              </a:solidFill>
+              <a:uFill>
+                <a:solidFill>
+                  <a:srgbClr val="ffffff"/>
+                </a:solidFill>
+              </a:uFill>
+              <a:latin typeface="Arial"/>
+            </a:endParaRPr>
+          </a:p>
+        </p:txBody>
+      </p:sp>
+      <p:sp>
+        <p:nvSpPr>
+          <p:cNvPr id="2" name="PlaceHolder 2"/>
           <p:cNvSpPr>
             <a:spLocks noGrp="1"/>
           </p:cNvSpPr>
@@ -2398,8 +3057,8 @@
         </p:nvSpPr>
         <p:spPr>
           <a:xfrm>
-            <a:off x="504000" y="1769040"/>
-            <a:ext cx="9071640" cy="4384440"/>
+            <a:off x="504000" y="1768680"/>
+            <a:ext cx="9072000" cy="4384080"/>
           </a:xfrm>
           <a:prstGeom prst="rect">
             <a:avLst/>
@@ -2408,200 +3067,249 @@
         <p:txBody>
           <a:bodyPr lIns="0" rIns="0" tIns="0" bIns="0"/>
           <a:p>
-            <a:pPr>
+            <a:pPr marL="432000" indent="-324000">
+              <a:buClr>
+                <a:srgbClr val="000000"/>
+              </a:buClr>
               <a:buSzPct val="45000"/>
-              <a:buFont typeface="StarSymbol"/>
-              <a:buChar char=""/>
+              <a:buFont typeface="Wingdings" charset="2"/>
+              <a:buChar char=""/>
             </a:pPr>
             <a:r>
-              <a:rPr lang="en-US" sz="3200">
-                <a:latin typeface="Roboto"/>
+              <a:rPr b="0" lang="en-US" sz="3200" spc="-1" strike="noStrike">
+                <a:solidFill>
+                  <a:srgbClr val="000000"/>
+                </a:solidFill>
+                <a:uFill>
+                  <a:solidFill>
+                    <a:srgbClr val="ffffff"/>
+                  </a:solidFill>
+                </a:uFill>
+                <a:latin typeface="Arial"/>
               </a:rPr>
               <a:t>Click to edit the outline text format</a:t>
             </a:r>
-            <a:endParaRPr/>
-          </a:p>
-          <a:p>
-            <a:pPr lvl="1">
+            <a:endParaRPr b="0" lang="en-US" sz="3200" spc="-1" strike="noStrike">
+              <a:solidFill>
+                <a:srgbClr val="000000"/>
+              </a:solidFill>
+              <a:uFill>
+                <a:solidFill>
+                  <a:srgbClr val="ffffff"/>
+                </a:solidFill>
+              </a:uFill>
+              <a:latin typeface="Arial"/>
+            </a:endParaRPr>
+          </a:p>
+          <a:p>
+            <a:pPr lvl="1" marL="864000" indent="-324000">
+              <a:buClr>
+                <a:srgbClr val="000000"/>
+              </a:buClr>
+              <a:buSzPct val="75000"/>
+              <a:buFont typeface="Symbol" charset="2"/>
+              <a:buChar char=""/>
+            </a:pPr>
+            <a:r>
+              <a:rPr b="0" lang="en-US" sz="2800" spc="-1" strike="noStrike">
+                <a:solidFill>
+                  <a:srgbClr val="000000"/>
+                </a:solidFill>
+                <a:uFill>
+                  <a:solidFill>
+                    <a:srgbClr val="ffffff"/>
+                  </a:solidFill>
+                </a:uFill>
+                <a:latin typeface="Arial"/>
+              </a:rPr>
+              <a:t>Second Outline Level</a:t>
+            </a:r>
+            <a:endParaRPr b="0" lang="en-US" sz="2800" spc="-1" strike="noStrike">
+              <a:solidFill>
+                <a:srgbClr val="000000"/>
+              </a:solidFill>
+              <a:uFill>
+                <a:solidFill>
+                  <a:srgbClr val="ffffff"/>
+                </a:solidFill>
+              </a:uFill>
+              <a:latin typeface="Arial"/>
+            </a:endParaRPr>
+          </a:p>
+          <a:p>
+            <a:pPr lvl="2" marL="1296000" indent="-288000">
+              <a:buClr>
+                <a:srgbClr val="000000"/>
+              </a:buClr>
               <a:buSzPct val="45000"/>
-              <a:buFont typeface="StarSymbol"/>
-              <a:buChar char=""/>
+              <a:buFont typeface="Wingdings" charset="2"/>
+              <a:buChar char=""/>
             </a:pPr>
             <a:r>
-              <a:rPr lang="en-US" sz="2400">
-                <a:latin typeface="Roboto"/>
-              </a:rPr>
-              <a:t>Second Outline Level</a:t>
-            </a:r>
-            <a:endParaRPr/>
-          </a:p>
-          <a:p>
-            <a:pPr lvl="2">
+              <a:rPr b="0" lang="en-US" sz="2400" spc="-1" strike="noStrike">
+                <a:solidFill>
+                  <a:srgbClr val="000000"/>
+                </a:solidFill>
+                <a:uFill>
+                  <a:solidFill>
+                    <a:srgbClr val="ffffff"/>
+                  </a:solidFill>
+                </a:uFill>
+                <a:latin typeface="Arial"/>
+              </a:rPr>
+              <a:t>Third Outline Level</a:t>
+            </a:r>
+            <a:endParaRPr b="0" lang="en-US" sz="2400" spc="-1" strike="noStrike">
+              <a:solidFill>
+                <a:srgbClr val="000000"/>
+              </a:solidFill>
+              <a:uFill>
+                <a:solidFill>
+                  <a:srgbClr val="ffffff"/>
+                </a:solidFill>
+              </a:uFill>
+              <a:latin typeface="Arial"/>
+            </a:endParaRPr>
+          </a:p>
+          <a:p>
+            <a:pPr lvl="3" marL="1728000" indent="-216000">
+              <a:buClr>
+                <a:srgbClr val="000000"/>
+              </a:buClr>
+              <a:buSzPct val="75000"/>
+              <a:buFont typeface="Symbol" charset="2"/>
+              <a:buChar char=""/>
+            </a:pPr>
+            <a:r>
+              <a:rPr b="0" lang="en-US" sz="2000" spc="-1" strike="noStrike">
+                <a:solidFill>
+                  <a:srgbClr val="000000"/>
+                </a:solidFill>
+                <a:uFill>
+                  <a:solidFill>
+                    <a:srgbClr val="ffffff"/>
+                  </a:solidFill>
+                </a:uFill>
+                <a:latin typeface="Arial"/>
+              </a:rPr>
+              <a:t>Fourth Outline Level</a:t>
+            </a:r>
+            <a:endParaRPr b="0" lang="en-US" sz="2000" spc="-1" strike="noStrike">
+              <a:solidFill>
+                <a:srgbClr val="000000"/>
+              </a:solidFill>
+              <a:uFill>
+                <a:solidFill>
+                  <a:srgbClr val="ffffff"/>
+                </a:solidFill>
+              </a:uFill>
+              <a:latin typeface="Arial"/>
+            </a:endParaRPr>
+          </a:p>
+          <a:p>
+            <a:pPr lvl="4" marL="2160000" indent="-216000">
+              <a:buClr>
+                <a:srgbClr val="000000"/>
+              </a:buClr>
               <a:buSzPct val="45000"/>
-              <a:buFont typeface="StarSymbol"/>
-              <a:buChar char=""/>
+              <a:buFont typeface="Wingdings" charset="2"/>
+              <a:buChar char=""/>
             </a:pPr>
             <a:r>
-              <a:rPr lang="en-US" sz="2000">
-                <a:latin typeface="Roboto"/>
-              </a:rPr>
-              <a:t>Third Outline Level</a:t>
-            </a:r>
-            <a:endParaRPr/>
-          </a:p>
-          <a:p>
-            <a:pPr lvl="3">
+              <a:rPr b="0" lang="en-US" sz="2000" spc="-1" strike="noStrike">
+                <a:solidFill>
+                  <a:srgbClr val="000000"/>
+                </a:solidFill>
+                <a:uFill>
+                  <a:solidFill>
+                    <a:srgbClr val="ffffff"/>
+                  </a:solidFill>
+                </a:uFill>
+                <a:latin typeface="Arial"/>
+              </a:rPr>
+              <a:t>Fifth Outline Level</a:t>
+            </a:r>
+            <a:endParaRPr b="0" lang="en-US" sz="2000" spc="-1" strike="noStrike">
+              <a:solidFill>
+                <a:srgbClr val="000000"/>
+              </a:solidFill>
+              <a:uFill>
+                <a:solidFill>
+                  <a:srgbClr val="ffffff"/>
+                </a:solidFill>
+              </a:uFill>
+              <a:latin typeface="Arial"/>
+            </a:endParaRPr>
+          </a:p>
+          <a:p>
+            <a:pPr lvl="5" marL="2592000" indent="-216000">
+              <a:buClr>
+                <a:srgbClr val="000000"/>
+              </a:buClr>
               <a:buSzPct val="45000"/>
-              <a:buFont typeface="StarSymbol"/>
-              <a:buChar char=""/>
+              <a:buFont typeface="Wingdings" charset="2"/>
+              <a:buChar char=""/>
             </a:pPr>
             <a:r>
-              <a:rPr lang="en-US" sz="1600">
-                <a:latin typeface="Roboto"/>
-              </a:rPr>
-              <a:t>Fourth Outline Level</a:t>
-            </a:r>
-            <a:endParaRPr/>
-          </a:p>
-          <a:p>
-            <a:pPr lvl="4">
+              <a:rPr b="0" lang="en-US" sz="2000" spc="-1" strike="noStrike">
+                <a:solidFill>
+                  <a:srgbClr val="000000"/>
+                </a:solidFill>
+                <a:uFill>
+                  <a:solidFill>
+                    <a:srgbClr val="ffffff"/>
+                  </a:solidFill>
+                </a:uFill>
+                <a:latin typeface="Arial"/>
+              </a:rPr>
+              <a:t>Sixth Outline Level</a:t>
+            </a:r>
+            <a:endParaRPr b="0" lang="en-US" sz="2000" spc="-1" strike="noStrike">
+              <a:solidFill>
+                <a:srgbClr val="000000"/>
+              </a:solidFill>
+              <a:uFill>
+                <a:solidFill>
+                  <a:srgbClr val="ffffff"/>
+                </a:solidFill>
+              </a:uFill>
+              <a:latin typeface="Arial"/>
+            </a:endParaRPr>
+          </a:p>
+          <a:p>
+            <a:pPr lvl="6" marL="3024000" indent="-216000">
+              <a:buClr>
+                <a:srgbClr val="000000"/>
+              </a:buClr>
               <a:buSzPct val="45000"/>
-              <a:buFont typeface="StarSymbol"/>
-              <a:buChar char=""/>
+              <a:buFont typeface="Wingdings" charset="2"/>
+              <a:buChar char=""/>
             </a:pPr>
             <a:r>
-              <a:rPr lang="en-US" sz="1600">
-                <a:latin typeface="Roboto"/>
-              </a:rPr>
-              <a:t>Fifth Outline Level</a:t>
-            </a:r>
-            <a:endParaRPr/>
-          </a:p>
-          <a:p>
-            <a:pPr lvl="5">
-              <a:buSzPct val="45000"/>
-              <a:buFont typeface="StarSymbol"/>
-              <a:buChar char=""/>
-            </a:pPr>
-            <a:r>
-              <a:rPr lang="en-US" sz="1600">
-                <a:latin typeface="Roboto"/>
-              </a:rPr>
-              <a:t>Sixth Outline Level</a:t>
-            </a:r>
-            <a:endParaRPr/>
-          </a:p>
-          <a:p>
-            <a:pPr lvl="6">
-              <a:buSzPct val="45000"/>
-              <a:buFont typeface="StarSymbol"/>
-              <a:buChar char=""/>
-            </a:pPr>
-            <a:r>
-              <a:rPr lang="en-US" sz="1600">
-                <a:latin typeface="Roboto"/>
+              <a:rPr b="0" lang="en-US" sz="2000" spc="-1" strike="noStrike">
+                <a:solidFill>
+                  <a:srgbClr val="000000"/>
+                </a:solidFill>
+                <a:uFill>
+                  <a:solidFill>
+                    <a:srgbClr val="ffffff"/>
+                  </a:solidFill>
+                </a:uFill>
+                <a:latin typeface="Arial"/>
               </a:rPr>
               <a:t>Seventh Outline Level</a:t>
             </a:r>
-            <a:endParaRPr/>
-          </a:p>
-        </p:txBody>
-      </p:sp>
-      <p:sp>
-        <p:nvSpPr>
-          <p:cNvPr id="2" name="PlaceHolder 3"/>
-          <p:cNvSpPr>
-            <a:spLocks noGrp="1"/>
-          </p:cNvSpPr>
-          <p:nvPr>
-            <p:ph type="dt"/>
-          </p:nvPr>
-        </p:nvSpPr>
-        <p:spPr>
-          <a:xfrm>
-            <a:off x="504000" y="6887160"/>
-            <a:ext cx="2348280" cy="521280"/>
-          </a:xfrm>
-          <a:prstGeom prst="rect">
-            <a:avLst/>
-          </a:prstGeom>
-        </p:spPr>
-        <p:txBody>
-          <a:bodyPr lIns="0" rIns="0" tIns="0" bIns="0"/>
-          <a:p>
-            <a:r>
-              <a:rPr lang="en-US" sz="1400">
-                <a:latin typeface="Times New Roman"/>
-              </a:rPr>
-              <a:t>&lt;date/time&gt;</a:t>
-            </a:r>
-            <a:endParaRPr/>
-          </a:p>
-        </p:txBody>
-      </p:sp>
-      <p:sp>
-        <p:nvSpPr>
-          <p:cNvPr id="3" name="PlaceHolder 4"/>
-          <p:cNvSpPr>
-            <a:spLocks noGrp="1"/>
-          </p:cNvSpPr>
-          <p:nvPr>
-            <p:ph type="ftr"/>
-          </p:nvPr>
-        </p:nvSpPr>
-        <p:spPr>
-          <a:xfrm>
-            <a:off x="3447360" y="6887160"/>
-            <a:ext cx="3195000" cy="521280"/>
-          </a:xfrm>
-          <a:prstGeom prst="rect">
-            <a:avLst/>
-          </a:prstGeom>
-        </p:spPr>
-        <p:txBody>
-          <a:bodyPr lIns="0" rIns="0" tIns="0" bIns="0"/>
-          <a:p>
-            <a:pPr algn="ctr"/>
-            <a:r>
-              <a:rPr lang="en-US" sz="1400">
-                <a:latin typeface="Times New Roman"/>
-              </a:rPr>
-              <a:t>&lt;footer&gt;</a:t>
-            </a:r>
-            <a:endParaRPr/>
-          </a:p>
-        </p:txBody>
-      </p:sp>
-      <p:sp>
-        <p:nvSpPr>
-          <p:cNvPr id="4" name="PlaceHolder 5"/>
-          <p:cNvSpPr>
-            <a:spLocks noGrp="1"/>
-          </p:cNvSpPr>
-          <p:nvPr>
-            <p:ph type="sldNum"/>
-          </p:nvPr>
-        </p:nvSpPr>
-        <p:spPr>
-          <a:xfrm>
-            <a:off x="7227360" y="6887160"/>
-            <a:ext cx="2348280" cy="521280"/>
-          </a:xfrm>
-          <a:prstGeom prst="rect">
-            <a:avLst/>
-          </a:prstGeom>
-        </p:spPr>
-        <p:txBody>
-          <a:bodyPr lIns="0" rIns="0" tIns="0" bIns="0"/>
-          <a:p>
-            <a:pPr algn="r"/>
-            <a:fld id="{68A5CD37-D240-4551-9972-CE07DF6D42DE}" type="slidenum">
-              <a:rPr lang="en-US" sz="1400">
-                <a:latin typeface="Times New Roman"/>
-              </a:rPr>
-              <a:t>&lt;number&gt;</a:t>
-            </a:fld>
-            <a:endParaRPr/>
+            <a:endParaRPr b="0" lang="en-US" sz="2000" spc="-1" strike="noStrike">
+              <a:solidFill>
+                <a:srgbClr val="000000"/>
+              </a:solidFill>
+              <a:uFill>
+                <a:solidFill>
+                  <a:srgbClr val="ffffff"/>
+                </a:solidFill>
+              </a:uFill>
+              <a:latin typeface="Arial"/>
+            </a:endParaRPr>
           </a:p>
         </p:txBody>
       </p:sp>
@@ -2609,24 +3317,24 @@
   </p:cSld>
   <p:clrMap bg1="lt1" bg2="lt2" tx1="dk1" tx2="dk2" accent1="accent1" accent2="accent2" accent3="accent3" accent4="accent4" accent5="accent5" accent6="accent6" hlink="hlink" folHlink="folHlink"/>
   <p:sldLayoutIdLst>
-    <p:sldLayoutId id="2147483649" r:id="rId2"/>
-    <p:sldLayoutId id="2147483650" r:id="rId3"/>
-    <p:sldLayoutId id="2147483651" r:id="rId4"/>
-    <p:sldLayoutId id="2147483652" r:id="rId5"/>
-    <p:sldLayoutId id="2147483653" r:id="rId6"/>
-    <p:sldLayoutId id="2147483654" r:id="rId7"/>
-    <p:sldLayoutId id="2147483655" r:id="rId8"/>
-    <p:sldLayoutId id="2147483656" r:id="rId9"/>
-    <p:sldLayoutId id="2147483657" r:id="rId10"/>
-    <p:sldLayoutId id="2147483658" r:id="rId11"/>
-    <p:sldLayoutId id="2147483659" r:id="rId12"/>
-    <p:sldLayoutId id="2147483660" r:id="rId13"/>
+    <p:sldLayoutId id="2147483649" r:id="rId3"/>
+    <p:sldLayoutId id="2147483650" r:id="rId4"/>
+    <p:sldLayoutId id="2147483651" r:id="rId5"/>
+    <p:sldLayoutId id="2147483652" r:id="rId6"/>
+    <p:sldLayoutId id="2147483653" r:id="rId7"/>
+    <p:sldLayoutId id="2147483654" r:id="rId8"/>
+    <p:sldLayoutId id="2147483655" r:id="rId9"/>
+    <p:sldLayoutId id="2147483656" r:id="rId10"/>
+    <p:sldLayoutId id="2147483657" r:id="rId11"/>
+    <p:sldLayoutId id="2147483658" r:id="rId12"/>
+    <p:sldLayoutId id="2147483659" r:id="rId13"/>
+    <p:sldLayoutId id="2147483660" r:id="rId14"/>
   </p:sldLayoutIdLst>
 </p:sldMaster>
 </file>
 
 <file path=ppt/slideMasters/slideMaster2.xml><?xml version="1.0" encoding="utf-8"?>
-<p:sldMaster xmlns:a="http://schemas.openxmlformats.org/drawingml/2006/main" xmlns:p="http://schemas.openxmlformats.org/presentationml/2006/main" xmlns:r="http://schemas.openxmlformats.org/officeDocument/2006/relationships">
+<p:sldMaster xmlns:a="http://schemas.openxmlformats.org/drawingml/2006/main" xmlns:p="http://schemas.openxmlformats.org/presentationml/2006/main" xmlns:r="http://schemas.openxmlformats.org/officeDocument/2006/relationships" xmlns:p14="http://schemas.microsoft.com/office/powerpoint/2010/main" xmlns:p15="http://schemas.microsoft.com/office/powerpoint/2012/main" xmlns:mc="http://schemas.openxmlformats.org/markup-compatibility/2006">
   <p:cSld>
     <p:spTree>
       <p:nvGrpSpPr>
@@ -2642,9 +3350,32 @@
           <a:chExt cx="0" cy="0"/>
         </a:xfrm>
       </p:grpSpPr>
-      <p:sp>
-        <p:nvSpPr>
-          <p:cNvPr id="39" name="PlaceHolder 1"/>
+      <p:pic>
+        <p:nvPicPr>
+          <p:cNvPr id="37" name="Bild 7" descr=""/>
+          <p:cNvPicPr/>
+          <p:nvPr/>
+        </p:nvPicPr>
+        <p:blipFill>
+          <a:blip r:embed="rId2"/>
+          <a:stretch/>
+        </p:blipFill>
+        <p:spPr>
+          <a:xfrm>
+            <a:off x="8412480" y="6949440"/>
+            <a:ext cx="1503720" cy="496080"/>
+          </a:xfrm>
+          <a:prstGeom prst="rect">
+            <a:avLst/>
+          </a:prstGeom>
+          <a:ln>
+            <a:noFill/>
+          </a:ln>
+        </p:spPr>
+      </p:pic>
+      <p:sp>
+        <p:nvSpPr>
+          <p:cNvPr id="38" name="PlaceHolder 1"/>
           <p:cNvSpPr>
             <a:spLocks noGrp="1"/>
           </p:cNvSpPr>
@@ -2655,7 +3386,7 @@
         <p:spPr>
           <a:xfrm>
             <a:off x="503640" y="301320"/>
-            <a:ext cx="9071280" cy="1261800"/>
+            <a:ext cx="9070920" cy="1261800"/>
           </a:xfrm>
           <a:prstGeom prst="rect">
             <a:avLst/>
@@ -2665,19 +3396,23 @@
           <a:bodyPr lIns="0" rIns="0" tIns="0" bIns="0" anchor="ctr"/>
           <a:p>
             <a:pPr algn="ctr"/>
-            <a:r>
-              <a:rPr lang="en-US" sz="5400">
-                <a:latin typeface="Roboto Light"/>
-              </a:rPr>
-              <a:t>Click to edit the title text format</a:t>
-            </a:r>
-            <a:endParaRPr/>
-          </a:p>
-        </p:txBody>
-      </p:sp>
-      <p:sp>
-        <p:nvSpPr>
-          <p:cNvPr id="40" name="PlaceHolder 2"/>
+            <a:endParaRPr b="0" lang="en-US" sz="4400" spc="-1" strike="noStrike">
+              <a:solidFill>
+                <a:srgbClr val="000000"/>
+              </a:solidFill>
+              <a:uFill>
+                <a:solidFill>
+                  <a:srgbClr val="ffffff"/>
+                </a:solidFill>
+              </a:uFill>
+              <a:latin typeface="Arial"/>
+            </a:endParaRPr>
+          </a:p>
+        </p:txBody>
+      </p:sp>
+      <p:sp>
+        <p:nvSpPr>
+          <p:cNvPr id="39" name="PlaceHolder 2"/>
           <p:cNvSpPr>
             <a:spLocks noGrp="1"/>
           </p:cNvSpPr>
@@ -2688,7 +3423,7 @@
         <p:spPr>
           <a:xfrm>
             <a:off x="503640" y="1768680"/>
-            <a:ext cx="9071280" cy="4384440"/>
+            <a:ext cx="9070920" cy="4384080"/>
           </a:xfrm>
           <a:prstGeom prst="rect">
             <a:avLst/>
@@ -2697,130 +3432,252 @@
         <p:txBody>
           <a:bodyPr lIns="0" rIns="0" tIns="0" bIns="0"/>
           <a:p>
-            <a:pPr>
+            <a:pPr marL="432000" indent="-324000">
+              <a:buClr>
+                <a:srgbClr val="000000"/>
+              </a:buClr>
               <a:buSzPct val="45000"/>
-              <a:buFont typeface="StarSymbol"/>
-              <a:buChar char=""/>
+              <a:buFont typeface="Wingdings" charset="2"/>
+              <a:buChar char=""/>
             </a:pPr>
             <a:r>
-              <a:rPr lang="en-US" sz="2800">
-                <a:latin typeface="Roboto"/>
+              <a:rPr b="0" lang="en-US" sz="1800" spc="-1" strike="noStrike">
+                <a:solidFill>
+                  <a:srgbClr val="000000"/>
+                </a:solidFill>
+                <a:uFill>
+                  <a:solidFill>
+                    <a:srgbClr val="ffffff"/>
+                  </a:solidFill>
+                </a:uFill>
+                <a:latin typeface="Arial"/>
               </a:rPr>
               <a:t>Click to edit the outline text format</a:t>
             </a:r>
-            <a:endParaRPr/>
-          </a:p>
-          <a:p>
-            <a:pPr lvl="1">
+            <a:endParaRPr b="0" lang="en-US" sz="1800" spc="-1" strike="noStrike">
+              <a:solidFill>
+                <a:srgbClr val="000000"/>
+              </a:solidFill>
+              <a:uFill>
+                <a:solidFill>
+                  <a:srgbClr val="ffffff"/>
+                </a:solidFill>
+              </a:uFill>
+              <a:latin typeface="Arial"/>
+            </a:endParaRPr>
+          </a:p>
+          <a:p>
+            <a:pPr lvl="1" marL="864000" indent="-324000">
+              <a:buClr>
+                <a:srgbClr val="000000"/>
+              </a:buClr>
+              <a:buSzPct val="75000"/>
+              <a:buFont typeface="Symbol" charset="2"/>
+              <a:buChar char=""/>
+            </a:pPr>
+            <a:r>
+              <a:rPr b="0" lang="en-US" sz="1800" spc="-1" strike="noStrike">
+                <a:solidFill>
+                  <a:srgbClr val="000000"/>
+                </a:solidFill>
+                <a:uFill>
+                  <a:solidFill>
+                    <a:srgbClr val="ffffff"/>
+                  </a:solidFill>
+                </a:uFill>
+                <a:latin typeface="Arial"/>
+              </a:rPr>
+              <a:t>Second Outline Level</a:t>
+            </a:r>
+            <a:endParaRPr b="0" lang="en-US" sz="1800" spc="-1" strike="noStrike">
+              <a:solidFill>
+                <a:srgbClr val="000000"/>
+              </a:solidFill>
+              <a:uFill>
+                <a:solidFill>
+                  <a:srgbClr val="ffffff"/>
+                </a:solidFill>
+              </a:uFill>
+              <a:latin typeface="Arial"/>
+            </a:endParaRPr>
+          </a:p>
+          <a:p>
+            <a:pPr lvl="2" marL="1296000" indent="-288000">
+              <a:buClr>
+                <a:srgbClr val="000000"/>
+              </a:buClr>
               <a:buSzPct val="45000"/>
-              <a:buFont typeface="StarSymbol"/>
-              <a:buChar char=""/>
+              <a:buFont typeface="Wingdings" charset="2"/>
+              <a:buChar char=""/>
             </a:pPr>
             <a:r>
-              <a:rPr lang="en-US" sz="2000">
-                <a:latin typeface="Roboto"/>
-              </a:rPr>
-              <a:t>Second Outline Level</a:t>
-            </a:r>
-            <a:endParaRPr/>
-          </a:p>
-          <a:p>
-            <a:pPr lvl="2">
+              <a:rPr b="0" lang="en-US" sz="1800" spc="-1" strike="noStrike">
+                <a:solidFill>
+                  <a:srgbClr val="000000"/>
+                </a:solidFill>
+                <a:uFill>
+                  <a:solidFill>
+                    <a:srgbClr val="ffffff"/>
+                  </a:solidFill>
+                </a:uFill>
+                <a:latin typeface="Arial"/>
+              </a:rPr>
+              <a:t>Third Outline Level</a:t>
+            </a:r>
+            <a:endParaRPr b="0" lang="en-US" sz="1800" spc="-1" strike="noStrike">
+              <a:solidFill>
+                <a:srgbClr val="000000"/>
+              </a:solidFill>
+              <a:uFill>
+                <a:solidFill>
+                  <a:srgbClr val="ffffff"/>
+                </a:solidFill>
+              </a:uFill>
+              <a:latin typeface="Arial"/>
+            </a:endParaRPr>
+          </a:p>
+          <a:p>
+            <a:pPr lvl="3" marL="1728000" indent="-216000">
+              <a:buClr>
+                <a:srgbClr val="000000"/>
+              </a:buClr>
+              <a:buSzPct val="75000"/>
+              <a:buFont typeface="Symbol" charset="2"/>
+              <a:buChar char=""/>
+            </a:pPr>
+            <a:r>
+              <a:rPr b="0" lang="en-US" sz="1800" spc="-1" strike="noStrike">
+                <a:solidFill>
+                  <a:srgbClr val="000000"/>
+                </a:solidFill>
+                <a:uFill>
+                  <a:solidFill>
+                    <a:srgbClr val="ffffff"/>
+                  </a:solidFill>
+                </a:uFill>
+                <a:latin typeface="Arial"/>
+              </a:rPr>
+              <a:t>Fourth Outline Level</a:t>
+            </a:r>
+            <a:endParaRPr b="0" lang="en-US" sz="1800" spc="-1" strike="noStrike">
+              <a:solidFill>
+                <a:srgbClr val="000000"/>
+              </a:solidFill>
+              <a:uFill>
+                <a:solidFill>
+                  <a:srgbClr val="ffffff"/>
+                </a:solidFill>
+              </a:uFill>
+              <a:latin typeface="Arial"/>
+            </a:endParaRPr>
+          </a:p>
+          <a:p>
+            <a:pPr lvl="4" marL="2160000" indent="-216000">
+              <a:buClr>
+                <a:srgbClr val="000000"/>
+              </a:buClr>
               <a:buSzPct val="45000"/>
-              <a:buFont typeface="StarSymbol"/>
-              <a:buChar char=""/>
+              <a:buFont typeface="Wingdings" charset="2"/>
+              <a:buChar char=""/>
             </a:pPr>
             <a:r>
-              <a:rPr lang="en-US" sz="1600">
-                <a:latin typeface="Roboto"/>
-              </a:rPr>
-              <a:t>Third Outline Level</a:t>
-            </a:r>
-            <a:endParaRPr/>
-          </a:p>
-          <a:p>
-            <a:pPr lvl="3">
+              <a:rPr b="0" lang="en-US" sz="1800" spc="-1" strike="noStrike">
+                <a:solidFill>
+                  <a:srgbClr val="000000"/>
+                </a:solidFill>
+                <a:uFill>
+                  <a:solidFill>
+                    <a:srgbClr val="ffffff"/>
+                  </a:solidFill>
+                </a:uFill>
+                <a:latin typeface="Arial"/>
+              </a:rPr>
+              <a:t>Fifth Outline Level</a:t>
+            </a:r>
+            <a:endParaRPr b="0" lang="en-US" sz="1800" spc="-1" strike="noStrike">
+              <a:solidFill>
+                <a:srgbClr val="000000"/>
+              </a:solidFill>
+              <a:uFill>
+                <a:solidFill>
+                  <a:srgbClr val="ffffff"/>
+                </a:solidFill>
+              </a:uFill>
+              <a:latin typeface="Arial"/>
+            </a:endParaRPr>
+          </a:p>
+          <a:p>
+            <a:pPr lvl="5" marL="2592000" indent="-216000">
+              <a:buClr>
+                <a:srgbClr val="000000"/>
+              </a:buClr>
               <a:buSzPct val="45000"/>
-              <a:buFont typeface="StarSymbol"/>
-              <a:buChar char=""/>
+              <a:buFont typeface="Wingdings" charset="2"/>
+              <a:buChar char=""/>
             </a:pPr>
             <a:r>
-              <a:rPr lang="en-US" sz="1600">
-                <a:latin typeface="Roboto"/>
-              </a:rPr>
-              <a:t>Fourth Outline Level</a:t>
-            </a:r>
-            <a:endParaRPr/>
-          </a:p>
-          <a:p>
-            <a:pPr lvl="4">
+              <a:rPr b="0" lang="en-US" sz="1800" spc="-1" strike="noStrike">
+                <a:solidFill>
+                  <a:srgbClr val="000000"/>
+                </a:solidFill>
+                <a:uFill>
+                  <a:solidFill>
+                    <a:srgbClr val="ffffff"/>
+                  </a:solidFill>
+                </a:uFill>
+                <a:latin typeface="Arial"/>
+              </a:rPr>
+              <a:t>Sixth Outline Level</a:t>
+            </a:r>
+            <a:endParaRPr b="0" lang="en-US" sz="1800" spc="-1" strike="noStrike">
+              <a:solidFill>
+                <a:srgbClr val="000000"/>
+              </a:solidFill>
+              <a:uFill>
+                <a:solidFill>
+                  <a:srgbClr val="ffffff"/>
+                </a:solidFill>
+              </a:uFill>
+              <a:latin typeface="Arial"/>
+            </a:endParaRPr>
+          </a:p>
+          <a:p>
+            <a:pPr lvl="6" marL="3024000" indent="-216000">
+              <a:buClr>
+                <a:srgbClr val="000000"/>
+              </a:buClr>
               <a:buSzPct val="45000"/>
-              <a:buFont typeface="StarSymbol"/>
-              <a:buChar char=""/>
+              <a:buFont typeface="Wingdings" charset="2"/>
+              <a:buChar char=""/>
             </a:pPr>
             <a:r>
-              <a:rPr lang="en-US" sz="1600">
-                <a:latin typeface="Roboto"/>
-              </a:rPr>
-              <a:t>Fifth Outline Level</a:t>
-            </a:r>
-            <a:endParaRPr/>
-          </a:p>
-          <a:p>
-            <a:pPr lvl="5">
-              <a:buSzPct val="45000"/>
-              <a:buFont typeface="StarSymbol"/>
-              <a:buChar char=""/>
-            </a:pPr>
-            <a:r>
-              <a:rPr lang="en-US" sz="1600">
-                <a:latin typeface="Roboto"/>
-              </a:rPr>
-              <a:t>Sixth Outline Level</a:t>
-            </a:r>
-            <a:endParaRPr/>
-          </a:p>
-          <a:p>
-            <a:pPr lvl="6">
-              <a:buSzPct val="45000"/>
-              <a:buFont typeface="StarSymbol"/>
-              <a:buChar char=""/>
-            </a:pPr>
-            <a:r>
-              <a:rPr lang="en-US" sz="1600">
-                <a:latin typeface="Roboto"/>
+              <a:rPr b="0" lang="en-US" sz="1800" spc="-1" strike="noStrike">
+                <a:solidFill>
+                  <a:srgbClr val="000000"/>
+                </a:solidFill>
+                <a:uFill>
+                  <a:solidFill>
+                    <a:srgbClr val="ffffff"/>
+                  </a:solidFill>
+                </a:uFill>
+                <a:latin typeface="Arial"/>
               </a:rPr>
               <a:t>Seventh Outline Level</a:t>
             </a:r>
-            <a:endParaRPr/>
-          </a:p>
-        </p:txBody>
-      </p:sp>
-      <p:pic>
-        <p:nvPicPr>
-          <p:cNvPr id="41" name="Bild 7" descr=""/>
-          <p:cNvPicPr/>
-          <p:nvPr/>
-        </p:nvPicPr>
-        <p:blipFill>
-          <a:blip r:embed="rId2"/>
-          <a:stretch>
-            <a:fillRect/>
-          </a:stretch>
-        </p:blipFill>
-        <p:spPr>
-          <a:xfrm>
-            <a:off x="8412480" y="6949440"/>
-            <a:ext cx="1504080" cy="496440"/>
-          </a:xfrm>
-          <a:prstGeom prst="rect">
-            <a:avLst/>
-          </a:prstGeom>
-          <a:ln>
-            <a:noFill/>
-          </a:ln>
-        </p:spPr>
-      </p:pic>
+            <a:endParaRPr b="0" lang="en-US" sz="1800" spc="-1" strike="noStrike">
+              <a:solidFill>
+                <a:srgbClr val="000000"/>
+              </a:solidFill>
+              <a:uFill>
+                <a:solidFill>
+                  <a:srgbClr val="ffffff"/>
+                </a:solidFill>
+              </a:uFill>
+              <a:latin typeface="Arial"/>
+            </a:endParaRPr>
+          </a:p>
+        </p:txBody>
+      </p:sp>
     </p:spTree>
   </p:cSld>
   <p:clrMap bg1="lt1" bg2="lt2" tx1="dk1" tx2="dk2" accent1="accent1" accent2="accent2" accent3="accent3" accent4="accent4" accent5="accent5" accent6="accent6" hlink="hlink" folHlink="folHlink"/>
@@ -2842,7 +3699,7 @@
 </file>
 
 <file path=ppt/slides/slide1.xml><?xml version="1.0" encoding="utf-8"?>
-<p:sld xmlns:a="http://schemas.openxmlformats.org/drawingml/2006/main" xmlns:p="http://schemas.openxmlformats.org/presentationml/2006/main" xmlns:r="http://schemas.openxmlformats.org/officeDocument/2006/relationships">
+<p:sld xmlns:a="http://schemas.openxmlformats.org/drawingml/2006/main" xmlns:p="http://schemas.openxmlformats.org/presentationml/2006/main" xmlns:r="http://schemas.openxmlformats.org/officeDocument/2006/relationships" xmlns:p14="http://schemas.microsoft.com/office/powerpoint/2010/main" xmlns:p15="http://schemas.microsoft.com/office/powerpoint/2012/main" xmlns:mc="http://schemas.openxmlformats.org/markup-compatibility/2006">
   <p:cSld>
     <p:spTree>
       <p:nvGrpSpPr>
@@ -2860,20 +3717,18 @@
       </p:grpSpPr>
       <p:pic>
         <p:nvPicPr>
-          <p:cNvPr id="76" name="" descr=""/>
+          <p:cNvPr id="74" name="" descr=""/>
           <p:cNvPicPr/>
           <p:nvPr/>
         </p:nvPicPr>
         <p:blipFill>
           <a:blip r:embed="rId1"/>
-          <a:stretch>
-            <a:fillRect/>
-          </a:stretch>
+          <a:stretch/>
         </p:blipFill>
         <p:spPr>
           <a:xfrm>
             <a:off x="604080" y="1097280"/>
-            <a:ext cx="9052560" cy="3224880"/>
+            <a:ext cx="9052200" cy="3224520"/>
           </a:xfrm>
           <a:prstGeom prst="rect">
             <a:avLst/>
@@ -2885,14 +3740,14 @@
       </p:pic>
       <p:sp>
         <p:nvSpPr>
-          <p:cNvPr id="77" name="CustomShape 1"/>
+          <p:cNvPr id="75" name="CustomShape 1"/>
           <p:cNvSpPr/>
           <p:nvPr/>
         </p:nvSpPr>
         <p:spPr>
           <a:xfrm>
             <a:off x="492840" y="4176720"/>
-            <a:ext cx="9090720" cy="2102760"/>
+            <a:ext cx="9090360" cy="2102400"/>
           </a:xfrm>
           <a:prstGeom prst="rect">
             <a:avLst/>
@@ -2902,40 +3757,82 @@
             <a:noFill/>
           </a:ln>
         </p:spPr>
+        <p:style>
+          <a:lnRef idx="0"/>
+          <a:fillRef idx="0"/>
+          <a:effectRef idx="0"/>
+          <a:fontRef idx="minor"/>
+        </p:style>
         <p:txBody>
           <a:bodyPr lIns="90000" rIns="90000" tIns="45000" bIns="45000"/>
           <a:p>
             <a:r>
-              <a:rPr lang="en-US" sz="3200">
+              <a:rPr b="0" lang="en-US" sz="3200" spc="-1" strike="noStrike">
+                <a:solidFill>
+                  <a:srgbClr val="000000"/>
+                </a:solidFill>
+                <a:uFill>
+                  <a:solidFill>
+                    <a:srgbClr val="ffffff"/>
+                  </a:solidFill>
+                </a:uFill>
                 <a:latin typeface="Roboto Light"/>
                 <a:ea typeface="Arial-BoldMT"/>
               </a:rPr>
               <a:t>Dynamic Flux Balance Analysis (DFBA)</a:t>
             </a:r>
-            <a:endParaRPr/>
-          </a:p>
-          <a:p>
-            <a:r>
-              <a:rPr lang="en-US" sz="3200">
+            <a:endParaRPr b="0" lang="en-US" sz="1800" spc="-1" strike="noStrike">
+              <a:solidFill>
+                <a:srgbClr val="000000"/>
+              </a:solidFill>
+              <a:uFill>
+                <a:solidFill>
+                  <a:srgbClr val="ffffff"/>
+                </a:solidFill>
+              </a:uFill>
+              <a:latin typeface="Arial"/>
+            </a:endParaRPr>
+          </a:p>
+          <a:p>
+            <a:r>
+              <a:rPr b="0" lang="en-US" sz="3200" spc="-1" strike="noStrike">
+                <a:solidFill>
+                  <a:srgbClr val="000000"/>
+                </a:solidFill>
+                <a:uFill>
+                  <a:solidFill>
+                    <a:srgbClr val="ffffff"/>
+                  </a:solidFill>
+                </a:uFill>
                 <a:latin typeface="Roboto Light"/>
                 <a:ea typeface="Arial-BoldMT"/>
               </a:rPr>
               <a:t>with SBML (core, comp, fbc)</a:t>
             </a:r>
-            <a:endParaRPr/>
-          </a:p>
-        </p:txBody>
-      </p:sp>
-      <p:sp>
-        <p:nvSpPr>
-          <p:cNvPr id="78" name="CustomShape 2"/>
+            <a:endParaRPr b="0" lang="en-US" sz="1800" spc="-1" strike="noStrike">
+              <a:solidFill>
+                <a:srgbClr val="000000"/>
+              </a:solidFill>
+              <a:uFill>
+                <a:solidFill>
+                  <a:srgbClr val="ffffff"/>
+                </a:solidFill>
+              </a:uFill>
+              <a:latin typeface="Arial"/>
+            </a:endParaRPr>
+          </a:p>
+        </p:txBody>
+      </p:sp>
+      <p:sp>
+        <p:nvSpPr>
+          <p:cNvPr id="76" name="CustomShape 2"/>
           <p:cNvSpPr/>
           <p:nvPr/>
         </p:nvSpPr>
         <p:spPr>
           <a:xfrm>
             <a:off x="492840" y="5363280"/>
-            <a:ext cx="8907480" cy="2102760"/>
+            <a:ext cx="8907120" cy="2102400"/>
           </a:xfrm>
           <a:prstGeom prst="rect">
             <a:avLst/>
@@ -2945,80 +3842,164 @@
             <a:noFill/>
           </a:ln>
         </p:spPr>
+        <p:style>
+          <a:lnRef idx="0"/>
+          <a:fillRef idx="0"/>
+          <a:effectRef idx="0"/>
+          <a:fontRef idx="minor"/>
+        </p:style>
         <p:txBody>
           <a:bodyPr lIns="90000" rIns="90000" tIns="45000" bIns="45000"/>
           <a:p>
             <a:r>
-              <a:rPr lang="en-US" sz="2000">
+              <a:rPr b="0" lang="en-US" sz="2000" spc="-1" strike="noStrike">
                 <a:solidFill>
                   <a:srgbClr val="666666"/>
                 </a:solidFill>
+                <a:uFill>
+                  <a:solidFill>
+                    <a:srgbClr val="ffffff"/>
+                  </a:solidFill>
+                </a:uFill>
                 <a:latin typeface="Roboto Light"/>
               </a:rPr>
               <a:t>Matthias König</a:t>
             </a:r>
-            <a:endParaRPr/>
-          </a:p>
-          <a:p>
-            <a:endParaRPr/>
-          </a:p>
-          <a:p>
-            <a:r>
-              <a:rPr lang="en-US">
+            <a:endParaRPr b="0" lang="en-US" sz="1800" spc="-1" strike="noStrike">
+              <a:solidFill>
+                <a:srgbClr val="000000"/>
+              </a:solidFill>
+              <a:uFill>
+                <a:solidFill>
+                  <a:srgbClr val="ffffff"/>
+                </a:solidFill>
+              </a:uFill>
+              <a:latin typeface="Arial"/>
+            </a:endParaRPr>
+          </a:p>
+          <a:p>
+            <a:endParaRPr b="0" lang="en-US" sz="1800" spc="-1" strike="noStrike">
+              <a:solidFill>
+                <a:srgbClr val="000000"/>
+              </a:solidFill>
+              <a:uFill>
+                <a:solidFill>
+                  <a:srgbClr val="ffffff"/>
+                </a:solidFill>
+              </a:uFill>
+              <a:latin typeface="Arial"/>
+            </a:endParaRPr>
+          </a:p>
+          <a:p>
+            <a:r>
+              <a:rPr b="0" lang="en-US" sz="1800" spc="-1" strike="noStrike">
                 <a:solidFill>
                   <a:srgbClr val="666666"/>
                 </a:solidFill>
+                <a:uFill>
+                  <a:solidFill>
+                    <a:srgbClr val="ffffff"/>
+                  </a:solidFill>
+                </a:uFill>
                 <a:latin typeface="Roboto Light"/>
               </a:rPr>
               <a:t>LiSyM Systems Medicine of the Liver</a:t>
             </a:r>
-            <a:endParaRPr/>
-          </a:p>
-          <a:p>
-            <a:r>
-              <a:rPr lang="en-US">
+            <a:endParaRPr b="0" lang="en-US" sz="1800" spc="-1" strike="noStrike">
+              <a:solidFill>
+                <a:srgbClr val="000000"/>
+              </a:solidFill>
+              <a:uFill>
+                <a:solidFill>
+                  <a:srgbClr val="ffffff"/>
+                </a:solidFill>
+              </a:uFill>
+              <a:latin typeface="Arial"/>
+            </a:endParaRPr>
+          </a:p>
+          <a:p>
+            <a:r>
+              <a:rPr b="0" lang="en-US" sz="1800" spc="-1" strike="noStrike">
                 <a:solidFill>
                   <a:srgbClr val="666666"/>
                 </a:solidFill>
+                <a:uFill>
+                  <a:solidFill>
+                    <a:srgbClr val="ffffff"/>
+                  </a:solidFill>
+                </a:uFill>
                 <a:latin typeface="Roboto Light"/>
               </a:rPr>
               <a:t>Humboldt University Berlin, Institute for Theoretical Biology</a:t>
             </a:r>
-            <a:endParaRPr/>
-          </a:p>
-          <a:p>
-            <a:r>
-              <a:rPr lang="en-US">
+            <a:endParaRPr b="0" lang="en-US" sz="1800" spc="-1" strike="noStrike">
+              <a:solidFill>
+                <a:srgbClr val="000000"/>
+              </a:solidFill>
+              <a:uFill>
+                <a:solidFill>
+                  <a:srgbClr val="ffffff"/>
+                </a:solidFill>
+              </a:uFill>
+              <a:latin typeface="Arial"/>
+            </a:endParaRPr>
+          </a:p>
+          <a:p>
+            <a:r>
+              <a:rPr b="0" lang="en-US" sz="1800" spc="-1" strike="noStrike">
                 <a:solidFill>
                   <a:srgbClr val="6699cc"/>
                 </a:solidFill>
+                <a:uFill>
+                  <a:solidFill>
+                    <a:srgbClr val="ffffff"/>
+                  </a:solidFill>
+                </a:uFill>
                 <a:latin typeface="Roboto Light"/>
               </a:rPr>
               <a:t>livermetabolism.com</a:t>
             </a:r>
-            <a:endParaRPr/>
-          </a:p>
-          <a:p>
-            <a:endParaRPr/>
+            <a:endParaRPr b="0" lang="en-US" sz="1800" spc="-1" strike="noStrike">
+              <a:solidFill>
+                <a:srgbClr val="000000"/>
+              </a:solidFill>
+              <a:uFill>
+                <a:solidFill>
+                  <a:srgbClr val="ffffff"/>
+                </a:solidFill>
+              </a:uFill>
+              <a:latin typeface="Arial"/>
+            </a:endParaRPr>
+          </a:p>
+          <a:p>
+            <a:endParaRPr b="0" lang="en-US" sz="1800" spc="-1" strike="noStrike">
+              <a:solidFill>
+                <a:srgbClr val="000000"/>
+              </a:solidFill>
+              <a:uFill>
+                <a:solidFill>
+                  <a:srgbClr val="ffffff"/>
+                </a:solidFill>
+              </a:uFill>
+              <a:latin typeface="Arial"/>
+            </a:endParaRPr>
           </a:p>
         </p:txBody>
       </p:sp>
       <p:pic>
         <p:nvPicPr>
-          <p:cNvPr id="79" name="" descr=""/>
+          <p:cNvPr id="77" name="" descr=""/>
           <p:cNvPicPr/>
           <p:nvPr/>
         </p:nvPicPr>
         <p:blipFill>
           <a:blip r:embed="rId2"/>
-          <a:stretch>
-            <a:fillRect/>
-          </a:stretch>
+          <a:stretch/>
         </p:blipFill>
         <p:spPr>
           <a:xfrm>
             <a:off x="7680960" y="365760"/>
-            <a:ext cx="2269440" cy="1167120"/>
+            <a:ext cx="2269080" cy="1166760"/>
           </a:xfrm>
           <a:prstGeom prst="rect">
             <a:avLst/>
@@ -3061,7 +4042,7 @@
 </file>
 
 <file path=ppt/slides/slide2.xml><?xml version="1.0" encoding="utf-8"?>
-<p:sld xmlns:a="http://schemas.openxmlformats.org/drawingml/2006/main" xmlns:p="http://schemas.openxmlformats.org/presentationml/2006/main" xmlns:r="http://schemas.openxmlformats.org/officeDocument/2006/relationships">
+<p:sld xmlns:a="http://schemas.openxmlformats.org/drawingml/2006/main" xmlns:p="http://schemas.openxmlformats.org/presentationml/2006/main" xmlns:r="http://schemas.openxmlformats.org/officeDocument/2006/relationships" xmlns:p14="http://schemas.microsoft.com/office/powerpoint/2010/main" xmlns:p15="http://schemas.microsoft.com/office/powerpoint/2012/main" xmlns:mc="http://schemas.openxmlformats.org/markup-compatibility/2006">
   <p:cSld>
     <p:spTree>
       <p:nvGrpSpPr>
@@ -3079,282 +4060,717 @@
       </p:grpSpPr>
       <p:sp>
         <p:nvSpPr>
-          <p:cNvPr id="80" name="TextShape 1"/>
-          <p:cNvSpPr txBox="1"/>
+          <p:cNvPr id="78" name="CustomShape 1"/>
+          <p:cNvSpPr/>
           <p:nvPr/>
         </p:nvSpPr>
         <p:spPr>
           <a:xfrm>
             <a:off x="503640" y="301320"/>
-            <a:ext cx="9071280" cy="1261800"/>
-          </a:xfrm>
-          <a:prstGeom prst="rect">
-            <a:avLst/>
-          </a:prstGeom>
-        </p:spPr>
+            <a:ext cx="9070920" cy="1261440"/>
+          </a:xfrm>
+          <a:prstGeom prst="rect">
+            <a:avLst/>
+          </a:prstGeom>
+          <a:noFill/>
+          <a:ln>
+            <a:noFill/>
+          </a:ln>
+        </p:spPr>
+        <p:style>
+          <a:lnRef idx="0"/>
+          <a:fillRef idx="0"/>
+          <a:effectRef idx="0"/>
+          <a:fontRef idx="minor"/>
+        </p:style>
         <p:txBody>
           <a:bodyPr lIns="0" rIns="0" tIns="0" bIns="0" anchor="ctr"/>
           <a:p>
-            <a:pPr algn="ctr"/>
-            <a:r>
-              <a:rPr lang="en-US" sz="5400">
+            <a:pPr algn="ctr">
+              <a:lnSpc>
+                <a:spcPct val="100000"/>
+              </a:lnSpc>
+            </a:pPr>
+            <a:r>
+              <a:rPr b="0" lang="en-US" sz="5400" spc="-1" strike="noStrike">
+                <a:solidFill>
+                  <a:srgbClr val="000000"/>
+                </a:solidFill>
+                <a:uFill>
+                  <a:solidFill>
+                    <a:srgbClr val="ffffff"/>
+                  </a:solidFill>
+                </a:uFill>
                 <a:latin typeface="Roboto Light"/>
               </a:rPr>
               <a:t>Dynamic FBA (DFBA)</a:t>
             </a:r>
-            <a:endParaRPr/>
-          </a:p>
-        </p:txBody>
-      </p:sp>
-      <p:sp>
-        <p:nvSpPr>
-          <p:cNvPr id="81" name="TextShape 2"/>
-          <p:cNvSpPr txBox="1"/>
+            <a:endParaRPr b="0" lang="en-US" sz="1800" spc="-1" strike="noStrike">
+              <a:solidFill>
+                <a:srgbClr val="000000"/>
+              </a:solidFill>
+              <a:uFill>
+                <a:solidFill>
+                  <a:srgbClr val="ffffff"/>
+                </a:solidFill>
+              </a:uFill>
+              <a:latin typeface="Arial"/>
+            </a:endParaRPr>
+          </a:p>
+        </p:txBody>
+      </p:sp>
+      <p:sp>
+        <p:nvSpPr>
+          <p:cNvPr id="79" name="CustomShape 2"/>
+          <p:cNvSpPr/>
           <p:nvPr/>
         </p:nvSpPr>
         <p:spPr>
           <a:xfrm>
             <a:off x="503640" y="1768680"/>
-            <a:ext cx="9071280" cy="4384440"/>
-          </a:xfrm>
-          <a:prstGeom prst="rect">
-            <a:avLst/>
-          </a:prstGeom>
-        </p:spPr>
+            <a:ext cx="9070920" cy="4384080"/>
+          </a:xfrm>
+          <a:prstGeom prst="rect">
+            <a:avLst/>
+          </a:prstGeom>
+          <a:noFill/>
+          <a:ln>
+            <a:noFill/>
+          </a:ln>
+        </p:spPr>
+        <p:style>
+          <a:lnRef idx="0"/>
+          <a:fillRef idx="0"/>
+          <a:effectRef idx="0"/>
+          <a:fontRef idx="minor"/>
+        </p:style>
         <p:txBody>
           <a:bodyPr lIns="0" rIns="0" tIns="0" bIns="0"/>
           <a:p>
-            <a:pPr>
+            <a:pPr marL="216000" indent="-216000">
+              <a:lnSpc>
+                <a:spcPct val="100000"/>
+              </a:lnSpc>
+              <a:buClr>
+                <a:srgbClr val="000000"/>
+              </a:buClr>
               <a:buSzPct val="45000"/>
-              <a:buFont typeface="StarSymbol"/>
-              <a:buChar char=""/>
+              <a:buFont typeface="Wingdings"/>
+              <a:buChar char="l"/>
             </a:pPr>
             <a:r>
-              <a:rPr lang="en-US" sz="2800">
+              <a:rPr b="0" lang="en-US" sz="2800" spc="-1" strike="noStrike">
+                <a:solidFill>
+                  <a:srgbClr val="000000"/>
+                </a:solidFill>
+                <a:uFill>
+                  <a:solidFill>
+                    <a:srgbClr val="ffffff"/>
+                  </a:solidFill>
+                </a:uFill>
                 <a:latin typeface="Roboto"/>
               </a:rPr>
               <a:t>Approaches </a:t>
             </a:r>
-            <a:endParaRPr/>
-          </a:p>
-          <a:p>
-            <a:pPr lvl="1">
+            <a:endParaRPr b="0" lang="en-US" sz="1800" spc="-1" strike="noStrike">
+              <a:solidFill>
+                <a:srgbClr val="000000"/>
+              </a:solidFill>
+              <a:uFill>
+                <a:solidFill>
+                  <a:srgbClr val="ffffff"/>
+                </a:solidFill>
+              </a:uFill>
+              <a:latin typeface="Arial"/>
+            </a:endParaRPr>
+          </a:p>
+          <a:p>
+            <a:pPr lvl="1" marL="432000" indent="-216000">
+              <a:lnSpc>
+                <a:spcPct val="100000"/>
+              </a:lnSpc>
+              <a:buClr>
+                <a:srgbClr val="000000"/>
+              </a:buClr>
               <a:buSzPct val="45000"/>
-              <a:buFont typeface="StarSymbol"/>
-              <a:buChar char=""/>
+              <a:buFont typeface="Wingdings"/>
+              <a:buChar char="l"/>
             </a:pPr>
             <a:r>
-              <a:rPr lang="en-US" sz="2000">
+              <a:rPr b="0" lang="en-US" sz="2000" spc="-1" strike="noStrike">
+                <a:solidFill>
+                  <a:srgbClr val="000000"/>
+                </a:solidFill>
+                <a:uFill>
+                  <a:solidFill>
+                    <a:srgbClr val="ffffff"/>
+                  </a:solidFill>
+                </a:uFill>
                 <a:latin typeface="Roboto"/>
               </a:rPr>
               <a:t>Resource allocation (creating large optimization problem based)</a:t>
             </a:r>
-            <a:endParaRPr/>
-          </a:p>
-          <a:p>
-            <a:pPr lvl="2">
+            <a:endParaRPr b="0" lang="en-US" sz="1800" spc="-1" strike="noStrike">
+              <a:solidFill>
+                <a:srgbClr val="000000"/>
+              </a:solidFill>
+              <a:uFill>
+                <a:solidFill>
+                  <a:srgbClr val="ffffff"/>
+                </a:solidFill>
+              </a:uFill>
+              <a:latin typeface="Arial"/>
+            </a:endParaRPr>
+          </a:p>
+          <a:p>
+            <a:pPr lvl="2" marL="648000" indent="-216000">
+              <a:lnSpc>
+                <a:spcPct val="100000"/>
+              </a:lnSpc>
+              <a:buClr>
+                <a:srgbClr val="000000"/>
+              </a:buClr>
               <a:buSzPct val="45000"/>
-              <a:buFont typeface="StarSymbol"/>
-              <a:buChar char=""/>
+              <a:buFont typeface="Wingdings"/>
+              <a:buChar char="l"/>
             </a:pPr>
             <a:r>
-              <a:rPr lang="en-US" sz="1600">
+              <a:rPr b="0" lang="en-US" sz="1600" spc="-1" strike="noStrike">
+                <a:solidFill>
+                  <a:srgbClr val="000000"/>
+                </a:solidFill>
+                <a:uFill>
+                  <a:solidFill>
+                    <a:srgbClr val="ffffff"/>
+                  </a:solidFill>
+                </a:uFill>
                 <a:latin typeface="Roboto"/>
               </a:rPr>
               <a:t>Very large optimization problems</a:t>
             </a:r>
-            <a:endParaRPr/>
-          </a:p>
-          <a:p>
-            <a:pPr lvl="2">
+            <a:endParaRPr b="0" lang="en-US" sz="1800" spc="-1" strike="noStrike">
+              <a:solidFill>
+                <a:srgbClr val="000000"/>
+              </a:solidFill>
+              <a:uFill>
+                <a:solidFill>
+                  <a:srgbClr val="ffffff"/>
+                </a:solidFill>
+              </a:uFill>
+              <a:latin typeface="Arial"/>
+            </a:endParaRPr>
+          </a:p>
+          <a:p>
+            <a:pPr lvl="2" marL="648000" indent="-216000">
+              <a:lnSpc>
+                <a:spcPct val="100000"/>
+              </a:lnSpc>
+              <a:buClr>
+                <a:srgbClr val="000000"/>
+              </a:buClr>
               <a:buSzPct val="45000"/>
-              <a:buFont typeface="StarSymbol"/>
-              <a:buChar char=""/>
+              <a:buFont typeface="Wingdings"/>
+              <a:buChar char="l"/>
             </a:pPr>
             <a:r>
-              <a:rPr lang="en-US" sz="1600">
+              <a:rPr b="0" lang="en-US" sz="1600" spc="-1" strike="noStrike">
+                <a:solidFill>
+                  <a:srgbClr val="000000"/>
+                </a:solidFill>
+                <a:uFill>
+                  <a:solidFill>
+                    <a:srgbClr val="ffffff"/>
+                  </a:solidFill>
+                </a:uFill>
                 <a:latin typeface="Roboto"/>
               </a:rPr>
               <a:t>Coupling to arbitrary ODEs not possible </a:t>
             </a:r>
-            <a:r>
-              <a:rPr lang="en-US" sz="1600">
+            <a:endParaRPr b="0" lang="en-US" sz="1800" spc="-1" strike="noStrike">
+              <a:solidFill>
+                <a:srgbClr val="000000"/>
+              </a:solidFill>
+              <a:uFill>
+                <a:solidFill>
+                  <a:srgbClr val="ffffff"/>
+                </a:solidFill>
+              </a:uFill>
+              <a:latin typeface="Arial"/>
+            </a:endParaRPr>
+          </a:p>
+          <a:p>
+            <a:pPr lvl="2" marL="648000" indent="-216000">
+              <a:lnSpc>
+                <a:spcPct val="100000"/>
+              </a:lnSpc>
+              <a:buClr>
+                <a:srgbClr val="000000"/>
+              </a:buClr>
+              <a:buSzPct val="45000"/>
+              <a:buFont typeface="Wingdings"/>
+              <a:buChar char="l"/>
+            </a:pPr>
+            <a:r>
+              <a:rPr b="0" lang="en-US" sz="1600" spc="-1" strike="noStrike">
+                <a:solidFill>
+                  <a:srgbClr val="000000"/>
+                </a:solidFill>
+                <a:uFill>
+                  <a:solidFill>
+                    <a:srgbClr val="ffffff"/>
+                  </a:solidFill>
+                </a:uFill>
                 <a:latin typeface="Roboto"/>
               </a:rPr>
-              <a:t>
-</a:t>
-            </a:r>
-            <a:r>
-              <a:rPr lang="en-US" sz="1600">
+              <a:t>(normally optimization boundary conditions like biomass(24h) = k *biomass(0h)</a:t>
+            </a:r>
+            <a:endParaRPr b="0" lang="en-US" sz="1800" spc="-1" strike="noStrike">
+              <a:solidFill>
+                <a:srgbClr val="000000"/>
+              </a:solidFill>
+              <a:uFill>
+                <a:solidFill>
+                  <a:srgbClr val="ffffff"/>
+                </a:solidFill>
+              </a:uFill>
+              <a:latin typeface="Arial"/>
+            </a:endParaRPr>
+          </a:p>
+          <a:p>
+            <a:pPr lvl="1" marL="432000" indent="-216000">
+              <a:lnSpc>
+                <a:spcPct val="100000"/>
+              </a:lnSpc>
+              <a:buClr>
+                <a:srgbClr val="000000"/>
+              </a:buClr>
+              <a:buSzPct val="45000"/>
+              <a:buFont typeface="Wingdings"/>
+              <a:buChar char="l"/>
+            </a:pPr>
+            <a:r>
+              <a:rPr b="0" lang="en-US" sz="2000" spc="-1" strike="noStrike">
+                <a:solidFill>
+                  <a:srgbClr val="000000"/>
+                </a:solidFill>
+                <a:uFill>
+                  <a:solidFill>
+                    <a:srgbClr val="ffffff"/>
+                  </a:solidFill>
+                </a:uFill>
                 <a:latin typeface="Roboto"/>
               </a:rPr>
-              <a:t>(normally optimization boundary conditions like biomass(24h) = k *biomass(0h)</a:t>
-            </a:r>
-            <a:endParaRPr/>
-          </a:p>
-          <a:p>
-            <a:pPr lvl="1">
+              <a:t>Coupling of ODE to FBA model</a:t>
+            </a:r>
+            <a:endParaRPr b="0" lang="en-US" sz="1800" spc="-1" strike="noStrike">
+              <a:solidFill>
+                <a:srgbClr val="000000"/>
+              </a:solidFill>
+              <a:uFill>
+                <a:solidFill>
+                  <a:srgbClr val="ffffff"/>
+                </a:solidFill>
+              </a:uFill>
+              <a:latin typeface="Arial"/>
+            </a:endParaRPr>
+          </a:p>
+          <a:p>
+            <a:pPr lvl="2" marL="648000" indent="-216000">
+              <a:lnSpc>
+                <a:spcPct val="100000"/>
+              </a:lnSpc>
+              <a:buClr>
+                <a:srgbClr val="000000"/>
+              </a:buClr>
               <a:buSzPct val="45000"/>
-              <a:buFont typeface="StarSymbol"/>
-              <a:buChar char=""/>
+              <a:buFont typeface="Wingdings"/>
+              <a:buChar char="l"/>
             </a:pPr>
             <a:r>
-              <a:rPr lang="en-US" sz="2000">
+              <a:rPr b="1" lang="en-US" sz="1600" spc="-1" strike="noStrike">
+                <a:solidFill>
+                  <a:srgbClr val="000000"/>
+                </a:solidFill>
+                <a:uFill>
+                  <a:solidFill>
+                    <a:srgbClr val="ffffff"/>
+                  </a:solidFill>
+                </a:uFill>
                 <a:latin typeface="Roboto"/>
               </a:rPr>
-              <a:t>Coupling of ODE to FBA model</a:t>
-            </a:r>
-            <a:endParaRPr/>
-          </a:p>
-          <a:p>
-            <a:pPr lvl="2">
+              <a:t>Direct embedding</a:t>
+            </a:r>
+            <a:r>
+              <a:rPr b="0" lang="en-US" sz="1600" spc="-1" strike="noStrike">
+                <a:solidFill>
+                  <a:srgbClr val="000000"/>
+                </a:solidFill>
+                <a:uFill>
+                  <a:solidFill>
+                    <a:srgbClr val="ffffff"/>
+                  </a:solidFill>
+                </a:uFill>
+                <a:latin typeface="Roboto"/>
+              </a:rPr>
+              <a:t> of LP-Solver in ODE solver </a:t>
+            </a:r>
+            <a:endParaRPr b="0" lang="en-US" sz="1800" spc="-1" strike="noStrike">
+              <a:solidFill>
+                <a:srgbClr val="000000"/>
+              </a:solidFill>
+              <a:uFill>
+                <a:solidFill>
+                  <a:srgbClr val="ffffff"/>
+                </a:solidFill>
+              </a:uFill>
+              <a:latin typeface="Arial"/>
+            </a:endParaRPr>
+          </a:p>
+          <a:p>
+            <a:pPr lvl="3" marL="864000" indent="-216000">
+              <a:lnSpc>
+                <a:spcPct val="100000"/>
+              </a:lnSpc>
+              <a:buClr>
+                <a:srgbClr val="000000"/>
+              </a:buClr>
               <a:buSzPct val="45000"/>
-              <a:buFont typeface="StarSymbol"/>
-              <a:buChar char=""/>
+              <a:buFont typeface="Wingdings"/>
+              <a:buChar char="l"/>
             </a:pPr>
             <a:r>
-              <a:rPr b="1" lang="en-US" sz="1600">
+              <a:rPr b="0" lang="en-US" sz="1600" spc="-1" strike="noStrike">
+                <a:solidFill>
+                  <a:srgbClr val="000000"/>
+                </a:solidFill>
+                <a:uFill>
+                  <a:solidFill>
+                    <a:srgbClr val="ffffff"/>
+                  </a:solidFill>
+                </a:uFill>
                 <a:latin typeface="Roboto"/>
               </a:rPr>
-              <a:t>Direct embedding</a:t>
-            </a:r>
-            <a:r>
-              <a:rPr lang="en-US" sz="1600">
+              <a:t>execution in every time step</a:t>
+            </a:r>
+            <a:endParaRPr b="0" lang="en-US" sz="1800" spc="-1" strike="noStrike">
+              <a:solidFill>
+                <a:srgbClr val="000000"/>
+              </a:solidFill>
+              <a:uFill>
+                <a:solidFill>
+                  <a:srgbClr val="ffffff"/>
+                </a:solidFill>
+              </a:uFill>
+              <a:latin typeface="Arial"/>
+            </a:endParaRPr>
+          </a:p>
+          <a:p>
+            <a:pPr lvl="3" marL="864000" indent="-216000">
+              <a:lnSpc>
+                <a:spcPct val="100000"/>
+              </a:lnSpc>
+              <a:buClr>
+                <a:srgbClr val="000000"/>
+              </a:buClr>
+              <a:buSzPct val="45000"/>
+              <a:buFont typeface="Wingdings"/>
+              <a:buChar char="l"/>
+            </a:pPr>
+            <a:r>
+              <a:rPr b="0" lang="en-US" sz="1600" spc="-1" strike="noStrike">
+                <a:solidFill>
+                  <a:srgbClr val="000000"/>
+                </a:solidFill>
+                <a:uFill>
+                  <a:solidFill>
+                    <a:srgbClr val="ffffff"/>
+                  </a:solidFill>
+                </a:uFill>
                 <a:latin typeface="Roboto"/>
               </a:rPr>
-              <a:t> of LP-Solver in ODE solver </a:t>
-            </a:r>
-            <a:endParaRPr/>
-          </a:p>
-          <a:p>
-            <a:pPr lvl="3">
+              <a:t>complex implementation (high level expertise on ODE solver design)</a:t>
+            </a:r>
+            <a:endParaRPr b="0" lang="en-US" sz="1800" spc="-1" strike="noStrike">
+              <a:solidFill>
+                <a:srgbClr val="000000"/>
+              </a:solidFill>
+              <a:uFill>
+                <a:solidFill>
+                  <a:srgbClr val="ffffff"/>
+                </a:solidFill>
+              </a:uFill>
+              <a:latin typeface="Arial"/>
+            </a:endParaRPr>
+          </a:p>
+          <a:p>
+            <a:pPr lvl="3" marL="864000" indent="-216000">
+              <a:lnSpc>
+                <a:spcPct val="100000"/>
+              </a:lnSpc>
+              <a:buClr>
+                <a:srgbClr val="000000"/>
+              </a:buClr>
               <a:buSzPct val="45000"/>
-              <a:buFont typeface="StarSymbol"/>
-              <a:buChar char=""/>
+              <a:buFont typeface="Wingdings"/>
+              <a:buChar char="l"/>
             </a:pPr>
             <a:r>
-              <a:rPr lang="en-US" sz="1600">
+              <a:rPr b="0" lang="en-US" sz="1600" spc="-1" strike="noStrike">
+                <a:solidFill>
+                  <a:srgbClr val="000000"/>
+                </a:solidFill>
+                <a:uFill>
+                  <a:solidFill>
+                    <a:srgbClr val="ffffff"/>
+                  </a:solidFill>
+                </a:uFill>
                 <a:latin typeface="Roboto"/>
               </a:rPr>
-              <a:t>execution in every time step</a:t>
-            </a:r>
-            <a:endParaRPr/>
-          </a:p>
-          <a:p>
-            <a:pPr lvl="3">
+              <a:t>Stiffness of system at borders of flux-cone</a:t>
+            </a:r>
+            <a:endParaRPr b="0" lang="en-US" sz="1800" spc="-1" strike="noStrike">
+              <a:solidFill>
+                <a:srgbClr val="000000"/>
+              </a:solidFill>
+              <a:uFill>
+                <a:solidFill>
+                  <a:srgbClr val="ffffff"/>
+                </a:solidFill>
+              </a:uFill>
+              <a:latin typeface="Arial"/>
+            </a:endParaRPr>
+          </a:p>
+          <a:p>
+            <a:pPr lvl="2" marL="648000" indent="-216000">
+              <a:lnSpc>
+                <a:spcPct val="100000"/>
+              </a:lnSpc>
+              <a:buClr>
+                <a:srgbClr val="000000"/>
+              </a:buClr>
               <a:buSzPct val="45000"/>
-              <a:buFont typeface="StarSymbol"/>
-              <a:buChar char=""/>
+              <a:buFont typeface="Wingdings"/>
+              <a:buChar char="l"/>
             </a:pPr>
             <a:r>
-              <a:rPr lang="en-US" sz="1600">
+              <a:rPr b="1" lang="en-US" sz="1600" spc="-1" strike="noStrike">
+                <a:solidFill>
+                  <a:srgbClr val="000000"/>
+                </a:solidFill>
+                <a:uFill>
+                  <a:solidFill>
+                    <a:srgbClr val="ffffff"/>
+                  </a:solidFill>
+                </a:uFill>
                 <a:latin typeface="Roboto"/>
               </a:rPr>
-              <a:t>complex implementation (high level expertise on ODE solver design)</a:t>
-            </a:r>
-            <a:endParaRPr/>
-          </a:p>
-          <a:p>
-            <a:pPr lvl="3">
+              <a:t>Stationary Optimization Approach </a:t>
+            </a:r>
+            <a:r>
+              <a:rPr b="0" lang="en-US" sz="1600" spc="-1" strike="noStrike">
+                <a:solidFill>
+                  <a:srgbClr val="000000"/>
+                </a:solidFill>
+                <a:uFill>
+                  <a:solidFill>
+                    <a:srgbClr val="ffffff"/>
+                  </a:solidFill>
+                </a:uFill>
+                <a:latin typeface="Roboto"/>
+              </a:rPr>
+              <a:t>(</a:t>
+            </a:r>
+            <a:r>
+              <a:rPr b="1" lang="en-US" sz="1600" spc="-1" strike="noStrike">
+                <a:solidFill>
+                  <a:srgbClr val="000000"/>
+                </a:solidFill>
+                <a:uFill>
+                  <a:solidFill>
+                    <a:srgbClr val="ffffff"/>
+                  </a:solidFill>
+                </a:uFill>
+                <a:latin typeface="Roboto"/>
+              </a:rPr>
+              <a:t>SOA</a:t>
+            </a:r>
+            <a:r>
+              <a:rPr b="0" lang="en-US" sz="1600" spc="-1" strike="noStrike">
+                <a:solidFill>
+                  <a:srgbClr val="000000"/>
+                </a:solidFill>
+                <a:uFill>
+                  <a:solidFill>
+                    <a:srgbClr val="ffffff"/>
+                  </a:solidFill>
+                </a:uFill>
+                <a:latin typeface="Roboto"/>
+              </a:rPr>
+              <a:t>)</a:t>
+            </a:r>
+            <a:endParaRPr b="0" lang="en-US" sz="1800" spc="-1" strike="noStrike">
+              <a:solidFill>
+                <a:srgbClr val="000000"/>
+              </a:solidFill>
+              <a:uFill>
+                <a:solidFill>
+                  <a:srgbClr val="ffffff"/>
+                </a:solidFill>
+              </a:uFill>
+              <a:latin typeface="Arial"/>
+            </a:endParaRPr>
+          </a:p>
+          <a:p>
+            <a:pPr lvl="2" marL="648000" indent="-216000">
+              <a:lnSpc>
+                <a:spcPct val="100000"/>
+              </a:lnSpc>
+              <a:buClr>
+                <a:srgbClr val="000000"/>
+              </a:buClr>
               <a:buSzPct val="45000"/>
-              <a:buFont typeface="StarSymbol"/>
-              <a:buChar char=""/>
+              <a:buFont typeface="Wingdings"/>
+              <a:buChar char="l"/>
             </a:pPr>
             <a:r>
-              <a:rPr lang="en-US" sz="1600">
+              <a:rPr b="1" lang="en-US" sz="1600" spc="-1" strike="noStrike">
+                <a:solidFill>
+                  <a:srgbClr val="000000"/>
+                </a:solidFill>
+                <a:uFill>
+                  <a:solidFill>
+                    <a:srgbClr val="ffffff"/>
+                  </a:solidFill>
+                </a:uFill>
                 <a:latin typeface="Roboto"/>
               </a:rPr>
-              <a:t>Stiffness of system at borders of flux-cone</a:t>
-            </a:r>
-            <a:endParaRPr/>
-          </a:p>
-          <a:p>
-            <a:pPr lvl="2">
+              <a:t>Dynamic Optimization Approach (DOA)</a:t>
+            </a:r>
+            <a:endParaRPr b="0" lang="en-US" sz="1800" spc="-1" strike="noStrike">
+              <a:solidFill>
+                <a:srgbClr val="000000"/>
+              </a:solidFill>
+              <a:uFill>
+                <a:solidFill>
+                  <a:srgbClr val="ffffff"/>
+                </a:solidFill>
+              </a:uFill>
+              <a:latin typeface="Arial"/>
+            </a:endParaRPr>
+          </a:p>
+          <a:p>
+            <a:pPr lvl="1" marL="432000" indent="-216000">
+              <a:lnSpc>
+                <a:spcPct val="100000"/>
+              </a:lnSpc>
+              <a:buClr>
+                <a:srgbClr val="000000"/>
+              </a:buClr>
               <a:buSzPct val="45000"/>
-              <a:buFont typeface="StarSymbol"/>
-              <a:buChar char=""/>
+              <a:buFont typeface="Wingdings"/>
+              <a:buChar char="l"/>
             </a:pPr>
             <a:r>
-              <a:rPr b="1" lang="en-US" sz="1600">
+              <a:rPr b="0" lang="en-US" sz="2000" spc="-1" strike="noStrike">
+                <a:solidFill>
+                  <a:srgbClr val="000000"/>
+                </a:solidFill>
+                <a:uFill>
+                  <a:solidFill>
+                    <a:srgbClr val="ffffff"/>
+                  </a:solidFill>
+                </a:uFill>
                 <a:latin typeface="Roboto"/>
               </a:rPr>
-              <a:t>Stationary Optimization Approach </a:t>
-            </a:r>
-            <a:r>
-              <a:rPr lang="en-US" sz="1600">
+              <a:t>Challenges</a:t>
+            </a:r>
+            <a:endParaRPr b="0" lang="en-US" sz="1800" spc="-1" strike="noStrike">
+              <a:solidFill>
+                <a:srgbClr val="000000"/>
+              </a:solidFill>
+              <a:uFill>
+                <a:solidFill>
+                  <a:srgbClr val="ffffff"/>
+                </a:solidFill>
+              </a:uFill>
+              <a:latin typeface="Arial"/>
+            </a:endParaRPr>
+          </a:p>
+          <a:p>
+            <a:pPr lvl="2" marL="648000" indent="-216000">
+              <a:lnSpc>
+                <a:spcPct val="100000"/>
+              </a:lnSpc>
+              <a:buClr>
+                <a:srgbClr val="000000"/>
+              </a:buClr>
+              <a:buSzPct val="45000"/>
+              <a:buFont typeface="Wingdings"/>
+              <a:buChar char="l"/>
+            </a:pPr>
+            <a:r>
+              <a:rPr b="0" lang="en-US" sz="1600" spc="-1" strike="noStrike">
+                <a:solidFill>
+                  <a:srgbClr val="000000"/>
+                </a:solidFill>
+                <a:uFill>
+                  <a:solidFill>
+                    <a:srgbClr val="ffffff"/>
+                  </a:solidFill>
+                </a:uFill>
                 <a:latin typeface="Roboto"/>
               </a:rPr>
-              <a:t>(</a:t>
-            </a:r>
-            <a:r>
-              <a:rPr b="1" lang="en-US" sz="1600">
+              <a:t>Uniqueness of solution (parsimonous FBA, minimal Flux)</a:t>
+            </a:r>
+            <a:endParaRPr b="0" lang="en-US" sz="1800" spc="-1" strike="noStrike">
+              <a:solidFill>
+                <a:srgbClr val="000000"/>
+              </a:solidFill>
+              <a:uFill>
+                <a:solidFill>
+                  <a:srgbClr val="ffffff"/>
+                </a:solidFill>
+              </a:uFill>
+              <a:latin typeface="Arial"/>
+            </a:endParaRPr>
+          </a:p>
+          <a:p>
+            <a:pPr lvl="2" marL="648000" indent="-216000">
+              <a:lnSpc>
+                <a:spcPct val="100000"/>
+              </a:lnSpc>
+              <a:buClr>
+                <a:srgbClr val="000000"/>
+              </a:buClr>
+              <a:buSzPct val="45000"/>
+              <a:buFont typeface="Wingdings"/>
+              <a:buChar char="l"/>
+            </a:pPr>
+            <a:r>
+              <a:rPr b="0" lang="en-US" sz="1600" spc="-1" strike="noStrike">
+                <a:solidFill>
+                  <a:srgbClr val="000000"/>
+                </a:solidFill>
+                <a:uFill>
+                  <a:solidFill>
+                    <a:srgbClr val="ffffff"/>
+                  </a:solidFill>
+                </a:uFill>
                 <a:latin typeface="Roboto"/>
               </a:rPr>
-              <a:t>SOA</a:t>
-            </a:r>
-            <a:r>
-              <a:rPr lang="en-US" sz="1600">
-                <a:latin typeface="Roboto"/>
-              </a:rPr>
-              <a:t>)</a:t>
-            </a:r>
-            <a:endParaRPr/>
-          </a:p>
-          <a:p>
-            <a:pPr lvl="2">
-              <a:buSzPct val="45000"/>
-              <a:buFont typeface="StarSymbol"/>
-              <a:buChar char=""/>
-            </a:pPr>
-            <a:r>
-              <a:rPr b="1" lang="en-US" sz="1600">
-                <a:latin typeface="Roboto"/>
-              </a:rPr>
-              <a:t>Dynamic Optimization Approach (DOA)</a:t>
-            </a:r>
-            <a:endParaRPr/>
-          </a:p>
-          <a:p>
-            <a:pPr lvl="1">
-              <a:buSzPct val="45000"/>
-              <a:buFont typeface="StarSymbol"/>
-              <a:buChar char=""/>
-            </a:pPr>
-            <a:r>
-              <a:rPr lang="en-US" sz="2000">
-                <a:latin typeface="Roboto"/>
-              </a:rPr>
-              <a:t>Challenges</a:t>
-            </a:r>
-            <a:endParaRPr/>
-          </a:p>
-          <a:p>
-            <a:pPr lvl="2">
-              <a:buSzPct val="45000"/>
-              <a:buFont typeface="StarSymbol"/>
-              <a:buChar char=""/>
-            </a:pPr>
-            <a:r>
-              <a:rPr lang="en-US" sz="1600">
-                <a:latin typeface="Roboto"/>
-              </a:rPr>
-              <a:t>Uniqueness of solution (parsimonous FBA, minimal Flux)</a:t>
-            </a:r>
-            <a:endParaRPr/>
-          </a:p>
-          <a:p>
-            <a:pPr lvl="2">
-              <a:buSzPct val="45000"/>
-              <a:buFont typeface="StarSymbol"/>
-              <a:buChar char=""/>
-            </a:pPr>
-            <a:r>
-              <a:rPr lang="en-US" sz="1600">
-                <a:latin typeface="Roboto"/>
-              </a:rPr>
               <a:t>Setting exchange boundaries based on availability of resources</a:t>
             </a:r>
-            <a:endParaRPr/>
+            <a:endParaRPr b="0" lang="en-US" sz="1800" spc="-1" strike="noStrike">
+              <a:solidFill>
+                <a:srgbClr val="000000"/>
+              </a:solidFill>
+              <a:uFill>
+                <a:solidFill>
+                  <a:srgbClr val="ffffff"/>
+                </a:solidFill>
+              </a:uFill>
+              <a:latin typeface="Arial"/>
+            </a:endParaRPr>
           </a:p>
         </p:txBody>
       </p:sp>
@@ -3391,7 +4807,7 @@
 </file>
 
 <file path=ppt/slides/slide3.xml><?xml version="1.0" encoding="utf-8"?>
-<p:sld xmlns:a="http://schemas.openxmlformats.org/drawingml/2006/main" xmlns:p="http://schemas.openxmlformats.org/presentationml/2006/main" xmlns:r="http://schemas.openxmlformats.org/officeDocument/2006/relationships">
+<p:sld xmlns:a="http://schemas.openxmlformats.org/drawingml/2006/main" xmlns:p="http://schemas.openxmlformats.org/presentationml/2006/main" xmlns:r="http://schemas.openxmlformats.org/officeDocument/2006/relationships" xmlns:p14="http://schemas.microsoft.com/office/powerpoint/2010/main" xmlns:p15="http://schemas.microsoft.com/office/powerpoint/2012/main" xmlns:mc="http://schemas.openxmlformats.org/markup-compatibility/2006">
   <p:cSld>
     <p:spTree>
       <p:nvGrpSpPr>
@@ -3409,175 +4825,433 @@
       </p:grpSpPr>
       <p:sp>
         <p:nvSpPr>
-          <p:cNvPr id="82" name="TextShape 1"/>
-          <p:cNvSpPr txBox="1"/>
+          <p:cNvPr id="80" name="CustomShape 1"/>
+          <p:cNvSpPr/>
           <p:nvPr/>
         </p:nvSpPr>
         <p:spPr>
           <a:xfrm>
             <a:off x="503640" y="301320"/>
-            <a:ext cx="9071280" cy="1261800"/>
-          </a:xfrm>
-          <a:prstGeom prst="rect">
-            <a:avLst/>
-          </a:prstGeom>
-        </p:spPr>
+            <a:ext cx="9070920" cy="1261440"/>
+          </a:xfrm>
+          <a:prstGeom prst="rect">
+            <a:avLst/>
+          </a:prstGeom>
+          <a:noFill/>
+          <a:ln>
+            <a:noFill/>
+          </a:ln>
+        </p:spPr>
+        <p:style>
+          <a:lnRef idx="0"/>
+          <a:fillRef idx="0"/>
+          <a:effectRef idx="0"/>
+          <a:fontRef idx="minor"/>
+        </p:style>
         <p:txBody>
           <a:bodyPr lIns="0" rIns="0" tIns="0" bIns="0" anchor="ctr"/>
           <a:p>
-            <a:pPr algn="ctr"/>
-            <a:r>
-              <a:rPr lang="en-US" sz="5400">
+            <a:pPr algn="ctr">
+              <a:lnSpc>
+                <a:spcPct val="100000"/>
+              </a:lnSpc>
+            </a:pPr>
+            <a:r>
+              <a:rPr b="0" lang="en-US" sz="5400" spc="-1" strike="noStrike">
+                <a:solidFill>
+                  <a:srgbClr val="000000"/>
+                </a:solidFill>
+                <a:uFill>
+                  <a:solidFill>
+                    <a:srgbClr val="ffffff"/>
+                  </a:solidFill>
+                </a:uFill>
                 <a:latin typeface="Roboto Light"/>
               </a:rPr>
               <a:t>Applications &amp; Use cases</a:t>
             </a:r>
-            <a:endParaRPr/>
-          </a:p>
-        </p:txBody>
-      </p:sp>
-      <p:sp>
-        <p:nvSpPr>
-          <p:cNvPr id="83" name="TextShape 2"/>
-          <p:cNvSpPr txBox="1"/>
+            <a:endParaRPr b="0" lang="en-US" sz="1800" spc="-1" strike="noStrike">
+              <a:solidFill>
+                <a:srgbClr val="000000"/>
+              </a:solidFill>
+              <a:uFill>
+                <a:solidFill>
+                  <a:srgbClr val="ffffff"/>
+                </a:solidFill>
+              </a:uFill>
+              <a:latin typeface="Arial"/>
+            </a:endParaRPr>
+          </a:p>
+        </p:txBody>
+      </p:sp>
+      <p:sp>
+        <p:nvSpPr>
+          <p:cNvPr id="81" name="CustomShape 2"/>
+          <p:cNvSpPr/>
           <p:nvPr/>
         </p:nvSpPr>
         <p:spPr>
           <a:xfrm>
             <a:off x="503640" y="1768680"/>
-            <a:ext cx="9071280" cy="4384440"/>
-          </a:xfrm>
-          <a:prstGeom prst="rect">
-            <a:avLst/>
-          </a:prstGeom>
-        </p:spPr>
+            <a:ext cx="9070920" cy="4384080"/>
+          </a:xfrm>
+          <a:prstGeom prst="rect">
+            <a:avLst/>
+          </a:prstGeom>
+          <a:noFill/>
+          <a:ln>
+            <a:noFill/>
+          </a:ln>
+        </p:spPr>
+        <p:style>
+          <a:lnRef idx="0"/>
+          <a:fillRef idx="0"/>
+          <a:effectRef idx="0"/>
+          <a:fontRef idx="minor"/>
+        </p:style>
         <p:txBody>
           <a:bodyPr lIns="0" rIns="0" tIns="0" bIns="0"/>
           <a:p>
-            <a:pPr>
+            <a:pPr marL="216000" indent="-216000">
+              <a:lnSpc>
+                <a:spcPct val="100000"/>
+              </a:lnSpc>
+              <a:buClr>
+                <a:srgbClr val="000000"/>
+              </a:buClr>
               <a:buSzPct val="45000"/>
-              <a:buFont typeface="StarSymbol"/>
-              <a:buChar char=""/>
+              <a:buFont typeface="Wingdings"/>
+              <a:buChar char="l"/>
             </a:pPr>
             <a:r>
-              <a:rPr lang="en-US" sz="2800">
+              <a:rPr b="0" lang="en-US" sz="2800" spc="-1" strike="noStrike">
+                <a:solidFill>
+                  <a:srgbClr val="000000"/>
+                </a:solidFill>
+                <a:uFill>
+                  <a:solidFill>
+                    <a:srgbClr val="ffffff"/>
+                  </a:solidFill>
+                </a:uFill>
                 <a:latin typeface="Roboto"/>
               </a:rPr>
               <a:t>Circadian Liver metabolism</a:t>
             </a:r>
-            <a:endParaRPr/>
-          </a:p>
-          <a:p>
-            <a:pPr lvl="1">
+            <a:endParaRPr b="0" lang="en-US" sz="1800" spc="-1" strike="noStrike">
+              <a:solidFill>
+                <a:srgbClr val="000000"/>
+              </a:solidFill>
+              <a:uFill>
+                <a:solidFill>
+                  <a:srgbClr val="ffffff"/>
+                </a:solidFill>
+              </a:uFill>
+              <a:latin typeface="Arial"/>
+            </a:endParaRPr>
+          </a:p>
+          <a:p>
+            <a:pPr lvl="1" marL="432000" indent="-216000">
+              <a:lnSpc>
+                <a:spcPct val="100000"/>
+              </a:lnSpc>
+              <a:buClr>
+                <a:srgbClr val="000000"/>
+              </a:buClr>
               <a:buSzPct val="45000"/>
-              <a:buFont typeface="StarSymbol"/>
-              <a:buChar char=""/>
+              <a:buFont typeface="Wingdings"/>
+              <a:buChar char="l"/>
             </a:pPr>
             <a:r>
-              <a:rPr lang="en-US" sz="2000">
+              <a:rPr b="0" lang="en-US" sz="2000" spc="-1" strike="noStrike">
+                <a:solidFill>
+                  <a:srgbClr val="000000"/>
+                </a:solidFill>
+                <a:uFill>
+                  <a:solidFill>
+                    <a:srgbClr val="ffffff"/>
+                  </a:solidFill>
+                </a:uFill>
                 <a:latin typeface="Roboto"/>
               </a:rPr>
               <a:t>Coupling circadian blood metabolite &amp; gene/protein expression patterns to FBA model of liver metabolism (HepatoNet1)</a:t>
             </a:r>
-            <a:endParaRPr/>
-          </a:p>
-          <a:p>
-            <a:pPr>
+            <a:endParaRPr b="0" lang="en-US" sz="1800" spc="-1" strike="noStrike">
+              <a:solidFill>
+                <a:srgbClr val="000000"/>
+              </a:solidFill>
+              <a:uFill>
+                <a:solidFill>
+                  <a:srgbClr val="ffffff"/>
+                </a:solidFill>
+              </a:uFill>
+              <a:latin typeface="Arial"/>
+            </a:endParaRPr>
+          </a:p>
+          <a:p>
+            <a:pPr marL="216000" indent="-216000">
+              <a:lnSpc>
+                <a:spcPct val="100000"/>
+              </a:lnSpc>
+              <a:buClr>
+                <a:srgbClr val="000000"/>
+              </a:buClr>
               <a:buSzPct val="45000"/>
-              <a:buFont typeface="StarSymbol"/>
-              <a:buChar char=""/>
+              <a:buFont typeface="Wingdings"/>
+              <a:buChar char="l"/>
             </a:pPr>
             <a:r>
-              <a:rPr lang="en-US" sz="2800">
+              <a:rPr b="0" lang="en-US" sz="2800" spc="-1" strike="noStrike">
+                <a:solidFill>
+                  <a:srgbClr val="000000"/>
+                </a:solidFill>
+                <a:uFill>
+                  <a:solidFill>
+                    <a:srgbClr val="ffffff"/>
+                  </a:solidFill>
+                </a:uFill>
                 <a:latin typeface="Roboto"/>
               </a:rPr>
               <a:t>Whole-body PKPD</a:t>
             </a:r>
-            <a:endParaRPr/>
-          </a:p>
-          <a:p>
-            <a:pPr lvl="1">
+            <a:endParaRPr b="0" lang="en-US" sz="1800" spc="-1" strike="noStrike">
+              <a:solidFill>
+                <a:srgbClr val="000000"/>
+              </a:solidFill>
+              <a:uFill>
+                <a:solidFill>
+                  <a:srgbClr val="ffffff"/>
+                </a:solidFill>
+              </a:uFill>
+              <a:latin typeface="Arial"/>
+            </a:endParaRPr>
+          </a:p>
+          <a:p>
+            <a:pPr lvl="1" marL="432000" indent="-216000">
+              <a:lnSpc>
+                <a:spcPct val="100000"/>
+              </a:lnSpc>
+              <a:buClr>
+                <a:srgbClr val="000000"/>
+              </a:buClr>
               <a:buSzPct val="45000"/>
-              <a:buFont typeface="StarSymbol"/>
-              <a:buChar char=""/>
+              <a:buFont typeface="Wingdings"/>
+              <a:buChar char="l"/>
             </a:pPr>
             <a:r>
-              <a:rPr lang="en-US" sz="2000">
+              <a:rPr b="0" lang="en-US" sz="2000" spc="-1" strike="noStrike">
+                <a:solidFill>
+                  <a:srgbClr val="000000"/>
+                </a:solidFill>
+                <a:uFill>
+                  <a:solidFill>
+                    <a:srgbClr val="ffffff"/>
+                  </a:solidFill>
+                </a:uFill>
                 <a:latin typeface="Roboto"/>
               </a:rPr>
               <a:t>Coupling of tissue specific FBA models to whole body PKPD</a:t>
             </a:r>
-            <a:endParaRPr/>
-          </a:p>
-          <a:p>
-            <a:pPr lvl="1">
+            <a:endParaRPr b="0" lang="en-US" sz="1800" spc="-1" strike="noStrike">
+              <a:solidFill>
+                <a:srgbClr val="000000"/>
+              </a:solidFill>
+              <a:uFill>
+                <a:solidFill>
+                  <a:srgbClr val="ffffff"/>
+                </a:solidFill>
+              </a:uFill>
+              <a:latin typeface="Arial"/>
+            </a:endParaRPr>
+          </a:p>
+          <a:p>
+            <a:pPr lvl="1" marL="432000" indent="-216000">
+              <a:lnSpc>
+                <a:spcPct val="100000"/>
+              </a:lnSpc>
+              <a:buClr>
+                <a:srgbClr val="000000"/>
+              </a:buClr>
               <a:buSzPct val="45000"/>
-              <a:buFont typeface="StarSymbol"/>
-              <a:buChar char=""/>
+              <a:buFont typeface="Wingdings"/>
+              <a:buChar char="l"/>
             </a:pPr>
             <a:r>
-              <a:rPr lang="en-US" sz="2000">
+              <a:rPr b="0" lang="en-US" sz="2000" spc="-1" strike="noStrike">
+                <a:solidFill>
+                  <a:srgbClr val="000000"/>
+                </a:solidFill>
+                <a:uFill>
+                  <a:solidFill>
+                    <a:srgbClr val="ffffff"/>
+                  </a:solidFill>
+                </a:uFill>
                 <a:latin typeface="Roboto"/>
               </a:rPr>
               <a:t>Glucose regulation (liver, muscle, fat, pancreas, stomach)</a:t>
             </a:r>
-            <a:endParaRPr/>
-          </a:p>
-          <a:p>
-            <a:pPr lvl="1">
+            <a:endParaRPr b="0" lang="en-US" sz="1800" spc="-1" strike="noStrike">
+              <a:solidFill>
+                <a:srgbClr val="000000"/>
+              </a:solidFill>
+              <a:uFill>
+                <a:solidFill>
+                  <a:srgbClr val="ffffff"/>
+                </a:solidFill>
+              </a:uFill>
+              <a:latin typeface="Arial"/>
+            </a:endParaRPr>
+          </a:p>
+          <a:p>
+            <a:pPr lvl="1" marL="432000" indent="-216000">
+              <a:lnSpc>
+                <a:spcPct val="100000"/>
+              </a:lnSpc>
+              <a:buClr>
+                <a:srgbClr val="000000"/>
+              </a:buClr>
               <a:buSzPct val="45000"/>
-              <a:buFont typeface="StarSymbol"/>
-              <a:buChar char=""/>
+              <a:buFont typeface="Wingdings"/>
+              <a:buChar char="l"/>
             </a:pPr>
             <a:r>
-              <a:rPr lang="en-US" sz="2000">
+              <a:rPr b="0" lang="en-US" sz="2000" spc="-1" strike="noStrike">
+                <a:solidFill>
+                  <a:srgbClr val="000000"/>
+                </a:solidFill>
+                <a:uFill>
+                  <a:solidFill>
+                    <a:srgbClr val="ffffff"/>
+                  </a:solidFill>
+                </a:uFill>
                 <a:latin typeface="Roboto"/>
               </a:rPr>
               <a:t>Cori cycle</a:t>
             </a:r>
-            <a:endParaRPr/>
-          </a:p>
-          <a:p>
-            <a:pPr lvl="2">
+            <a:endParaRPr b="0" lang="en-US" sz="1800" spc="-1" strike="noStrike">
+              <a:solidFill>
+                <a:srgbClr val="000000"/>
+              </a:solidFill>
+              <a:uFill>
+                <a:solidFill>
+                  <a:srgbClr val="ffffff"/>
+                </a:solidFill>
+              </a:uFill>
+              <a:latin typeface="Arial"/>
+            </a:endParaRPr>
+          </a:p>
+          <a:p>
+            <a:pPr lvl="2" marL="648000" indent="-216000">
+              <a:lnSpc>
+                <a:spcPct val="100000"/>
+              </a:lnSpc>
+              <a:buClr>
+                <a:srgbClr val="000000"/>
+              </a:buClr>
               <a:buSzPct val="45000"/>
-              <a:buFont typeface="StarSymbol"/>
-              <a:buChar char=""/>
+              <a:buFont typeface="Wingdings"/>
+              <a:buChar char="l"/>
             </a:pPr>
             <a:r>
-              <a:rPr lang="en-US" sz="1600">
+              <a:rPr b="0" lang="en-US" sz="1600" spc="-1" strike="noStrike">
+                <a:solidFill>
+                  <a:srgbClr val="000000"/>
+                </a:solidFill>
+                <a:uFill>
+                  <a:solidFill>
+                    <a:srgbClr val="ffffff"/>
+                  </a:solidFill>
+                </a:uFill>
                 <a:latin typeface="Roboto"/>
               </a:rPr>
               <a:t>Glucose – alanine/pyruvate shuttle</a:t>
             </a:r>
-            <a:endParaRPr/>
-          </a:p>
-          <a:p>
-            <a:pPr>
+            <a:endParaRPr b="0" lang="en-US" sz="1800" spc="-1" strike="noStrike">
+              <a:solidFill>
+                <a:srgbClr val="000000"/>
+              </a:solidFill>
+              <a:uFill>
+                <a:solidFill>
+                  <a:srgbClr val="ffffff"/>
+                </a:solidFill>
+              </a:uFill>
+              <a:latin typeface="Arial"/>
+            </a:endParaRPr>
+          </a:p>
+          <a:p>
+            <a:pPr marL="216000" indent="-216000">
+              <a:lnSpc>
+                <a:spcPct val="100000"/>
+              </a:lnSpc>
+              <a:buClr>
+                <a:srgbClr val="000000"/>
+              </a:buClr>
               <a:buSzPct val="45000"/>
-              <a:buFont typeface="StarSymbol"/>
-              <a:buChar char=""/>
+              <a:buFont typeface="Wingdings"/>
+              <a:buChar char="l"/>
             </a:pPr>
             <a:r>
-              <a:rPr lang="en-US" sz="2800">
+              <a:rPr b="0" lang="en-US" sz="2800" spc="-1" strike="noStrike">
+                <a:solidFill>
+                  <a:srgbClr val="000000"/>
+                </a:solidFill>
+                <a:uFill>
+                  <a:solidFill>
+                    <a:srgbClr val="ffffff"/>
+                  </a:solidFill>
+                </a:uFill>
                 <a:latin typeface="Roboto"/>
               </a:rPr>
               <a:t>Model embedding</a:t>
             </a:r>
-            <a:endParaRPr/>
-          </a:p>
-          <a:p>
-            <a:pPr lvl="1">
+            <a:endParaRPr b="0" lang="en-US" sz="1800" spc="-1" strike="noStrike">
+              <a:solidFill>
+                <a:srgbClr val="000000"/>
+              </a:solidFill>
+              <a:uFill>
+                <a:solidFill>
+                  <a:srgbClr val="ffffff"/>
+                </a:solidFill>
+              </a:uFill>
+              <a:latin typeface="Arial"/>
+            </a:endParaRPr>
+          </a:p>
+          <a:p>
+            <a:pPr lvl="1" marL="432000" indent="-216000">
+              <a:lnSpc>
+                <a:spcPct val="100000"/>
+              </a:lnSpc>
+              <a:buClr>
+                <a:srgbClr val="000000"/>
+              </a:buClr>
               <a:buSzPct val="45000"/>
-              <a:buFont typeface="StarSymbol"/>
-              <a:buChar char=""/>
+              <a:buFont typeface="Wingdings"/>
+              <a:buChar char="l"/>
             </a:pPr>
             <a:r>
-              <a:rPr lang="en-US" sz="2000">
+              <a:rPr b="0" lang="en-US" sz="2000" spc="-1" strike="noStrike">
+                <a:solidFill>
+                  <a:srgbClr val="000000"/>
+                </a:solidFill>
+                <a:uFill>
+                  <a:solidFill>
+                    <a:srgbClr val="ffffff"/>
+                  </a:solidFill>
+                </a:uFill>
                 <a:latin typeface="Roboto"/>
               </a:rPr>
               <a:t>Coupling ODE pathway models to genome-scale metabolic models (liver)</a:t>
             </a:r>
-            <a:endParaRPr/>
+            <a:endParaRPr b="0" lang="en-US" sz="1800" spc="-1" strike="noStrike">
+              <a:solidFill>
+                <a:srgbClr val="000000"/>
+              </a:solidFill>
+              <a:uFill>
+                <a:solidFill>
+                  <a:srgbClr val="ffffff"/>
+                </a:solidFill>
+              </a:uFill>
+              <a:latin typeface="Arial"/>
+            </a:endParaRPr>
           </a:p>
         </p:txBody>
       </p:sp>
@@ -3614,7 +5288,7 @@
 </file>
 
 <file path=ppt/slides/slide4.xml><?xml version="1.0" encoding="utf-8"?>
-<p:sld xmlns:a="http://schemas.openxmlformats.org/drawingml/2006/main" xmlns:p="http://schemas.openxmlformats.org/presentationml/2006/main" xmlns:r="http://schemas.openxmlformats.org/officeDocument/2006/relationships">
+<p:sld xmlns:a="http://schemas.openxmlformats.org/drawingml/2006/main" xmlns:p="http://schemas.openxmlformats.org/presentationml/2006/main" xmlns:r="http://schemas.openxmlformats.org/officeDocument/2006/relationships" xmlns:p14="http://schemas.microsoft.com/office/powerpoint/2010/main" xmlns:p15="http://schemas.microsoft.com/office/powerpoint/2012/main" xmlns:mc="http://schemas.openxmlformats.org/markup-compatibility/2006">
   <p:cSld>
     <p:spTree>
       <p:nvGrpSpPr>
@@ -3632,181 +5306,433 @@
       </p:grpSpPr>
       <p:sp>
         <p:nvSpPr>
-          <p:cNvPr id="84" name="TextShape 1"/>
-          <p:cNvSpPr txBox="1"/>
+          <p:cNvPr id="82" name="CustomShape 1"/>
+          <p:cNvSpPr/>
           <p:nvPr/>
         </p:nvSpPr>
         <p:spPr>
           <a:xfrm>
             <a:off x="503640" y="301320"/>
-            <a:ext cx="9071280" cy="1261800"/>
-          </a:xfrm>
-          <a:prstGeom prst="rect">
-            <a:avLst/>
-          </a:prstGeom>
-        </p:spPr>
+            <a:ext cx="9070920" cy="1261440"/>
+          </a:xfrm>
+          <a:prstGeom prst="rect">
+            <a:avLst/>
+          </a:prstGeom>
+          <a:noFill/>
+          <a:ln>
+            <a:noFill/>
+          </a:ln>
+        </p:spPr>
+        <p:style>
+          <a:lnRef idx="0"/>
+          <a:fillRef idx="0"/>
+          <a:effectRef idx="0"/>
+          <a:fontRef idx="minor"/>
+        </p:style>
         <p:txBody>
           <a:bodyPr lIns="0" rIns="0" tIns="0" bIns="0" anchor="ctr"/>
           <a:p>
-            <a:pPr algn="ctr"/>
-            <a:r>
-              <a:rPr lang="en-US" sz="5400">
+            <a:pPr algn="ctr">
+              <a:lnSpc>
+                <a:spcPct val="100000"/>
+              </a:lnSpc>
+            </a:pPr>
+            <a:r>
+              <a:rPr b="0" lang="en-US" sz="5400" spc="-1" strike="noStrike">
+                <a:solidFill>
+                  <a:srgbClr val="000000"/>
+                </a:solidFill>
+                <a:uFill>
+                  <a:solidFill>
+                    <a:srgbClr val="ffffff"/>
+                  </a:solidFill>
+                </a:uFill>
                 <a:latin typeface="Roboto Light"/>
               </a:rPr>
               <a:t>SBML</a:t>
             </a:r>
-            <a:endParaRPr/>
-          </a:p>
-        </p:txBody>
-      </p:sp>
-      <p:sp>
-        <p:nvSpPr>
-          <p:cNvPr id="85" name="TextShape 2"/>
-          <p:cNvSpPr txBox="1"/>
+            <a:endParaRPr b="0" lang="en-US" sz="1800" spc="-1" strike="noStrike">
+              <a:solidFill>
+                <a:srgbClr val="000000"/>
+              </a:solidFill>
+              <a:uFill>
+                <a:solidFill>
+                  <a:srgbClr val="ffffff"/>
+                </a:solidFill>
+              </a:uFill>
+              <a:latin typeface="Arial"/>
+            </a:endParaRPr>
+          </a:p>
+        </p:txBody>
+      </p:sp>
+      <p:sp>
+        <p:nvSpPr>
+          <p:cNvPr id="83" name="CustomShape 2"/>
+          <p:cNvSpPr/>
           <p:nvPr/>
         </p:nvSpPr>
         <p:spPr>
           <a:xfrm>
             <a:off x="503640" y="1768680"/>
-            <a:ext cx="9071280" cy="4384440"/>
-          </a:xfrm>
-          <a:prstGeom prst="rect">
-            <a:avLst/>
-          </a:prstGeom>
-        </p:spPr>
+            <a:ext cx="9070920" cy="4384080"/>
+          </a:xfrm>
+          <a:prstGeom prst="rect">
+            <a:avLst/>
+          </a:prstGeom>
+          <a:noFill/>
+          <a:ln>
+            <a:noFill/>
+          </a:ln>
+        </p:spPr>
+        <p:style>
+          <a:lnRef idx="0"/>
+          <a:fillRef idx="0"/>
+          <a:effectRef idx="0"/>
+          <a:fontRef idx="minor"/>
+        </p:style>
         <p:txBody>
           <a:bodyPr lIns="0" rIns="0" tIns="0" bIns="0"/>
           <a:p>
-            <a:pPr>
+            <a:pPr marL="216000" indent="-216000">
+              <a:lnSpc>
+                <a:spcPct val="100000"/>
+              </a:lnSpc>
+              <a:buClr>
+                <a:srgbClr val="000000"/>
+              </a:buClr>
               <a:buSzPct val="45000"/>
-              <a:buFont typeface="StarSymbol"/>
-              <a:buChar char=""/>
+              <a:buFont typeface="Wingdings"/>
+              <a:buChar char="l"/>
             </a:pPr>
             <a:r>
-              <a:rPr lang="en-US" sz="2800">
+              <a:rPr b="0" lang="en-US" sz="2800" spc="-1" strike="noStrike">
+                <a:solidFill>
+                  <a:srgbClr val="000000"/>
+                </a:solidFill>
+                <a:uFill>
+                  <a:solidFill>
+                    <a:srgbClr val="ffffff"/>
+                  </a:solidFill>
+                </a:uFill>
                 <a:latin typeface="Roboto"/>
               </a:rPr>
               <a:t>De facto standard for Systems Biology Models (ODE, FBA, mixed compartments)</a:t>
             </a:r>
-            <a:endParaRPr/>
-          </a:p>
-          <a:p>
-            <a:pPr lvl="1">
+            <a:endParaRPr b="0" lang="en-US" sz="1800" spc="-1" strike="noStrike">
+              <a:solidFill>
+                <a:srgbClr val="000000"/>
+              </a:solidFill>
+              <a:uFill>
+                <a:solidFill>
+                  <a:srgbClr val="ffffff"/>
+                </a:solidFill>
+              </a:uFill>
+              <a:latin typeface="Arial"/>
+            </a:endParaRPr>
+          </a:p>
+          <a:p>
+            <a:pPr lvl="1" marL="432000" indent="-216000">
+              <a:lnSpc>
+                <a:spcPct val="100000"/>
+              </a:lnSpc>
+              <a:buClr>
+                <a:srgbClr val="000000"/>
+              </a:buClr>
               <a:buSzPct val="45000"/>
-              <a:buFont typeface="StarSymbol"/>
-              <a:buChar char=""/>
+              <a:buFont typeface="Wingdings"/>
+              <a:buChar char="l"/>
             </a:pPr>
             <a:r>
-              <a:rPr lang="en-US" sz="2000">
+              <a:rPr b="0" lang="en-US" sz="2000" spc="-1" strike="noStrike">
+                <a:solidFill>
+                  <a:srgbClr val="000000"/>
+                </a:solidFill>
+                <a:uFill>
+                  <a:solidFill>
+                    <a:srgbClr val="ffffff"/>
+                  </a:solidFill>
+                </a:uFill>
                 <a:latin typeface="Roboto"/>
               </a:rPr>
               <a:t>Good description for kinetic and FBA models, but no implementation of DFBA in standard</a:t>
             </a:r>
-            <a:endParaRPr/>
-          </a:p>
-          <a:p>
-            <a:pPr>
+            <a:endParaRPr b="0" lang="en-US" sz="1800" spc="-1" strike="noStrike">
+              <a:solidFill>
+                <a:srgbClr val="000000"/>
+              </a:solidFill>
+              <a:uFill>
+                <a:solidFill>
+                  <a:srgbClr val="ffffff"/>
+                </a:solidFill>
+              </a:uFill>
+              <a:latin typeface="Arial"/>
+            </a:endParaRPr>
+          </a:p>
+          <a:p>
+            <a:pPr marL="216000" indent="-216000">
+              <a:lnSpc>
+                <a:spcPct val="100000"/>
+              </a:lnSpc>
+              <a:buClr>
+                <a:srgbClr val="000000"/>
+              </a:buClr>
               <a:buSzPct val="45000"/>
-              <a:buFont typeface="StarSymbol"/>
-              <a:buChar char=""/>
+              <a:buFont typeface="Wingdings"/>
+              <a:buChar char="l"/>
             </a:pPr>
             <a:r>
-              <a:rPr lang="en-US" sz="2800">
+              <a:rPr b="0" lang="en-US" sz="2800" spc="-1" strike="noStrike">
+                <a:solidFill>
+                  <a:srgbClr val="000000"/>
+                </a:solidFill>
+                <a:uFill>
+                  <a:solidFill>
+                    <a:srgbClr val="ffffff"/>
+                  </a:solidFill>
+                </a:uFill>
                 <a:latin typeface="Roboto"/>
               </a:rPr>
               <a:t>Core language (core) &amp; extension packages </a:t>
             </a:r>
-            <a:endParaRPr/>
-          </a:p>
-          <a:p>
-            <a:pPr lvl="1">
+            <a:endParaRPr b="0" lang="en-US" sz="1800" spc="-1" strike="noStrike">
+              <a:solidFill>
+                <a:srgbClr val="000000"/>
+              </a:solidFill>
+              <a:uFill>
+                <a:solidFill>
+                  <a:srgbClr val="ffffff"/>
+                </a:solidFill>
+              </a:uFill>
+              <a:latin typeface="Arial"/>
+            </a:endParaRPr>
+          </a:p>
+          <a:p>
+            <a:pPr lvl="1" marL="432000" indent="-216000">
+              <a:lnSpc>
+                <a:spcPct val="100000"/>
+              </a:lnSpc>
+              <a:buClr>
+                <a:srgbClr val="000000"/>
+              </a:buClr>
               <a:buSzPct val="45000"/>
-              <a:buFont typeface="StarSymbol"/>
-              <a:buChar char=""/>
+              <a:buFont typeface="Wingdings"/>
+              <a:buChar char="l"/>
             </a:pPr>
             <a:r>
-              <a:rPr b="1" lang="en-US" sz="2000">
+              <a:rPr b="1" lang="en-US" sz="2000" spc="-1" strike="noStrike">
+                <a:solidFill>
+                  <a:srgbClr val="000000"/>
+                </a:solidFill>
+                <a:uFill>
+                  <a:solidFill>
+                    <a:srgbClr val="ffffff"/>
+                  </a:solidFill>
+                </a:uFill>
                 <a:latin typeface="Roboto"/>
               </a:rPr>
               <a:t>core</a:t>
             </a:r>
-            <a:endParaRPr/>
-          </a:p>
-          <a:p>
-            <a:pPr lvl="2">
+            <a:endParaRPr b="0" lang="en-US" sz="1800" spc="-1" strike="noStrike">
+              <a:solidFill>
+                <a:srgbClr val="000000"/>
+              </a:solidFill>
+              <a:uFill>
+                <a:solidFill>
+                  <a:srgbClr val="ffffff"/>
+                </a:solidFill>
+              </a:uFill>
+              <a:latin typeface="Arial"/>
+            </a:endParaRPr>
+          </a:p>
+          <a:p>
+            <a:pPr lvl="2" marL="648000" indent="-216000">
+              <a:lnSpc>
+                <a:spcPct val="100000"/>
+              </a:lnSpc>
+              <a:buClr>
+                <a:srgbClr val="000000"/>
+              </a:buClr>
               <a:buSzPct val="45000"/>
-              <a:buFont typeface="StarSymbol"/>
-              <a:buChar char=""/>
+              <a:buFont typeface="Wingdings"/>
+              <a:buChar char="l"/>
             </a:pPr>
             <a:r>
-              <a:rPr lang="en-US" sz="1600">
+              <a:rPr b="0" lang="en-US" sz="1600" spc="-1" strike="noStrike">
+                <a:solidFill>
+                  <a:srgbClr val="000000"/>
+                </a:solidFill>
+                <a:uFill>
+                  <a:solidFill>
+                    <a:srgbClr val="ffffff"/>
+                  </a:solidFill>
+                </a:uFill>
                 <a:latin typeface="Roboto"/>
               </a:rPr>
               <a:t>Kinetic models (Compartments, Parameters, Species, Reactions, RateRules, AssignmentRules, Events, FunctionDefinitions)</a:t>
             </a:r>
-            <a:endParaRPr/>
-          </a:p>
-          <a:p>
-            <a:pPr lvl="1">
+            <a:endParaRPr b="0" lang="en-US" sz="1800" spc="-1" strike="noStrike">
+              <a:solidFill>
+                <a:srgbClr val="000000"/>
+              </a:solidFill>
+              <a:uFill>
+                <a:solidFill>
+                  <a:srgbClr val="ffffff"/>
+                </a:solidFill>
+              </a:uFill>
+              <a:latin typeface="Arial"/>
+            </a:endParaRPr>
+          </a:p>
+          <a:p>
+            <a:pPr lvl="1" marL="432000" indent="-216000">
+              <a:lnSpc>
+                <a:spcPct val="100000"/>
+              </a:lnSpc>
+              <a:buClr>
+                <a:srgbClr val="000000"/>
+              </a:buClr>
               <a:buSzPct val="45000"/>
-              <a:buFont typeface="StarSymbol"/>
-              <a:buChar char=""/>
+              <a:buFont typeface="Wingdings"/>
+              <a:buChar char="l"/>
             </a:pPr>
             <a:r>
-              <a:rPr b="1" lang="en-US" sz="2000">
+              <a:rPr b="1" lang="en-US" sz="2000" spc="-1" strike="noStrike">
+                <a:solidFill>
+                  <a:srgbClr val="000000"/>
+                </a:solidFill>
+                <a:uFill>
+                  <a:solidFill>
+                    <a:srgbClr val="ffffff"/>
+                  </a:solidFill>
+                </a:uFill>
                 <a:latin typeface="Roboto"/>
               </a:rPr>
               <a:t>fbc</a:t>
             </a:r>
-            <a:endParaRPr/>
-          </a:p>
-          <a:p>
-            <a:pPr lvl="2">
+            <a:endParaRPr b="0" lang="en-US" sz="1800" spc="-1" strike="noStrike">
+              <a:solidFill>
+                <a:srgbClr val="000000"/>
+              </a:solidFill>
+              <a:uFill>
+                <a:solidFill>
+                  <a:srgbClr val="ffffff"/>
+                </a:solidFill>
+              </a:uFill>
+              <a:latin typeface="Arial"/>
+            </a:endParaRPr>
+          </a:p>
+          <a:p>
+            <a:pPr lvl="2" marL="648000" indent="-216000">
+              <a:lnSpc>
+                <a:spcPct val="100000"/>
+              </a:lnSpc>
+              <a:buClr>
+                <a:srgbClr val="000000"/>
+              </a:buClr>
               <a:buSzPct val="45000"/>
-              <a:buFont typeface="StarSymbol"/>
-              <a:buChar char=""/>
+              <a:buFont typeface="Wingdings"/>
+              <a:buChar char="l"/>
             </a:pPr>
             <a:r>
-              <a:rPr lang="en-US" sz="1600">
+              <a:rPr b="0" lang="en-US" sz="1600" spc="-1" strike="noStrike">
+                <a:solidFill>
+                  <a:srgbClr val="000000"/>
+                </a:solidFill>
+                <a:uFill>
+                  <a:solidFill>
+                    <a:srgbClr val="ffffff"/>
+                  </a:solidFill>
+                </a:uFill>
                 <a:latin typeface="Roboto"/>
               </a:rPr>
               <a:t>FBA encoding (objective functions, upper &amp; lower bounds, GPR encoding)</a:t>
             </a:r>
-            <a:endParaRPr/>
-          </a:p>
-          <a:p>
-            <a:pPr lvl="1">
+            <a:endParaRPr b="0" lang="en-US" sz="1800" spc="-1" strike="noStrike">
+              <a:solidFill>
+                <a:srgbClr val="000000"/>
+              </a:solidFill>
+              <a:uFill>
+                <a:solidFill>
+                  <a:srgbClr val="ffffff"/>
+                </a:solidFill>
+              </a:uFill>
+              <a:latin typeface="Arial"/>
+            </a:endParaRPr>
+          </a:p>
+          <a:p>
+            <a:pPr lvl="1" marL="432000" indent="-216000">
+              <a:lnSpc>
+                <a:spcPct val="100000"/>
+              </a:lnSpc>
+              <a:buClr>
+                <a:srgbClr val="000000"/>
+              </a:buClr>
               <a:buSzPct val="45000"/>
-              <a:buFont typeface="StarSymbol"/>
-              <a:buChar char=""/>
+              <a:buFont typeface="Wingdings"/>
+              <a:buChar char="l"/>
             </a:pPr>
             <a:r>
-              <a:rPr b="1" lang="en-US" sz="2000">
+              <a:rPr b="1" lang="en-US" sz="2000" spc="-1" strike="noStrike">
+                <a:solidFill>
+                  <a:srgbClr val="000000"/>
+                </a:solidFill>
+                <a:uFill>
+                  <a:solidFill>
+                    <a:srgbClr val="ffffff"/>
+                  </a:solidFill>
+                </a:uFill>
                 <a:latin typeface="Roboto"/>
               </a:rPr>
               <a:t>comp</a:t>
             </a:r>
-            <a:endParaRPr/>
-          </a:p>
-          <a:p>
-            <a:pPr lvl="2">
+            <a:endParaRPr b="0" lang="en-US" sz="1800" spc="-1" strike="noStrike">
+              <a:solidFill>
+                <a:srgbClr val="000000"/>
+              </a:solidFill>
+              <a:uFill>
+                <a:solidFill>
+                  <a:srgbClr val="ffffff"/>
+                </a:solidFill>
+              </a:uFill>
+              <a:latin typeface="Arial"/>
+            </a:endParaRPr>
+          </a:p>
+          <a:p>
+            <a:pPr lvl="2" marL="648000" indent="-216000">
+              <a:lnSpc>
+                <a:spcPct val="100000"/>
+              </a:lnSpc>
+              <a:buClr>
+                <a:srgbClr val="000000"/>
+              </a:buClr>
               <a:buSzPct val="45000"/>
-              <a:buFont typeface="StarSymbol"/>
-              <a:buChar char=""/>
+              <a:buFont typeface="Wingdings"/>
+              <a:buChar char="l"/>
             </a:pPr>
             <a:r>
-              <a:rPr lang="en-US" sz="1600">
+              <a:rPr b="0" lang="en-US" sz="1600" spc="-1" strike="noStrike">
+                <a:solidFill>
+                  <a:srgbClr val="000000"/>
+                </a:solidFill>
+                <a:uFill>
+                  <a:solidFill>
+                    <a:srgbClr val="ffffff"/>
+                  </a:solidFill>
+                </a:uFill>
                 <a:latin typeface="Roboto"/>
               </a:rPr>
-              <a:t>Coupling of models (ExternalModelDefinitions, ModelDefinitions</a:t>
-            </a:r>
-            <a:r>
-              <a:rPr lang="en-US" sz="1600">
-                <a:latin typeface="Roboto"/>
-              </a:rPr>
-              <a:t> replacements, replacedBy, deletions, ports, submodels, )</a:t>
-            </a:r>
-            <a:endParaRPr/>
+              <a:t>Coupling of models (ExternalModelDefinitions, ModelDefinitions replacements, replacedBy, deletions, ports, submodels, )</a:t>
+            </a:r>
+            <a:endParaRPr b="0" lang="en-US" sz="1800" spc="-1" strike="noStrike">
+              <a:solidFill>
+                <a:srgbClr val="000000"/>
+              </a:solidFill>
+              <a:uFill>
+                <a:solidFill>
+                  <a:srgbClr val="ffffff"/>
+                </a:solidFill>
+              </a:uFill>
+              <a:latin typeface="Arial"/>
+            </a:endParaRPr>
           </a:p>
         </p:txBody>
       </p:sp>
@@ -3843,7 +5769,7 @@
 </file>
 
 <file path=ppt/slides/slide5.xml><?xml version="1.0" encoding="utf-8"?>
-<p:sld xmlns:a="http://schemas.openxmlformats.org/drawingml/2006/main" xmlns:p="http://schemas.openxmlformats.org/presentationml/2006/main" xmlns:r="http://schemas.openxmlformats.org/officeDocument/2006/relationships">
+<p:sld xmlns:a="http://schemas.openxmlformats.org/drawingml/2006/main" xmlns:p="http://schemas.openxmlformats.org/presentationml/2006/main" xmlns:r="http://schemas.openxmlformats.org/officeDocument/2006/relationships" xmlns:p14="http://schemas.microsoft.com/office/powerpoint/2010/main" xmlns:p15="http://schemas.microsoft.com/office/powerpoint/2012/main" xmlns:mc="http://schemas.openxmlformats.org/markup-compatibility/2006">
   <p:cSld>
     <p:spTree>
       <p:nvGrpSpPr>
@@ -3861,152 +5787,316 @@
       </p:grpSpPr>
       <p:sp>
         <p:nvSpPr>
-          <p:cNvPr id="86" name="TextShape 1"/>
-          <p:cNvSpPr txBox="1"/>
+          <p:cNvPr id="84" name="CustomShape 1"/>
+          <p:cNvSpPr/>
           <p:nvPr/>
         </p:nvSpPr>
         <p:spPr>
           <a:xfrm>
             <a:off x="503640" y="301320"/>
-            <a:ext cx="9071280" cy="1261800"/>
-          </a:xfrm>
-          <a:prstGeom prst="rect">
-            <a:avLst/>
-          </a:prstGeom>
-        </p:spPr>
+            <a:ext cx="9070920" cy="1261440"/>
+          </a:xfrm>
+          <a:prstGeom prst="rect">
+            <a:avLst/>
+          </a:prstGeom>
+          <a:noFill/>
+          <a:ln>
+            <a:noFill/>
+          </a:ln>
+        </p:spPr>
+        <p:style>
+          <a:lnRef idx="0"/>
+          <a:fillRef idx="0"/>
+          <a:effectRef idx="0"/>
+          <a:fontRef idx="minor"/>
+        </p:style>
         <p:txBody>
           <a:bodyPr lIns="0" rIns="0" tIns="0" bIns="0" anchor="ctr"/>
           <a:p>
-            <a:pPr algn="ctr"/>
-            <a:r>
-              <a:rPr lang="en-US" sz="5400">
+            <a:pPr algn="ctr">
+              <a:lnSpc>
+                <a:spcPct val="100000"/>
+              </a:lnSpc>
+            </a:pPr>
+            <a:r>
+              <a:rPr b="0" lang="en-US" sz="5400" spc="-1" strike="noStrike">
+                <a:solidFill>
+                  <a:srgbClr val="000000"/>
+                </a:solidFill>
+                <a:uFill>
+                  <a:solidFill>
+                    <a:srgbClr val="ffffff"/>
+                  </a:solidFill>
+                </a:uFill>
                 <a:latin typeface="Roboto Light"/>
               </a:rPr>
               <a:t>Example Models</a:t>
             </a:r>
-            <a:endParaRPr/>
-          </a:p>
-        </p:txBody>
-      </p:sp>
-      <p:sp>
-        <p:nvSpPr>
-          <p:cNvPr id="87" name="TextShape 2"/>
-          <p:cNvSpPr txBox="1"/>
+            <a:endParaRPr b="0" lang="en-US" sz="1800" spc="-1" strike="noStrike">
+              <a:solidFill>
+                <a:srgbClr val="000000"/>
+              </a:solidFill>
+              <a:uFill>
+                <a:solidFill>
+                  <a:srgbClr val="ffffff"/>
+                </a:solidFill>
+              </a:uFill>
+              <a:latin typeface="Arial"/>
+            </a:endParaRPr>
+          </a:p>
+        </p:txBody>
+      </p:sp>
+      <p:sp>
+        <p:nvSpPr>
+          <p:cNvPr id="85" name="CustomShape 2"/>
+          <p:cNvSpPr/>
           <p:nvPr/>
         </p:nvSpPr>
         <p:spPr>
           <a:xfrm>
             <a:off x="503640" y="1768680"/>
-            <a:ext cx="3794040" cy="4384440"/>
-          </a:xfrm>
-          <a:prstGeom prst="rect">
-            <a:avLst/>
-          </a:prstGeom>
-        </p:spPr>
+            <a:ext cx="3793680" cy="4384080"/>
+          </a:xfrm>
+          <a:prstGeom prst="rect">
+            <a:avLst/>
+          </a:prstGeom>
+          <a:noFill/>
+          <a:ln>
+            <a:noFill/>
+          </a:ln>
+        </p:spPr>
+        <p:style>
+          <a:lnRef idx="0"/>
+          <a:fillRef idx="0"/>
+          <a:effectRef idx="0"/>
+          <a:fontRef idx="minor"/>
+        </p:style>
         <p:txBody>
           <a:bodyPr lIns="0" rIns="0" tIns="0" bIns="0"/>
           <a:p>
+            <a:pPr marL="216000" indent="-216000">
+              <a:lnSpc>
+                <a:spcPct val="100000"/>
+              </a:lnSpc>
+              <a:buClr>
+                <a:srgbClr val="000000"/>
+              </a:buClr>
+              <a:buSzPct val="45000"/>
+              <a:buFont typeface="Wingdings"/>
+              <a:buChar char="l"/>
+            </a:pPr>
+            <a:r>
+              <a:rPr b="0" lang="en-US" sz="2800" spc="-1" strike="noStrike">
+                <a:solidFill>
+                  <a:srgbClr val="000000"/>
+                </a:solidFill>
+                <a:uFill>
+                  <a:solidFill>
+                    <a:srgbClr val="ffffff"/>
+                  </a:solidFill>
+                </a:uFill>
+                <a:latin typeface="Roboto"/>
+              </a:rPr>
+              <a:t>Toy model (3 reactions, linear chain, 2 exchange reactions)</a:t>
+            </a:r>
+            <a:endParaRPr b="0" lang="en-US" sz="1800" spc="-1" strike="noStrike">
+              <a:solidFill>
+                <a:srgbClr val="000000"/>
+              </a:solidFill>
+              <a:uFill>
+                <a:solidFill>
+                  <a:srgbClr val="ffffff"/>
+                </a:solidFill>
+              </a:uFill>
+              <a:latin typeface="Arial"/>
+            </a:endParaRPr>
+          </a:p>
+          <a:p>
+            <a:pPr marL="216000" indent="-216000">
+              <a:lnSpc>
+                <a:spcPct val="100000"/>
+              </a:lnSpc>
+              <a:buClr>
+                <a:srgbClr val="000000"/>
+              </a:buClr>
+              <a:buSzPct val="45000"/>
+              <a:buFont typeface="Wingdings"/>
+              <a:buChar char="l"/>
+            </a:pPr>
+            <a:r>
+              <a:rPr b="0" lang="en-US" sz="2800" spc="-1" strike="noStrike">
+                <a:solidFill>
+                  <a:srgbClr val="000000"/>
+                </a:solidFill>
+                <a:uFill>
+                  <a:solidFill>
+                    <a:srgbClr val="ffffff"/>
+                  </a:solidFill>
+                </a:uFill>
+                <a:latin typeface="Roboto"/>
+              </a:rPr>
+              <a:t>Diauxic growth (4 effective reactions, 4 exchange reactions)</a:t>
+            </a:r>
+            <a:endParaRPr b="0" lang="en-US" sz="1800" spc="-1" strike="noStrike">
+              <a:solidFill>
+                <a:srgbClr val="000000"/>
+              </a:solidFill>
+              <a:uFill>
+                <a:solidFill>
+                  <a:srgbClr val="ffffff"/>
+                </a:solidFill>
+              </a:uFill>
+              <a:latin typeface="Arial"/>
+            </a:endParaRPr>
+          </a:p>
+          <a:p>
+            <a:pPr marL="216000" indent="-216000">
+              <a:lnSpc>
+                <a:spcPct val="100000"/>
+              </a:lnSpc>
+              <a:buClr>
+                <a:srgbClr val="000000"/>
+              </a:buClr>
+              <a:buSzPct val="45000"/>
+              <a:buFont typeface="Wingdings"/>
+              <a:buChar char="l"/>
+            </a:pPr>
+            <a:r>
+              <a:rPr b="0" lang="en-US" sz="2800" spc="-1" strike="noStrike">
+                <a:solidFill>
+                  <a:srgbClr val="000000"/>
+                </a:solidFill>
+                <a:uFill>
+                  <a:solidFill>
+                    <a:srgbClr val="ffffff"/>
+                  </a:solidFill>
+                </a:uFill>
+                <a:latin typeface="Roboto"/>
+              </a:rPr>
+              <a:t>E.coli core (95 reactions, 72 metabolites, 137 genes, 4 exchange reactions)</a:t>
+            </a:r>
+            <a:endParaRPr b="0" lang="en-US" sz="1800" spc="-1" strike="noStrike">
+              <a:solidFill>
+                <a:srgbClr val="000000"/>
+              </a:solidFill>
+              <a:uFill>
+                <a:solidFill>
+                  <a:srgbClr val="ffffff"/>
+                </a:solidFill>
+              </a:uFill>
+              <a:latin typeface="Arial"/>
+            </a:endParaRPr>
+          </a:p>
+          <a:p>
+            <a:pPr lvl="1" marL="432000" indent="-216000">
+              <a:lnSpc>
+                <a:spcPct val="100000"/>
+              </a:lnSpc>
+              <a:buClr>
+                <a:srgbClr val="000000"/>
+              </a:buClr>
+              <a:buSzPct val="45000"/>
+              <a:buFont typeface="Wingdings"/>
+              <a:buChar char="l"/>
+            </a:pPr>
+            <a:r>
+              <a:rPr b="0" lang="en-US" sz="2000" spc="-1" strike="noStrike">
+                <a:solidFill>
+                  <a:srgbClr val="000000"/>
+                </a:solidFill>
+                <a:uFill>
+                  <a:solidFill>
+                    <a:srgbClr val="ffffff"/>
+                  </a:solidFill>
+                </a:uFill>
+                <a:latin typeface="Roboto"/>
+              </a:rPr>
+              <a:t>http://bigg.ucsd.edu/models/e_coli_core </a:t>
+            </a:r>
+            <a:endParaRPr b="0" lang="en-US" sz="1800" spc="-1" strike="noStrike">
+              <a:solidFill>
+                <a:srgbClr val="000000"/>
+              </a:solidFill>
+              <a:uFill>
+                <a:solidFill>
+                  <a:srgbClr val="ffffff"/>
+                </a:solidFill>
+              </a:uFill>
+              <a:latin typeface="Arial"/>
+            </a:endParaRPr>
+          </a:p>
+          <a:p>
+            <a:pPr lvl="1" marL="432000" indent="-216000">
+              <a:lnSpc>
+                <a:spcPct val="100000"/>
+              </a:lnSpc>
+              <a:buClr>
+                <a:srgbClr val="000000"/>
+              </a:buClr>
+              <a:buSzPct val="45000"/>
+              <a:buFont typeface="Wingdings"/>
+              <a:buChar char="l"/>
+            </a:pPr>
+            <a:r>
+              <a:rPr b="0" lang="en-US" sz="2000" spc="-1" strike="noStrike">
+                <a:solidFill>
+                  <a:srgbClr val="000000"/>
+                </a:solidFill>
+                <a:uFill>
+                  <a:solidFill>
+                    <a:srgbClr val="ffffff"/>
+                  </a:solidFill>
+                </a:uFill>
+                <a:latin typeface="Roboto"/>
+              </a:rPr>
+              <a:t>https://escher.github.io/builder/index.html?enable_editing=true&amp;map_name=e_coli_core.Core%20metabolism</a:t>
+            </a:r>
+            <a:endParaRPr b="0" lang="en-US" sz="1800" spc="-1" strike="noStrike">
+              <a:solidFill>
+                <a:srgbClr val="000000"/>
+              </a:solidFill>
+              <a:uFill>
+                <a:solidFill>
+                  <a:srgbClr val="ffffff"/>
+                </a:solidFill>
+              </a:uFill>
+              <a:latin typeface="Arial"/>
+            </a:endParaRPr>
+          </a:p>
+          <a:p>
             <a:pPr>
-              <a:buSzPct val="45000"/>
-              <a:buFont typeface="StarSymbol"/>
-              <a:buChar char=""/>
+              <a:lnSpc>
+                <a:spcPct val="100000"/>
+              </a:lnSpc>
             </a:pPr>
-            <a:r>
-              <a:rPr lang="en-US" sz="2800">
-                <a:latin typeface="Roboto"/>
-              </a:rPr>
-              <a:t>Toy model (3 reactions, linear chain, 2 exchange reactions)</a:t>
-            </a:r>
-            <a:endParaRPr/>
-          </a:p>
-          <a:p>
-            <a:pPr>
-              <a:buSzPct val="45000"/>
-              <a:buFont typeface="StarSymbol"/>
-              <a:buChar char=""/>
-            </a:pPr>
-            <a:r>
-              <a:rPr lang="en-US" sz="2800">
-                <a:latin typeface="Roboto"/>
-              </a:rPr>
-              <a:t>Diauxic growth (4 effective reactions, 4 exchange reactions)</a:t>
-            </a:r>
-            <a:endParaRPr/>
-          </a:p>
-          <a:p>
-            <a:pPr>
-              <a:buSzPct val="45000"/>
-              <a:buFont typeface="StarSymbol"/>
-              <a:buChar char=""/>
-            </a:pPr>
-            <a:r>
-              <a:rPr lang="en-US" sz="2800">
-                <a:latin typeface="Roboto"/>
-              </a:rPr>
-              <a:t>E.coli core (95 reactions, 72 metabolites, 137 genes, 4 exchange reactions)</a:t>
-            </a:r>
-            <a:endParaRPr/>
-          </a:p>
-          <a:p>
-            <a:pPr lvl="1">
-              <a:buSzPct val="45000"/>
-              <a:buFont typeface="StarSymbol"/>
-              <a:buChar char=""/>
-            </a:pPr>
-            <a:r>
-              <a:rPr lang="en-US" sz="2000">
-                <a:latin typeface="Roboto"/>
-              </a:rPr>
-              <a:t>http://bigg.ucsd.edu/models/e_coli_core</a:t>
-            </a:r>
-            <a:r>
-              <a:rPr lang="en-US" sz="2000">
-                <a:latin typeface="Roboto"/>
-              </a:rPr>
-              <a:t> </a:t>
-            </a:r>
-            <a:endParaRPr/>
-          </a:p>
-          <a:p>
-            <a:pPr lvl="1">
-              <a:buSzPct val="45000"/>
-              <a:buFont typeface="StarSymbol"/>
-              <a:buChar char=""/>
-            </a:pPr>
-            <a:r>
-              <a:rPr lang="en-US" sz="2000">
-                <a:latin typeface="Roboto"/>
-              </a:rPr>
-              <a:t>https://escher.github.io/builder/index.html?enable_editing=true&amp;map_name=e_coli_core.Core%20metabolism</a:t>
-            </a:r>
-            <a:endParaRPr/>
-          </a:p>
-          <a:p>
-            <a:pPr lvl="1">
-              <a:buSzPct val="45000"/>
-              <a:buFont typeface="StarSymbol"/>
-              <a:buChar char=""/>
-            </a:pPr>
-            <a:endParaRPr/>
+            <a:endParaRPr b="0" lang="en-US" sz="1800" spc="-1" strike="noStrike">
+              <a:solidFill>
+                <a:srgbClr val="000000"/>
+              </a:solidFill>
+              <a:uFill>
+                <a:solidFill>
+                  <a:srgbClr val="ffffff"/>
+                </a:solidFill>
+              </a:uFill>
+              <a:latin typeface="Arial"/>
+            </a:endParaRPr>
           </a:p>
         </p:txBody>
       </p:sp>
       <p:pic>
         <p:nvPicPr>
-          <p:cNvPr id="88" name="" descr=""/>
+          <p:cNvPr id="86" name="" descr=""/>
           <p:cNvPicPr/>
           <p:nvPr/>
         </p:nvPicPr>
         <p:blipFill>
           <a:blip r:embed="rId1"/>
-          <a:stretch>
-            <a:fillRect/>
-          </a:stretch>
+          <a:stretch/>
         </p:blipFill>
         <p:spPr>
           <a:xfrm>
             <a:off x="4572000" y="1828800"/>
-            <a:ext cx="5008320" cy="4114800"/>
+            <a:ext cx="5007960" cy="4114440"/>
           </a:xfrm>
           <a:prstGeom prst="rect">
             <a:avLst/>
@@ -4049,7 +6139,7 @@
 </file>
 
 <file path=ppt/slides/slide6.xml><?xml version="1.0" encoding="utf-8"?>
-<p:sld xmlns:a="http://schemas.openxmlformats.org/drawingml/2006/main" xmlns:p="http://schemas.openxmlformats.org/presentationml/2006/main" xmlns:r="http://schemas.openxmlformats.org/officeDocument/2006/relationships">
+<p:sld xmlns:a="http://schemas.openxmlformats.org/drawingml/2006/main" xmlns:p="http://schemas.openxmlformats.org/presentationml/2006/main" xmlns:r="http://schemas.openxmlformats.org/officeDocument/2006/relationships" xmlns:p14="http://schemas.microsoft.com/office/powerpoint/2010/main" xmlns:p15="http://schemas.microsoft.com/office/powerpoint/2012/main" xmlns:mc="http://schemas.openxmlformats.org/markup-compatibility/2006">
   <p:cSld>
     <p:spTree>
       <p:nvGrpSpPr>
@@ -4067,127 +6157,299 @@
       </p:grpSpPr>
       <p:sp>
         <p:nvSpPr>
-          <p:cNvPr id="89" name="TextShape 1"/>
-          <p:cNvSpPr txBox="1"/>
+          <p:cNvPr id="87" name="CustomShape 1"/>
+          <p:cNvSpPr/>
           <p:nvPr/>
         </p:nvSpPr>
         <p:spPr>
           <a:xfrm>
             <a:off x="503640" y="301320"/>
-            <a:ext cx="9071280" cy="1261800"/>
-          </a:xfrm>
-          <a:prstGeom prst="rect">
-            <a:avLst/>
-          </a:prstGeom>
-        </p:spPr>
+            <a:ext cx="9070920" cy="1261440"/>
+          </a:xfrm>
+          <a:prstGeom prst="rect">
+            <a:avLst/>
+          </a:prstGeom>
+          <a:noFill/>
+          <a:ln>
+            <a:noFill/>
+          </a:ln>
+        </p:spPr>
+        <p:style>
+          <a:lnRef idx="0"/>
+          <a:fillRef idx="0"/>
+          <a:effectRef idx="0"/>
+          <a:fontRef idx="minor"/>
+        </p:style>
         <p:txBody>
           <a:bodyPr lIns="0" rIns="0" tIns="0" bIns="0" anchor="ctr"/>
           <a:p>
-            <a:pPr algn="ctr"/>
-            <a:r>
-              <a:rPr lang="en-US" sz="5400">
+            <a:pPr algn="ctr">
+              <a:lnSpc>
+                <a:spcPct val="100000"/>
+              </a:lnSpc>
+            </a:pPr>
+            <a:r>
+              <a:rPr b="0" lang="en-US" sz="5400" spc="-1" strike="noStrike">
+                <a:solidFill>
+                  <a:srgbClr val="000000"/>
+                </a:solidFill>
+                <a:uFill>
+                  <a:solidFill>
+                    <a:srgbClr val="ffffff"/>
+                  </a:solidFill>
+                </a:uFill>
                 <a:latin typeface="Roboto Light"/>
               </a:rPr>
               <a:t>Encoding</a:t>
             </a:r>
-            <a:endParaRPr/>
-          </a:p>
-        </p:txBody>
-      </p:sp>
-      <p:sp>
-        <p:nvSpPr>
-          <p:cNvPr id="90" name="TextShape 2"/>
-          <p:cNvSpPr txBox="1"/>
+            <a:endParaRPr b="0" lang="en-US" sz="1800" spc="-1" strike="noStrike">
+              <a:solidFill>
+                <a:srgbClr val="000000"/>
+              </a:solidFill>
+              <a:uFill>
+                <a:solidFill>
+                  <a:srgbClr val="ffffff"/>
+                </a:solidFill>
+              </a:uFill>
+              <a:latin typeface="Arial"/>
+            </a:endParaRPr>
+          </a:p>
+        </p:txBody>
+      </p:sp>
+      <p:sp>
+        <p:nvSpPr>
+          <p:cNvPr id="88" name="CustomShape 2"/>
+          <p:cNvSpPr/>
           <p:nvPr/>
         </p:nvSpPr>
         <p:spPr>
           <a:xfrm>
             <a:off x="503640" y="1768680"/>
-            <a:ext cx="9071280" cy="4384440"/>
-          </a:xfrm>
-          <a:prstGeom prst="rect">
-            <a:avLst/>
-          </a:prstGeom>
-        </p:spPr>
+            <a:ext cx="9070920" cy="4384080"/>
+          </a:xfrm>
+          <a:prstGeom prst="rect">
+            <a:avLst/>
+          </a:prstGeom>
+          <a:noFill/>
+          <a:ln>
+            <a:noFill/>
+          </a:ln>
+        </p:spPr>
+        <p:style>
+          <a:lnRef idx="0"/>
+          <a:fillRef idx="0"/>
+          <a:effectRef idx="0"/>
+          <a:fontRef idx="minor"/>
+        </p:style>
         <p:txBody>
           <a:bodyPr lIns="0" rIns="0" tIns="0" bIns="0"/>
           <a:p>
+            <a:pPr marL="216000" indent="-216000">
+              <a:lnSpc>
+                <a:spcPct val="100000"/>
+              </a:lnSpc>
+              <a:buClr>
+                <a:srgbClr val="000000"/>
+              </a:buClr>
+              <a:buSzPct val="45000"/>
+              <a:buFont typeface="Wingdings"/>
+              <a:buChar char="l"/>
+            </a:pPr>
+            <a:r>
+              <a:rPr b="0" lang="en-US" sz="2800" spc="-1" strike="noStrike">
+                <a:solidFill>
+                  <a:srgbClr val="000000"/>
+                </a:solidFill>
+                <a:uFill>
+                  <a:solidFill>
+                    <a:srgbClr val="ffffff"/>
+                  </a:solidFill>
+                </a:uFill>
+                <a:latin typeface="Roboto"/>
+              </a:rPr>
+              <a:t>Basic coupling</a:t>
+            </a:r>
+            <a:endParaRPr b="0" lang="en-US" sz="1800" spc="-1" strike="noStrike">
+              <a:solidFill>
+                <a:srgbClr val="000000"/>
+              </a:solidFill>
+              <a:uFill>
+                <a:solidFill>
+                  <a:srgbClr val="ffffff"/>
+                </a:solidFill>
+              </a:uFill>
+              <a:latin typeface="Arial"/>
+            </a:endParaRPr>
+          </a:p>
+          <a:p>
+            <a:pPr lvl="1" marL="432000" indent="-216000">
+              <a:lnSpc>
+                <a:spcPct val="100000"/>
+              </a:lnSpc>
+              <a:buClr>
+                <a:srgbClr val="000000"/>
+              </a:buClr>
+              <a:buSzPct val="45000"/>
+              <a:buFont typeface="Wingdings"/>
+              <a:buChar char="l"/>
+            </a:pPr>
+            <a:r>
+              <a:rPr b="0" lang="en-US" sz="2000" spc="-1" strike="noStrike">
+                <a:solidFill>
+                  <a:srgbClr val="000000"/>
+                </a:solidFill>
+                <a:uFill>
+                  <a:solidFill>
+                    <a:srgbClr val="ffffff"/>
+                  </a:solidFill>
+                </a:uFill>
+                <a:latin typeface="Roboto"/>
+              </a:rPr>
+              <a:t>Exchange reactions (boundaryCondition=True species) which provide information about changes on FBA boundary</a:t>
+            </a:r>
+            <a:endParaRPr b="0" lang="en-US" sz="1800" spc="-1" strike="noStrike">
+              <a:solidFill>
+                <a:srgbClr val="000000"/>
+              </a:solidFill>
+              <a:uFill>
+                <a:solidFill>
+                  <a:srgbClr val="ffffff"/>
+                </a:solidFill>
+              </a:uFill>
+              <a:latin typeface="Arial"/>
+            </a:endParaRPr>
+          </a:p>
+          <a:p>
+            <a:pPr lvl="2" marL="648000" indent="-216000">
+              <a:lnSpc>
+                <a:spcPct val="100000"/>
+              </a:lnSpc>
+              <a:buClr>
+                <a:srgbClr val="000000"/>
+              </a:buClr>
+              <a:buSzPct val="45000"/>
+              <a:buFont typeface="Wingdings"/>
+              <a:buChar char="l"/>
+            </a:pPr>
+            <a:r>
+              <a:rPr b="0" lang="en-US" sz="1600" spc="-1" strike="noStrike">
+                <a:solidFill>
+                  <a:srgbClr val="000000"/>
+                </a:solidFill>
+                <a:uFill>
+                  <a:solidFill>
+                    <a:srgbClr val="ffffff"/>
+                  </a:solidFill>
+                </a:uFill>
+                <a:latin typeface="Roboto"/>
+              </a:rPr>
+              <a:t>What is taken up, what is imported, how unbalanced are metabolites?</a:t>
+            </a:r>
+            <a:endParaRPr b="0" lang="en-US" sz="1800" spc="-1" strike="noStrike">
+              <a:solidFill>
+                <a:srgbClr val="000000"/>
+              </a:solidFill>
+              <a:uFill>
+                <a:solidFill>
+                  <a:srgbClr val="ffffff"/>
+                </a:solidFill>
+              </a:uFill>
+              <a:latin typeface="Arial"/>
+            </a:endParaRPr>
+          </a:p>
+          <a:p>
+            <a:pPr marL="216000" indent="-216000">
+              <a:lnSpc>
+                <a:spcPct val="100000"/>
+              </a:lnSpc>
+              <a:buClr>
+                <a:srgbClr val="000000"/>
+              </a:buClr>
+              <a:buSzPct val="45000"/>
+              <a:buFont typeface="Wingdings"/>
+              <a:buChar char="l"/>
+            </a:pPr>
+            <a:r>
+              <a:rPr b="0" lang="en-US" sz="2800" spc="-1" strike="noStrike">
+                <a:solidFill>
+                  <a:srgbClr val="000000"/>
+                </a:solidFill>
+                <a:uFill>
+                  <a:solidFill>
+                    <a:srgbClr val="ffffff"/>
+                  </a:solidFill>
+                </a:uFill>
+                <a:latin typeface="Roboto"/>
+              </a:rPr>
+              <a:t>TOP, BOUNDS, UPDATE, FBA</a:t>
+            </a:r>
+            <a:endParaRPr b="0" lang="en-US" sz="1800" spc="-1" strike="noStrike">
+              <a:solidFill>
+                <a:srgbClr val="000000"/>
+              </a:solidFill>
+              <a:uFill>
+                <a:solidFill>
+                  <a:srgbClr val="ffffff"/>
+                </a:solidFill>
+              </a:uFill>
+              <a:latin typeface="Arial"/>
+            </a:endParaRPr>
+          </a:p>
+          <a:p>
+            <a:pPr marL="216000" indent="-216000">
+              <a:lnSpc>
+                <a:spcPct val="100000"/>
+              </a:lnSpc>
+              <a:buClr>
+                <a:srgbClr val="000000"/>
+              </a:buClr>
+              <a:buSzPct val="45000"/>
+              <a:buFont typeface="Wingdings"/>
+              <a:buChar char="l"/>
+            </a:pPr>
+            <a:r>
+              <a:rPr b="0" lang="en-US" sz="2800" spc="-1" strike="noStrike">
+                <a:solidFill>
+                  <a:srgbClr val="000000"/>
+                </a:solidFill>
+                <a:uFill>
+                  <a:solidFill>
+                    <a:srgbClr val="ffffff"/>
+                  </a:solidFill>
+                </a:uFill>
+                <a:latin typeface="Roboto"/>
+              </a:rPr>
+              <a:t>Rules</a:t>
+            </a:r>
+            <a:endParaRPr b="0" lang="en-US" sz="1800" spc="-1" strike="noStrike">
+              <a:solidFill>
+                <a:srgbClr val="000000"/>
+              </a:solidFill>
+              <a:uFill>
+                <a:solidFill>
+                  <a:srgbClr val="ffffff"/>
+                </a:solidFill>
+              </a:uFill>
+              <a:latin typeface="Arial"/>
+            </a:endParaRPr>
+          </a:p>
+          <a:p>
             <a:pPr>
-              <a:buSzPct val="45000"/>
-              <a:buFont typeface="StarSymbol"/>
-              <a:buChar char=""/>
+              <a:lnSpc>
+                <a:spcPct val="100000"/>
+              </a:lnSpc>
             </a:pPr>
-            <a:r>
-              <a:rPr lang="en-US" sz="2800">
-                <a:latin typeface="Roboto"/>
-              </a:rPr>
-              <a:t>Basic coupling</a:t>
-            </a:r>
-            <a:endParaRPr/>
-          </a:p>
-          <a:p>
-            <a:pPr lvl="1">
-              <a:buSzPct val="45000"/>
-              <a:buFont typeface="StarSymbol"/>
-              <a:buChar char=""/>
-            </a:pPr>
-            <a:r>
-              <a:rPr lang="en-US" sz="2000">
-                <a:latin typeface="Roboto"/>
-              </a:rPr>
-              <a:t>Exchange reactions (boundaryCondition=True species) which provide information about changes on FBA boundary</a:t>
-            </a:r>
-            <a:endParaRPr/>
-          </a:p>
-          <a:p>
-            <a:pPr lvl="2">
-              <a:buSzPct val="45000"/>
-              <a:buFont typeface="StarSymbol"/>
-              <a:buChar char=""/>
-            </a:pPr>
-            <a:r>
-              <a:rPr lang="en-US" sz="1600">
-                <a:latin typeface="Roboto"/>
-              </a:rPr>
-              <a:t>What is taken up, what is imported, how unbalanced are metabolites?</a:t>
-            </a:r>
-            <a:endParaRPr/>
-          </a:p>
-          <a:p>
-            <a:pPr>
-              <a:buSzPct val="45000"/>
-              <a:buFont typeface="StarSymbol"/>
-              <a:buChar char=""/>
-            </a:pPr>
-            <a:r>
-              <a:rPr lang="en-US" sz="2800">
-                <a:latin typeface="Roboto"/>
-              </a:rPr>
-              <a:t>TOP, BOUNDS, UPDATE, FBA</a:t>
-            </a:r>
-            <a:endParaRPr/>
-          </a:p>
-          <a:p>
-            <a:pPr>
-              <a:buSzPct val="45000"/>
-              <a:buFont typeface="StarSymbol"/>
-              <a:buChar char=""/>
-            </a:pPr>
-            <a:r>
-              <a:rPr lang="en-US" sz="2800">
-                <a:latin typeface="Roboto"/>
-              </a:rPr>
-              <a:t>Rules</a:t>
-            </a:r>
-            <a:endParaRPr/>
-          </a:p>
-          <a:p>
-            <a:pPr>
-              <a:buSzPct val="45000"/>
-              <a:buFont typeface="StarSymbol"/>
-              <a:buChar char=""/>
-            </a:pPr>
-            <a:endParaRPr/>
+            <a:endParaRPr b="0" lang="en-US" sz="1800" spc="-1" strike="noStrike">
+              <a:solidFill>
+                <a:srgbClr val="000000"/>
+              </a:solidFill>
+              <a:uFill>
+                <a:solidFill>
+                  <a:srgbClr val="ffffff"/>
+                </a:solidFill>
+              </a:uFill>
+              <a:latin typeface="Arial"/>
+            </a:endParaRPr>
           </a:p>
         </p:txBody>
       </p:sp>
@@ -4224,7 +6486,7 @@
 </file>
 
 <file path=ppt/slides/slide7.xml><?xml version="1.0" encoding="utf-8"?>
-<p:sld xmlns:a="http://schemas.openxmlformats.org/drawingml/2006/main" xmlns:p="http://schemas.openxmlformats.org/presentationml/2006/main" xmlns:r="http://schemas.openxmlformats.org/officeDocument/2006/relationships">
+<p:sld xmlns:a="http://schemas.openxmlformats.org/drawingml/2006/main" xmlns:p="http://schemas.openxmlformats.org/presentationml/2006/main" xmlns:r="http://schemas.openxmlformats.org/officeDocument/2006/relationships" xmlns:p14="http://schemas.microsoft.com/office/powerpoint/2010/main" xmlns:p15="http://schemas.microsoft.com/office/powerpoint/2012/main" xmlns:mc="http://schemas.openxmlformats.org/markup-compatibility/2006">
   <p:cSld>
     <p:spTree>
       <p:nvGrpSpPr>
@@ -4242,77 +6504,281 @@
       </p:grpSpPr>
       <p:sp>
         <p:nvSpPr>
-          <p:cNvPr id="91" name="TextShape 1"/>
-          <p:cNvSpPr txBox="1"/>
+          <p:cNvPr id="89" name="CustomShape 1"/>
+          <p:cNvSpPr/>
           <p:nvPr/>
         </p:nvSpPr>
         <p:spPr>
           <a:xfrm>
             <a:off x="503640" y="301320"/>
-            <a:ext cx="9071280" cy="1261800"/>
-          </a:xfrm>
-          <a:prstGeom prst="rect">
-            <a:avLst/>
-          </a:prstGeom>
-        </p:spPr>
+            <a:ext cx="9070920" cy="1261440"/>
+          </a:xfrm>
+          <a:prstGeom prst="rect">
+            <a:avLst/>
+          </a:prstGeom>
+          <a:noFill/>
+          <a:ln>
+            <a:noFill/>
+          </a:ln>
+        </p:spPr>
+        <p:style>
+          <a:lnRef idx="0"/>
+          <a:fillRef idx="0"/>
+          <a:effectRef idx="0"/>
+          <a:fontRef idx="minor"/>
+        </p:style>
         <p:txBody>
           <a:bodyPr lIns="0" rIns="0" tIns="0" bIns="0" anchor="ctr"/>
           <a:p>
-            <a:pPr algn="ctr"/>
-            <a:r>
-              <a:rPr lang="en-US" sz="5400">
+            <a:pPr algn="ctr">
+              <a:lnSpc>
+                <a:spcPct val="100000"/>
+              </a:lnSpc>
+            </a:pPr>
+            <a:r>
+              <a:rPr b="0" lang="en-US" sz="5400" spc="-1" strike="noStrike">
+                <a:solidFill>
+                  <a:srgbClr val="000000"/>
+                </a:solidFill>
+                <a:uFill>
+                  <a:solidFill>
+                    <a:srgbClr val="ffffff"/>
+                  </a:solidFill>
+                </a:uFill>
                 <a:latin typeface="Roboto Light"/>
               </a:rPr>
               <a:t>Simulation Algorithm</a:t>
             </a:r>
-            <a:endParaRPr/>
-          </a:p>
-        </p:txBody>
-      </p:sp>
-      <p:sp>
-        <p:nvSpPr>
-          <p:cNvPr id="92" name="TextShape 2"/>
-          <p:cNvSpPr txBox="1"/>
+            <a:endParaRPr b="0" lang="en-US" sz="1800" spc="-1" strike="noStrike">
+              <a:solidFill>
+                <a:srgbClr val="000000"/>
+              </a:solidFill>
+              <a:uFill>
+                <a:solidFill>
+                  <a:srgbClr val="ffffff"/>
+                </a:solidFill>
+              </a:uFill>
+              <a:latin typeface="Arial"/>
+            </a:endParaRPr>
+          </a:p>
+        </p:txBody>
+      </p:sp>
+      <p:sp>
+        <p:nvSpPr>
+          <p:cNvPr id="90" name="CustomShape 2"/>
+          <p:cNvSpPr/>
           <p:nvPr/>
         </p:nvSpPr>
         <p:spPr>
           <a:xfrm>
             <a:off x="503640" y="1768680"/>
-            <a:ext cx="9071280" cy="4384440"/>
-          </a:xfrm>
-          <a:prstGeom prst="rect">
-            <a:avLst/>
-          </a:prstGeom>
-        </p:spPr>
+            <a:ext cx="9070920" cy="4384080"/>
+          </a:xfrm>
+          <a:prstGeom prst="rect">
+            <a:avLst/>
+          </a:prstGeom>
+          <a:noFill/>
+          <a:ln>
+            <a:noFill/>
+          </a:ln>
+        </p:spPr>
+        <p:style>
+          <a:lnRef idx="0"/>
+          <a:fillRef idx="0"/>
+          <a:effectRef idx="0"/>
+          <a:fontRef idx="minor"/>
+        </p:style>
         <p:txBody>
           <a:bodyPr lIns="0" rIns="0" tIns="0" bIns="0"/>
           <a:p>
-            <a:pPr>
+            <a:pPr marL="216000" indent="-216000">
+              <a:lnSpc>
+                <a:spcPct val="100000"/>
+              </a:lnSpc>
+              <a:buClr>
+                <a:srgbClr val="000000"/>
+              </a:buClr>
               <a:buSzPct val="45000"/>
-              <a:buFont typeface="StarSymbol"/>
-              <a:buChar char=""/>
+              <a:buFont typeface="Wingdings"/>
+              <a:buChar char="l"/>
             </a:pPr>
             <a:r>
-              <a:rPr lang="en-US" sz="2800">
+              <a:rPr b="0" lang="en-US" sz="2800" spc="-1" strike="noStrike">
+                <a:solidFill>
+                  <a:srgbClr val="000000"/>
+                </a:solidFill>
+                <a:uFill>
+                  <a:solidFill>
+                    <a:srgbClr val="ffffff"/>
+                  </a:solidFill>
+                </a:uFill>
                 <a:latin typeface="Roboto"/>
               </a:rPr>
               <a:t>Challenges</a:t>
             </a:r>
-            <a:endParaRPr/>
-          </a:p>
-          <a:p>
-            <a:pPr>
+            <a:endParaRPr b="0" lang="en-US" sz="1800" spc="-1" strike="noStrike">
+              <a:solidFill>
+                <a:srgbClr val="000000"/>
+              </a:solidFill>
+              <a:uFill>
+                <a:solidFill>
+                  <a:srgbClr val="ffffff"/>
+                </a:solidFill>
+              </a:uFill>
+              <a:latin typeface="Arial"/>
+            </a:endParaRPr>
+          </a:p>
+          <a:p>
+            <a:pPr marL="216000" indent="-216000">
+              <a:lnSpc>
+                <a:spcPct val="100000"/>
+              </a:lnSpc>
+              <a:buClr>
+                <a:srgbClr val="000000"/>
+              </a:buClr>
               <a:buSzPct val="45000"/>
-              <a:buFont typeface="StarSymbol"/>
-              <a:buChar char=""/>
+              <a:buFont typeface="Wingdings"/>
+              <a:buChar char="l"/>
             </a:pPr>
             <a:r>
-              <a:rPr lang="en-US" sz="2800">
+              <a:rPr b="0" lang="en-US" sz="2800" spc="-1" strike="noStrike">
+                <a:solidFill>
+                  <a:srgbClr val="000000"/>
+                </a:solidFill>
+                <a:uFill>
+                  <a:solidFill>
+                    <a:srgbClr val="ffffff"/>
+                  </a:solidFill>
+                </a:uFill>
                 <a:latin typeface="Roboto"/>
               </a:rPr>
               <a:t>Workflow image</a:t>
             </a:r>
-            <a:endParaRPr/>
+            <a:endParaRPr b="0" lang="en-US" sz="1800" spc="-1" strike="noStrike">
+              <a:solidFill>
+                <a:srgbClr val="000000"/>
+              </a:solidFill>
+              <a:uFill>
+                <a:solidFill>
+                  <a:srgbClr val="ffffff"/>
+                </a:solidFill>
+              </a:uFill>
+              <a:latin typeface="Arial"/>
+            </a:endParaRPr>
+          </a:p>
+          <a:p>
+            <a:pPr marL="216000" indent="-216000">
+              <a:lnSpc>
+                <a:spcPct val="100000"/>
+              </a:lnSpc>
+              <a:buClr>
+                <a:srgbClr val="000000"/>
+              </a:buClr>
+              <a:buSzPct val="45000"/>
+              <a:buFont typeface="Wingdings"/>
+              <a:buChar char="l"/>
+            </a:pPr>
+            <a:r>
+              <a:rPr b="0" lang="en-US" sz="2800" spc="-1" strike="noStrike">
+                <a:solidFill>
+                  <a:srgbClr val="000000"/>
+                </a:solidFill>
+                <a:uFill>
+                  <a:solidFill>
+                    <a:srgbClr val="ffffff"/>
+                  </a:solidFill>
+                </a:uFill>
+                <a:latin typeface="Roboto"/>
+              </a:rPr>
+              <a:t>Simulator (iBioSim, sbmlutils)</a:t>
+            </a:r>
+            <a:endParaRPr b="0" lang="en-US" sz="1800" spc="-1" strike="noStrike">
+              <a:solidFill>
+                <a:srgbClr val="000000"/>
+              </a:solidFill>
+              <a:uFill>
+                <a:solidFill>
+                  <a:srgbClr val="ffffff"/>
+                </a:solidFill>
+              </a:uFill>
+              <a:latin typeface="Arial"/>
+            </a:endParaRPr>
+          </a:p>
+          <a:p>
+            <a:pPr lvl="1" marL="432000" indent="-216000">
+              <a:lnSpc>
+                <a:spcPct val="100000"/>
+              </a:lnSpc>
+              <a:buClr>
+                <a:srgbClr val="000000"/>
+              </a:buClr>
+              <a:buSzPct val="45000"/>
+              <a:buFont typeface="Wingdings" charset="2"/>
+              <a:buChar char=""/>
+            </a:pPr>
+            <a:r>
+              <a:rPr b="0" lang="en-US" sz="2800" spc="-1" strike="noStrike">
+                <a:solidFill>
+                  <a:srgbClr val="000000"/>
+                </a:solidFill>
+                <a:uFill>
+                  <a:solidFill>
+                    <a:srgbClr val="ffffff"/>
+                  </a:solidFill>
+                </a:uFill>
+                <a:latin typeface="Roboto"/>
+              </a:rPr>
+              <a:t> </a:t>
+            </a:r>
+            <a:endParaRPr b="0" lang="en-US" sz="1800" spc="-1" strike="noStrike">
+              <a:solidFill>
+                <a:srgbClr val="000000"/>
+              </a:solidFill>
+              <a:uFill>
+                <a:solidFill>
+                  <a:srgbClr val="ffffff"/>
+                </a:solidFill>
+              </a:uFill>
+              <a:latin typeface="Arial"/>
+            </a:endParaRPr>
+          </a:p>
+          <a:p>
+            <a:pPr marL="216000" indent="-216000">
+              <a:lnSpc>
+                <a:spcPct val="100000"/>
+              </a:lnSpc>
+              <a:buClr>
+                <a:srgbClr val="000000"/>
+              </a:buClr>
+              <a:buSzPct val="45000"/>
+              <a:buFont typeface="Wingdings"/>
+              <a:buChar char="l"/>
+            </a:pPr>
+            <a:r>
+              <a:rPr b="0" lang="en-US" sz="2800" spc="-1" strike="noStrike">
+                <a:solidFill>
+                  <a:srgbClr val="000000"/>
+                </a:solidFill>
+                <a:uFill>
+                  <a:solidFill>
+                    <a:srgbClr val="ffffff"/>
+                  </a:solidFill>
+                </a:uFill>
+                <a:latin typeface="Roboto"/>
+              </a:rPr>
+              <a:t>Encoding specifications</a:t>
+            </a:r>
+            <a:endParaRPr b="0" lang="en-US" sz="1800" spc="-1" strike="noStrike">
+              <a:solidFill>
+                <a:srgbClr val="000000"/>
+              </a:solidFill>
+              <a:uFill>
+                <a:solidFill>
+                  <a:srgbClr val="ffffff"/>
+                </a:solidFill>
+              </a:uFill>
+              <a:latin typeface="Arial"/>
+            </a:endParaRPr>
           </a:p>
         </p:txBody>
       </p:sp>
@@ -4349,7 +6815,7 @@
 </file>
 
 <file path=ppt/slides/slide8.xml><?xml version="1.0" encoding="utf-8"?>
-<p:sld xmlns:a="http://schemas.openxmlformats.org/drawingml/2006/main" xmlns:p="http://schemas.openxmlformats.org/presentationml/2006/main" xmlns:r="http://schemas.openxmlformats.org/officeDocument/2006/relationships">
+<p:sld xmlns:a="http://schemas.openxmlformats.org/drawingml/2006/main" xmlns:p="http://schemas.openxmlformats.org/presentationml/2006/main" xmlns:r="http://schemas.openxmlformats.org/officeDocument/2006/relationships" xmlns:p14="http://schemas.microsoft.com/office/powerpoint/2010/main" xmlns:p15="http://schemas.microsoft.com/office/powerpoint/2012/main" xmlns:mc="http://schemas.openxmlformats.org/markup-compatibility/2006">
   <p:cSld>
     <p:spTree>
       <p:nvGrpSpPr>
@@ -4367,65 +6833,70 @@
       </p:grpSpPr>
       <p:sp>
         <p:nvSpPr>
-          <p:cNvPr id="93" name="TextShape 1"/>
-          <p:cNvSpPr txBox="1"/>
+          <p:cNvPr id="91" name="CustomShape 1"/>
+          <p:cNvSpPr/>
           <p:nvPr/>
         </p:nvSpPr>
         <p:spPr>
           <a:xfrm>
             <a:off x="503640" y="301320"/>
-            <a:ext cx="9071280" cy="1261800"/>
-          </a:xfrm>
-          <a:prstGeom prst="rect">
-            <a:avLst/>
-          </a:prstGeom>
-        </p:spPr>
-        <p:txBody>
-          <a:bodyPr lIns="0" rIns="0" tIns="0" bIns="0" anchor="ctr"/>
-          <a:p>
-            <a:pPr algn="ctr"/>
-            <a:endParaRPr/>
-          </a:p>
-        </p:txBody>
-      </p:sp>
-      <p:sp>
-        <p:nvSpPr>
-          <p:cNvPr id="94" name="TextShape 2"/>
-          <p:cNvSpPr txBox="1"/>
+            <a:ext cx="9070920" cy="1261440"/>
+          </a:xfrm>
+          <a:prstGeom prst="rect">
+            <a:avLst/>
+          </a:prstGeom>
+          <a:noFill/>
+          <a:ln>
+            <a:noFill/>
+          </a:ln>
+        </p:spPr>
+        <p:style>
+          <a:lnRef idx="0"/>
+          <a:fillRef idx="0"/>
+          <a:effectRef idx="0"/>
+          <a:fontRef idx="minor"/>
+        </p:style>
+      </p:sp>
+      <p:sp>
+        <p:nvSpPr>
+          <p:cNvPr id="92" name="CustomShape 2"/>
+          <p:cNvSpPr/>
           <p:nvPr/>
         </p:nvSpPr>
         <p:spPr>
           <a:xfrm>
             <a:off x="503640" y="1768680"/>
-            <a:ext cx="9071280" cy="4384440"/>
-          </a:xfrm>
-          <a:prstGeom prst="rect">
-            <a:avLst/>
-          </a:prstGeom>
-        </p:spPr>
-        <p:txBody>
-          <a:bodyPr lIns="0" rIns="0" tIns="0" bIns="0"/>
-          <a:p>
-            <a:endParaRPr/>
-          </a:p>
-        </p:txBody>
+            <a:ext cx="9070920" cy="4384080"/>
+          </a:xfrm>
+          <a:prstGeom prst="rect">
+            <a:avLst/>
+          </a:prstGeom>
+          <a:noFill/>
+          <a:ln>
+            <a:noFill/>
+          </a:ln>
+        </p:spPr>
+        <p:style>
+          <a:lnRef idx="0"/>
+          <a:fillRef idx="0"/>
+          <a:effectRef idx="0"/>
+          <a:fontRef idx="minor"/>
+        </p:style>
       </p:sp>
       <p:pic>
         <p:nvPicPr>
-          <p:cNvPr id="95" name="" descr=""/>
+          <p:cNvPr id="93" name="" descr=""/>
           <p:cNvPicPr/>
           <p:nvPr/>
         </p:nvPicPr>
         <p:blipFill>
           <a:blip r:embed="rId1"/>
-          <a:stretch>
-            <a:fillRect/>
-          </a:stretch>
+          <a:stretch/>
         </p:blipFill>
         <p:spPr>
           <a:xfrm>
             <a:off x="-457200" y="-548640"/>
-            <a:ext cx="8503920" cy="8503920"/>
+            <a:ext cx="8503560" cy="8503560"/>
           </a:xfrm>
           <a:prstGeom prst="rect">
             <a:avLst/>
@@ -4437,20 +6908,18 @@
       </p:pic>
       <p:pic>
         <p:nvPicPr>
-          <p:cNvPr id="96" name="" descr=""/>
+          <p:cNvPr id="94" name="" descr=""/>
           <p:cNvPicPr/>
           <p:nvPr/>
         </p:nvPicPr>
         <p:blipFill>
           <a:blip r:embed="rId2"/>
-          <a:stretch>
-            <a:fillRect/>
-          </a:stretch>
+          <a:stretch/>
         </p:blipFill>
         <p:spPr>
           <a:xfrm>
             <a:off x="3908880" y="3749040"/>
-            <a:ext cx="4229280" cy="3474720"/>
+            <a:ext cx="4228920" cy="3474360"/>
           </a:xfrm>
           <a:prstGeom prst="rect">
             <a:avLst/>
